--- a/What’s new in Entity Framework Core 2.pptx
+++ b/What’s new in Entity Framework Core 2.pptx
@@ -165,123 +165,6 @@
 
 <file path=ppt/changesInfos/changesInfo1.xml><?xml version="1.0" encoding="utf-8"?>
 <pc:chgInfo xmlns:a="http://schemas.openxmlformats.org/drawingml/2006/main" xmlns:r="http://schemas.openxmlformats.org/officeDocument/2006/relationships" xmlns:ac="http://schemas.microsoft.com/office/drawing/2013/main/command" xmlns:pc="http://schemas.microsoft.com/office/powerpoint/2013/main/command">
-  <pc:docChgLst>
-    <pc:chgData name="Chris Woodruff" userId="2dbf025665e4d94d" providerId="LiveId" clId="{2A98A463-9C7C-43F6-9D93-F1BE90E7B3CF}"/>
-  </pc:docChgLst>
-  <pc:docChgLst>
-    <pc:chgData name="Chris Woodruff" userId="2dbf025665e4d94d" providerId="LiveId" clId="{EB5C419C-9D7A-424F-AA50-78BFF8F5624B}"/>
-    <pc:docChg chg="undo custSel addSld delSld modSld sldOrd">
-      <pc:chgData name="Chris Woodruff" userId="2dbf025665e4d94d" providerId="LiveId" clId="{EB5C419C-9D7A-424F-AA50-78BFF8F5624B}" dt="2018-10-07T18:49:11.095" v="208" actId="20577"/>
-      <pc:docMkLst>
-        <pc:docMk/>
-      </pc:docMkLst>
-      <pc:sldChg chg="add del">
-        <pc:chgData name="Chris Woodruff" userId="2dbf025665e4d94d" providerId="LiveId" clId="{EB5C419C-9D7A-424F-AA50-78BFF8F5624B}" dt="2018-10-07T18:38:09.733" v="4" actId="2696"/>
-        <pc:sldMkLst>
-          <pc:docMk/>
-          <pc:sldMk cId="1317897041" sldId="267"/>
-        </pc:sldMkLst>
-      </pc:sldChg>
-      <pc:sldChg chg="del">
-        <pc:chgData name="Chris Woodruff" userId="2dbf025665e4d94d" providerId="LiveId" clId="{EB5C419C-9D7A-424F-AA50-78BFF8F5624B}" dt="2018-10-07T18:40:02.648" v="81" actId="2696"/>
-        <pc:sldMkLst>
-          <pc:docMk/>
-          <pc:sldMk cId="3728622791" sldId="272"/>
-        </pc:sldMkLst>
-      </pc:sldChg>
-      <pc:sldChg chg="modSp">
-        <pc:chgData name="Chris Woodruff" userId="2dbf025665e4d94d" providerId="LiveId" clId="{EB5C419C-9D7A-424F-AA50-78BFF8F5624B}" dt="2018-10-07T18:41:39.237" v="115" actId="20577"/>
-        <pc:sldMkLst>
-          <pc:docMk/>
-          <pc:sldMk cId="342056269" sldId="275"/>
-        </pc:sldMkLst>
-        <pc:spChg chg="mod">
-          <ac:chgData name="Chris Woodruff" userId="2dbf025665e4d94d" providerId="LiveId" clId="{EB5C419C-9D7A-424F-AA50-78BFF8F5624B}" dt="2018-10-07T18:41:39.237" v="115" actId="20577"/>
-          <ac:spMkLst>
-            <pc:docMk/>
-            <pc:sldMk cId="342056269" sldId="275"/>
-            <ac:spMk id="21" creationId="{1FAB10AD-8E22-4551-8406-D9F6B0C8D31C}"/>
-          </ac:spMkLst>
-        </pc:spChg>
-      </pc:sldChg>
-      <pc:sldChg chg="add del">
-        <pc:chgData name="Chris Woodruff" userId="2dbf025665e4d94d" providerId="LiveId" clId="{EB5C419C-9D7A-424F-AA50-78BFF8F5624B}" dt="2018-10-07T18:38:13.883" v="5" actId="2696"/>
-        <pc:sldMkLst>
-          <pc:docMk/>
-          <pc:sldMk cId="98762289" sldId="281"/>
-        </pc:sldMkLst>
-      </pc:sldChg>
-      <pc:sldChg chg="modSp del">
-        <pc:chgData name="Chris Woodruff" userId="2dbf025665e4d94d" providerId="LiveId" clId="{EB5C419C-9D7A-424F-AA50-78BFF8F5624B}" dt="2018-10-07T18:40:04.098" v="82" actId="2696"/>
-        <pc:sldMkLst>
-          <pc:docMk/>
-          <pc:sldMk cId="460163012" sldId="286"/>
-        </pc:sldMkLst>
-        <pc:spChg chg="mod">
-          <ac:chgData name="Chris Woodruff" userId="2dbf025665e4d94d" providerId="LiveId" clId="{EB5C419C-9D7A-424F-AA50-78BFF8F5624B}" dt="2018-10-07T18:39:33.565" v="79" actId="14100"/>
-          <ac:spMkLst>
-            <pc:docMk/>
-            <pc:sldMk cId="460163012" sldId="286"/>
-            <ac:spMk id="4" creationId="{A1F4371F-DEDD-463B-90B4-4857E175C0B3}"/>
-          </ac:spMkLst>
-        </pc:spChg>
-        <pc:spChg chg="mod">
-          <ac:chgData name="Chris Woodruff" userId="2dbf025665e4d94d" providerId="LiveId" clId="{EB5C419C-9D7A-424F-AA50-78BFF8F5624B}" dt="2018-10-07T18:39:40.794" v="80" actId="14100"/>
-          <ac:spMkLst>
-            <pc:docMk/>
-            <pc:sldMk cId="460163012" sldId="286"/>
-            <ac:spMk id="5" creationId="{B26DDEF1-5C5C-49E3-A2DD-0CCDF06D397B}"/>
-          </ac:spMkLst>
-        </pc:spChg>
-      </pc:sldChg>
-      <pc:sldChg chg="modSp">
-        <pc:chgData name="Chris Woodruff" userId="2dbf025665e4d94d" providerId="LiveId" clId="{EB5C419C-9D7A-424F-AA50-78BFF8F5624B}" dt="2018-10-07T18:49:11.095" v="208" actId="20577"/>
-        <pc:sldMkLst>
-          <pc:docMk/>
-          <pc:sldMk cId="3595587038" sldId="287"/>
-        </pc:sldMkLst>
-        <pc:spChg chg="mod">
-          <ac:chgData name="Chris Woodruff" userId="2dbf025665e4d94d" providerId="LiveId" clId="{EB5C419C-9D7A-424F-AA50-78BFF8F5624B}" dt="2018-10-07T18:49:11.095" v="208" actId="20577"/>
-          <ac:spMkLst>
-            <pc:docMk/>
-            <pc:sldMk cId="3595587038" sldId="287"/>
-            <ac:spMk id="10" creationId="{81F95C49-F46E-4A7C-B5D9-4C13FC1604A3}"/>
-          </ac:spMkLst>
-        </pc:spChg>
-      </pc:sldChg>
-      <pc:sldChg chg="ord">
-        <pc:chgData name="Chris Woodruff" userId="2dbf025665e4d94d" providerId="LiveId" clId="{EB5C419C-9D7A-424F-AA50-78BFF8F5624B}" dt="2018-10-07T18:40:24.925" v="83"/>
-        <pc:sldMkLst>
-          <pc:docMk/>
-          <pc:sldMk cId="382619369" sldId="297"/>
-        </pc:sldMkLst>
-      </pc:sldChg>
-      <pc:sldChg chg="del">
-        <pc:chgData name="Chris Woodruff" userId="2dbf025665e4d94d" providerId="LiveId" clId="{EB5C419C-9D7A-424F-AA50-78BFF8F5624B}" dt="2018-10-07T18:41:56.801" v="116" actId="2696"/>
-        <pc:sldMkLst>
-          <pc:docMk/>
-          <pc:sldMk cId="4223863248" sldId="311"/>
-        </pc:sldMkLst>
-      </pc:sldChg>
-      <pc:sldChg chg="del">
-        <pc:chgData name="Chris Woodruff" userId="2dbf025665e4d94d" providerId="LiveId" clId="{EB5C419C-9D7A-424F-AA50-78BFF8F5624B}" dt="2018-10-07T18:41:58.374" v="117" actId="2696"/>
-        <pc:sldMkLst>
-          <pc:docMk/>
-          <pc:sldMk cId="3462295041" sldId="312"/>
-        </pc:sldMkLst>
-      </pc:sldChg>
-      <pc:sldChg chg="ord">
-        <pc:chgData name="Chris Woodruff" userId="2dbf025665e4d94d" providerId="LiveId" clId="{EB5C419C-9D7A-424F-AA50-78BFF8F5624B}" dt="2018-10-07T18:40:24.925" v="83"/>
-        <pc:sldMkLst>
-          <pc:docMk/>
-          <pc:sldMk cId="2987168172" sldId="313"/>
-        </pc:sldMkLst>
-      </pc:sldChg>
-    </pc:docChg>
-  </pc:docChgLst>
-  <pc:docChgLst>
-    <pc:chgData name="Chris Woodruff" userId="2dbf025665e4d94d" providerId="LiveId" clId="{9284FA2C-74A1-42E8-ACB2-08C7FA22F6C2}"/>
-  </pc:docChgLst>
   <pc:docChgLst>
     <pc:chgData name="Chris Woodruff" userId="2dbf025665e4d94d" providerId="LiveId" clId="{3DB9D9AB-5439-429E-9BE2-A6337B212CE1}"/>
     <pc:docChg chg="undo redo custSel addSld delSld modSld sldOrd">
@@ -1174,6 +1057,123 @@
       </pc:sldChg>
     </pc:docChg>
   </pc:docChgLst>
+  <pc:docChgLst>
+    <pc:chgData name="Chris Woodruff" userId="2dbf025665e4d94d" providerId="LiveId" clId="{2A98A463-9C7C-43F6-9D93-F1BE90E7B3CF}"/>
+  </pc:docChgLst>
+  <pc:docChgLst>
+    <pc:chgData name="Chris Woodruff" userId="2dbf025665e4d94d" providerId="LiveId" clId="{9284FA2C-74A1-42E8-ACB2-08C7FA22F6C2}"/>
+  </pc:docChgLst>
+  <pc:docChgLst>
+    <pc:chgData name="Chris Woodruff" userId="2dbf025665e4d94d" providerId="LiveId" clId="{EB5C419C-9D7A-424F-AA50-78BFF8F5624B}"/>
+    <pc:docChg chg="undo custSel addSld delSld modSld sldOrd">
+      <pc:chgData name="Chris Woodruff" userId="2dbf025665e4d94d" providerId="LiveId" clId="{EB5C419C-9D7A-424F-AA50-78BFF8F5624B}" dt="2018-10-07T18:49:11.095" v="208" actId="20577"/>
+      <pc:docMkLst>
+        <pc:docMk/>
+      </pc:docMkLst>
+      <pc:sldChg chg="add del">
+        <pc:chgData name="Chris Woodruff" userId="2dbf025665e4d94d" providerId="LiveId" clId="{EB5C419C-9D7A-424F-AA50-78BFF8F5624B}" dt="2018-10-07T18:38:09.733" v="4" actId="2696"/>
+        <pc:sldMkLst>
+          <pc:docMk/>
+          <pc:sldMk cId="1317897041" sldId="267"/>
+        </pc:sldMkLst>
+      </pc:sldChg>
+      <pc:sldChg chg="del">
+        <pc:chgData name="Chris Woodruff" userId="2dbf025665e4d94d" providerId="LiveId" clId="{EB5C419C-9D7A-424F-AA50-78BFF8F5624B}" dt="2018-10-07T18:40:02.648" v="81" actId="2696"/>
+        <pc:sldMkLst>
+          <pc:docMk/>
+          <pc:sldMk cId="3728622791" sldId="272"/>
+        </pc:sldMkLst>
+      </pc:sldChg>
+      <pc:sldChg chg="modSp">
+        <pc:chgData name="Chris Woodruff" userId="2dbf025665e4d94d" providerId="LiveId" clId="{EB5C419C-9D7A-424F-AA50-78BFF8F5624B}" dt="2018-10-07T18:41:39.237" v="115" actId="20577"/>
+        <pc:sldMkLst>
+          <pc:docMk/>
+          <pc:sldMk cId="342056269" sldId="275"/>
+        </pc:sldMkLst>
+        <pc:spChg chg="mod">
+          <ac:chgData name="Chris Woodruff" userId="2dbf025665e4d94d" providerId="LiveId" clId="{EB5C419C-9D7A-424F-AA50-78BFF8F5624B}" dt="2018-10-07T18:41:39.237" v="115" actId="20577"/>
+          <ac:spMkLst>
+            <pc:docMk/>
+            <pc:sldMk cId="342056269" sldId="275"/>
+            <ac:spMk id="21" creationId="{1FAB10AD-8E22-4551-8406-D9F6B0C8D31C}"/>
+          </ac:spMkLst>
+        </pc:spChg>
+      </pc:sldChg>
+      <pc:sldChg chg="add del">
+        <pc:chgData name="Chris Woodruff" userId="2dbf025665e4d94d" providerId="LiveId" clId="{EB5C419C-9D7A-424F-AA50-78BFF8F5624B}" dt="2018-10-07T18:38:13.883" v="5" actId="2696"/>
+        <pc:sldMkLst>
+          <pc:docMk/>
+          <pc:sldMk cId="98762289" sldId="281"/>
+        </pc:sldMkLst>
+      </pc:sldChg>
+      <pc:sldChg chg="modSp del">
+        <pc:chgData name="Chris Woodruff" userId="2dbf025665e4d94d" providerId="LiveId" clId="{EB5C419C-9D7A-424F-AA50-78BFF8F5624B}" dt="2018-10-07T18:40:04.098" v="82" actId="2696"/>
+        <pc:sldMkLst>
+          <pc:docMk/>
+          <pc:sldMk cId="460163012" sldId="286"/>
+        </pc:sldMkLst>
+        <pc:spChg chg="mod">
+          <ac:chgData name="Chris Woodruff" userId="2dbf025665e4d94d" providerId="LiveId" clId="{EB5C419C-9D7A-424F-AA50-78BFF8F5624B}" dt="2018-10-07T18:39:33.565" v="79" actId="14100"/>
+          <ac:spMkLst>
+            <pc:docMk/>
+            <pc:sldMk cId="460163012" sldId="286"/>
+            <ac:spMk id="4" creationId="{A1F4371F-DEDD-463B-90B4-4857E175C0B3}"/>
+          </ac:spMkLst>
+        </pc:spChg>
+        <pc:spChg chg="mod">
+          <ac:chgData name="Chris Woodruff" userId="2dbf025665e4d94d" providerId="LiveId" clId="{EB5C419C-9D7A-424F-AA50-78BFF8F5624B}" dt="2018-10-07T18:39:40.794" v="80" actId="14100"/>
+          <ac:spMkLst>
+            <pc:docMk/>
+            <pc:sldMk cId="460163012" sldId="286"/>
+            <ac:spMk id="5" creationId="{B26DDEF1-5C5C-49E3-A2DD-0CCDF06D397B}"/>
+          </ac:spMkLst>
+        </pc:spChg>
+      </pc:sldChg>
+      <pc:sldChg chg="modSp">
+        <pc:chgData name="Chris Woodruff" userId="2dbf025665e4d94d" providerId="LiveId" clId="{EB5C419C-9D7A-424F-AA50-78BFF8F5624B}" dt="2018-10-07T18:49:11.095" v="208" actId="20577"/>
+        <pc:sldMkLst>
+          <pc:docMk/>
+          <pc:sldMk cId="3595587038" sldId="287"/>
+        </pc:sldMkLst>
+        <pc:spChg chg="mod">
+          <ac:chgData name="Chris Woodruff" userId="2dbf025665e4d94d" providerId="LiveId" clId="{EB5C419C-9D7A-424F-AA50-78BFF8F5624B}" dt="2018-10-07T18:49:11.095" v="208" actId="20577"/>
+          <ac:spMkLst>
+            <pc:docMk/>
+            <pc:sldMk cId="3595587038" sldId="287"/>
+            <ac:spMk id="10" creationId="{81F95C49-F46E-4A7C-B5D9-4C13FC1604A3}"/>
+          </ac:spMkLst>
+        </pc:spChg>
+      </pc:sldChg>
+      <pc:sldChg chg="ord">
+        <pc:chgData name="Chris Woodruff" userId="2dbf025665e4d94d" providerId="LiveId" clId="{EB5C419C-9D7A-424F-AA50-78BFF8F5624B}" dt="2018-10-07T18:40:24.925" v="83"/>
+        <pc:sldMkLst>
+          <pc:docMk/>
+          <pc:sldMk cId="382619369" sldId="297"/>
+        </pc:sldMkLst>
+      </pc:sldChg>
+      <pc:sldChg chg="del">
+        <pc:chgData name="Chris Woodruff" userId="2dbf025665e4d94d" providerId="LiveId" clId="{EB5C419C-9D7A-424F-AA50-78BFF8F5624B}" dt="2018-10-07T18:41:56.801" v="116" actId="2696"/>
+        <pc:sldMkLst>
+          <pc:docMk/>
+          <pc:sldMk cId="4223863248" sldId="311"/>
+        </pc:sldMkLst>
+      </pc:sldChg>
+      <pc:sldChg chg="del">
+        <pc:chgData name="Chris Woodruff" userId="2dbf025665e4d94d" providerId="LiveId" clId="{EB5C419C-9D7A-424F-AA50-78BFF8F5624B}" dt="2018-10-07T18:41:58.374" v="117" actId="2696"/>
+        <pc:sldMkLst>
+          <pc:docMk/>
+          <pc:sldMk cId="3462295041" sldId="312"/>
+        </pc:sldMkLst>
+      </pc:sldChg>
+      <pc:sldChg chg="ord">
+        <pc:chgData name="Chris Woodruff" userId="2dbf025665e4d94d" providerId="LiveId" clId="{EB5C419C-9D7A-424F-AA50-78BFF8F5624B}" dt="2018-10-07T18:40:24.925" v="83"/>
+        <pc:sldMkLst>
+          <pc:docMk/>
+          <pc:sldMk cId="2987168172" sldId="313"/>
+        </pc:sldMkLst>
+      </pc:sldChg>
+    </pc:docChg>
+  </pc:docChgLst>
 </pc:chgInfo>
 </file>
 
@@ -1259,7 +1259,7 @@
           <a:p>
             <a:fld id="{21D56219-E84E-4D24-9852-DB0F76E72D55}" type="datetimeFigureOut">
               <a:rPr lang="en-US" smtClean="0"/>
-              <a:t>10/8/2018</a:t>
+              <a:t>10/9/2018</a:t>
             </a:fld>
             <a:endParaRPr lang="en-US"/>
           </a:p>
@@ -27041,8 +27041,8 @@
         </p:nvSpPr>
         <p:spPr>
           <a:xfrm>
-            <a:off x="527991" y="1224336"/>
-            <a:ext cx="7485570" cy="4524315"/>
+            <a:off x="527990" y="1224336"/>
+            <a:ext cx="7727735" cy="3785652"/>
           </a:xfrm>
           <a:prstGeom prst="rect">
             <a:avLst/>
@@ -27059,16 +27059,8 @@
               <a:buChar char="•"/>
             </a:pPr>
             <a:r>
-              <a:rPr lang="en-US" dirty="0"/>
-              <a:t>EF </a:t>
-            </a:r>
-            <a:r>
-              <a:rPr lang="en-US"/>
-              <a:t>Core 2.1 </a:t>
-            </a:r>
-            <a:r>
-              <a:rPr lang="en-US" dirty="0"/>
-              <a:t>won’t be binary compatible with EF Core 1.0</a:t>
+              <a:rPr lang="en-US" sz="2000" dirty="0"/>
+              <a:t>EF Core 2.1 won’t be binary compatible with EF Core 1.0</a:t>
             </a:r>
           </a:p>
           <a:p>
@@ -27076,7 +27068,7 @@
               <a:buFont typeface="Arial" panose="020B0604020202020204" pitchFamily="34" charset="0"/>
               <a:buChar char="•"/>
             </a:pPr>
-            <a:endParaRPr lang="en-US" dirty="0"/>
+            <a:endParaRPr lang="en-US" sz="2000" dirty="0"/>
           </a:p>
           <a:p>
             <a:pPr marL="285750" indent="-285750">
@@ -27084,8 +27076,8 @@
               <a:buChar char="•"/>
             </a:pPr>
             <a:r>
-              <a:rPr lang="en-US" dirty="0"/>
-              <a:t>The minimum version of .NET Framework supported is 4.6.1</a:t>
+              <a:rPr lang="en-US" sz="2000" dirty="0"/>
+              <a:t>Spatial Data Types high priority for EF Core 2.2</a:t>
             </a:r>
           </a:p>
           <a:p>
@@ -27093,7 +27085,7 @@
               <a:buFont typeface="Arial" panose="020B0604020202020204" pitchFamily="34" charset="0"/>
               <a:buChar char="•"/>
             </a:pPr>
-            <a:endParaRPr lang="en-US" dirty="0"/>
+            <a:endParaRPr lang="en-US" sz="2000" dirty="0"/>
           </a:p>
           <a:p>
             <a:pPr marL="285750" indent="-285750">
@@ -27101,16 +27093,8 @@
               <a:buChar char="•"/>
             </a:pPr>
             <a:r>
-              <a:rPr lang="en-US" dirty="0"/>
-              <a:t>The minimum version of </a:t>
-            </a:r>
-            <a:r>
-              <a:rPr lang="en-US" dirty="0" err="1"/>
-              <a:t>Xamarin.iOS</a:t>
-            </a:r>
-            <a:r>
-              <a:rPr lang="en-US" dirty="0"/>
-              <a:t> supported is 10.14</a:t>
+              <a:rPr lang="en-US" sz="2000" dirty="0"/>
+              <a:t>Support for collections of owned entities in EF Core 2.2</a:t>
             </a:r>
           </a:p>
           <a:p>
@@ -27118,7 +27102,7 @@
               <a:buFont typeface="Arial" panose="020B0604020202020204" pitchFamily="34" charset="0"/>
               <a:buChar char="•"/>
             </a:pPr>
-            <a:endParaRPr lang="en-US" dirty="0"/>
+            <a:endParaRPr lang="en-US" sz="2000" dirty="0"/>
           </a:p>
           <a:p>
             <a:pPr marL="285750" indent="-285750">
@@ -27126,16 +27110,8 @@
               <a:buChar char="•"/>
             </a:pPr>
             <a:r>
-              <a:rPr lang="en-US" dirty="0"/>
-              <a:t>The minimum version of </a:t>
-            </a:r>
-            <a:r>
-              <a:rPr lang="en-US" dirty="0" err="1"/>
-              <a:t>Xamarin.Android</a:t>
-            </a:r>
-            <a:r>
-              <a:rPr lang="en-US" dirty="0"/>
-              <a:t> supported is 8.0</a:t>
+              <a:rPr lang="en-US" sz="2000" dirty="0"/>
+              <a:t>Cosmos DB provider will be coming in EF Core 2.2</a:t>
             </a:r>
           </a:p>
           <a:p>
@@ -27143,7 +27119,7 @@
               <a:buFont typeface="Arial" panose="020B0604020202020204" pitchFamily="34" charset="0"/>
               <a:buChar char="•"/>
             </a:pPr>
-            <a:endParaRPr lang="en-US" dirty="0"/>
+            <a:endParaRPr lang="en-US" sz="2000" dirty="0"/>
           </a:p>
           <a:p>
             <a:pPr marL="285750" indent="-285750">
@@ -27151,54 +27127,24 @@
               <a:buChar char="•"/>
             </a:pPr>
             <a:r>
-              <a:rPr lang="en-US" dirty="0"/>
-              <a:t>The minimum version of UWP supported is 10.0.16299</a:t>
-            </a:r>
-          </a:p>
-          <a:p>
-            <a:endParaRPr lang="en-US" dirty="0"/>
+              <a:rPr lang="en-US" sz="2000" dirty="0"/>
+              <a:t>Working with Views may happen in EF Core 3.0</a:t>
+            </a:r>
           </a:p>
           <a:p>
             <a:pPr marL="285750" indent="-285750">
               <a:buFont typeface="Arial" panose="020B0604020202020204" pitchFamily="34" charset="0"/>
               <a:buChar char="•"/>
             </a:pPr>
-            <a:r>
-              <a:rPr lang="en-US" dirty="0"/>
-              <a:t>Spatial Data Types high priority for EF Core 2.2</a:t>
-            </a:r>
+            <a:endParaRPr lang="en-US" sz="2000" dirty="0"/>
           </a:p>
           <a:p>
             <a:pPr marL="285750" indent="-285750">
               <a:buFont typeface="Arial" panose="020B0604020202020204" pitchFamily="34" charset="0"/>
               <a:buChar char="•"/>
             </a:pPr>
-            <a:endParaRPr lang="en-US" dirty="0"/>
-          </a:p>
-          <a:p>
-            <a:pPr marL="285750" indent="-285750">
-              <a:buFont typeface="Arial" panose="020B0604020202020204" pitchFamily="34" charset="0"/>
-              <a:buChar char="•"/>
-            </a:pPr>
-            <a:r>
-              <a:rPr lang="en-US" dirty="0"/>
-              <a:t>Working with Views may happen in EF Core 3.0</a:t>
-            </a:r>
-          </a:p>
-          <a:p>
-            <a:pPr marL="285750" indent="-285750">
-              <a:buFont typeface="Arial" panose="020B0604020202020204" pitchFamily="34" charset="0"/>
-              <a:buChar char="•"/>
-            </a:pPr>
-            <a:endParaRPr lang="en-US" dirty="0"/>
-          </a:p>
-          <a:p>
-            <a:pPr marL="285750" indent="-285750">
-              <a:buFont typeface="Arial" panose="020B0604020202020204" pitchFamily="34" charset="0"/>
-              <a:buChar char="•"/>
-            </a:pPr>
-            <a:r>
-              <a:rPr lang="en-US" dirty="0"/>
+            <a:r>
+              <a:rPr lang="en-US" sz="2000" dirty="0"/>
               <a:t>Stored Procedures native support not support but work arounds using string interpolation in raw SQL methods</a:t>
             </a:r>
           </a:p>

--- a/What’s new in Entity Framework Core 2.pptx
+++ b/What’s new in Entity Framework Core 2.pptx
@@ -6,48 +6,47 @@
     <p:sldMasterId id="2147483722" r:id="rId2"/>
   </p:sldMasterIdLst>
   <p:notesMasterIdLst>
-    <p:notesMasterId r:id="rId42"/>
+    <p:notesMasterId r:id="rId41"/>
   </p:notesMasterIdLst>
   <p:sldIdLst>
     <p:sldId id="288" r:id="rId3"/>
-    <p:sldId id="317" r:id="rId4"/>
-    <p:sldId id="265" r:id="rId5"/>
-    <p:sldId id="275" r:id="rId6"/>
-    <p:sldId id="276" r:id="rId7"/>
-    <p:sldId id="290" r:id="rId8"/>
-    <p:sldId id="266" r:id="rId9"/>
-    <p:sldId id="280" r:id="rId10"/>
-    <p:sldId id="318" r:id="rId11"/>
-    <p:sldId id="267" r:id="rId12"/>
-    <p:sldId id="281" r:id="rId13"/>
-    <p:sldId id="268" r:id="rId14"/>
-    <p:sldId id="282" r:id="rId15"/>
-    <p:sldId id="319" r:id="rId16"/>
-    <p:sldId id="269" r:id="rId17"/>
-    <p:sldId id="277" r:id="rId18"/>
-    <p:sldId id="278" r:id="rId19"/>
-    <p:sldId id="283" r:id="rId20"/>
-    <p:sldId id="320" r:id="rId21"/>
-    <p:sldId id="270" r:id="rId22"/>
-    <p:sldId id="284" r:id="rId23"/>
-    <p:sldId id="271" r:id="rId24"/>
-    <p:sldId id="285" r:id="rId25"/>
-    <p:sldId id="321" r:id="rId26"/>
-    <p:sldId id="272" r:id="rId27"/>
-    <p:sldId id="286" r:id="rId28"/>
-    <p:sldId id="308" r:id="rId29"/>
-    <p:sldId id="297" r:id="rId30"/>
-    <p:sldId id="313" r:id="rId31"/>
-    <p:sldId id="309" r:id="rId32"/>
-    <p:sldId id="299" r:id="rId33"/>
-    <p:sldId id="306" r:id="rId34"/>
-    <p:sldId id="305" r:id="rId35"/>
-    <p:sldId id="300" r:id="rId36"/>
-    <p:sldId id="287" r:id="rId37"/>
-    <p:sldId id="279" r:id="rId38"/>
-    <p:sldId id="273" r:id="rId39"/>
-    <p:sldId id="289" r:id="rId40"/>
-    <p:sldId id="314" r:id="rId41"/>
+    <p:sldId id="265" r:id="rId4"/>
+    <p:sldId id="275" r:id="rId5"/>
+    <p:sldId id="276" r:id="rId6"/>
+    <p:sldId id="290" r:id="rId7"/>
+    <p:sldId id="266" r:id="rId8"/>
+    <p:sldId id="280" r:id="rId9"/>
+    <p:sldId id="318" r:id="rId10"/>
+    <p:sldId id="267" r:id="rId11"/>
+    <p:sldId id="281" r:id="rId12"/>
+    <p:sldId id="268" r:id="rId13"/>
+    <p:sldId id="282" r:id="rId14"/>
+    <p:sldId id="319" r:id="rId15"/>
+    <p:sldId id="269" r:id="rId16"/>
+    <p:sldId id="277" r:id="rId17"/>
+    <p:sldId id="278" r:id="rId18"/>
+    <p:sldId id="283" r:id="rId19"/>
+    <p:sldId id="320" r:id="rId20"/>
+    <p:sldId id="270" r:id="rId21"/>
+    <p:sldId id="284" r:id="rId22"/>
+    <p:sldId id="271" r:id="rId23"/>
+    <p:sldId id="285" r:id="rId24"/>
+    <p:sldId id="321" r:id="rId25"/>
+    <p:sldId id="272" r:id="rId26"/>
+    <p:sldId id="286" r:id="rId27"/>
+    <p:sldId id="308" r:id="rId28"/>
+    <p:sldId id="297" r:id="rId29"/>
+    <p:sldId id="313" r:id="rId30"/>
+    <p:sldId id="309" r:id="rId31"/>
+    <p:sldId id="299" r:id="rId32"/>
+    <p:sldId id="306" r:id="rId33"/>
+    <p:sldId id="305" r:id="rId34"/>
+    <p:sldId id="300" r:id="rId35"/>
+    <p:sldId id="287" r:id="rId36"/>
+    <p:sldId id="279" r:id="rId37"/>
+    <p:sldId id="273" r:id="rId38"/>
+    <p:sldId id="289" r:id="rId39"/>
+    <p:sldId id="314" r:id="rId40"/>
   </p:sldIdLst>
   <p:sldSz cx="12192000" cy="6858000"/>
   <p:notesSz cx="6858000" cy="9144000"/>
@@ -157,1024 +156,10 @@
 <file path=ppt/revisionInfo.xml><?xml version="1.0" encoding="utf-8"?>
 <p1510:revInfo xmlns:a="http://schemas.openxmlformats.org/drawingml/2006/main" xmlns:r="http://schemas.openxmlformats.org/officeDocument/2006/relationships" xmlns:p1510="http://schemas.microsoft.com/office/powerpoint/2015/10/main">
   <p1510:revLst>
+    <p1510:client id="{3DB9D9AB-5439-429E-9BE2-A6337B212CE1}" v="16" dt="2018-10-08T18:23:44.112"/>
     <p1510:client id="{EB5C419C-9D7A-424F-AA50-78BFF8F5624B}" v="2" dt="2018-10-07T18:47:28.620"/>
-    <p1510:client id="{3DB9D9AB-5439-429E-9BE2-A6337B212CE1}" v="16" dt="2018-10-08T18:23:44.112"/>
   </p1510:revLst>
 </p1510:revInfo>
-</file>
-
-<file path=ppt/changesInfos/changesInfo1.xml><?xml version="1.0" encoding="utf-8"?>
-<pc:chgInfo xmlns:a="http://schemas.openxmlformats.org/drawingml/2006/main" xmlns:r="http://schemas.openxmlformats.org/officeDocument/2006/relationships" xmlns:ac="http://schemas.microsoft.com/office/drawing/2013/main/command" xmlns:pc="http://schemas.microsoft.com/office/powerpoint/2013/main/command">
-  <pc:docChgLst>
-    <pc:chgData name="Chris Woodruff" userId="2dbf025665e4d94d" providerId="LiveId" clId="{3DB9D9AB-5439-429E-9BE2-A6337B212CE1}"/>
-    <pc:docChg chg="undo redo custSel addSld delSld modSld sldOrd">
-      <pc:chgData name="Chris Woodruff" userId="2dbf025665e4d94d" providerId="LiveId" clId="{3DB9D9AB-5439-429E-9BE2-A6337B212CE1}" dt="2018-10-08T18:23:44.112" v="1269"/>
-      <pc:docMkLst>
-        <pc:docMk/>
-      </pc:docMkLst>
-      <pc:sldChg chg="addSp delSp modSp">
-        <pc:chgData name="Chris Woodruff" userId="2dbf025665e4d94d" providerId="LiveId" clId="{3DB9D9AB-5439-429E-9BE2-A6337B212CE1}" dt="2018-10-06T13:30:16.450" v="1129" actId="1036"/>
-        <pc:sldMkLst>
-          <pc:docMk/>
-          <pc:sldMk cId="1764760686" sldId="265"/>
-        </pc:sldMkLst>
-        <pc:spChg chg="mod">
-          <ac:chgData name="Chris Woodruff" userId="2dbf025665e4d94d" providerId="LiveId" clId="{3DB9D9AB-5439-429E-9BE2-A6337B212CE1}" dt="2018-10-06T13:25:36.895" v="1046" actId="403"/>
-          <ac:spMkLst>
-            <pc:docMk/>
-            <pc:sldMk cId="1764760686" sldId="265"/>
-            <ac:spMk id="3" creationId="{00000000-0000-0000-0000-000000000000}"/>
-          </ac:spMkLst>
-        </pc:spChg>
-        <pc:spChg chg="mod">
-          <ac:chgData name="Chris Woodruff" userId="2dbf025665e4d94d" providerId="LiveId" clId="{3DB9D9AB-5439-429E-9BE2-A6337B212CE1}" dt="2018-10-06T13:30:02.436" v="1107" actId="113"/>
-          <ac:spMkLst>
-            <pc:docMk/>
-            <pc:sldMk cId="1764760686" sldId="265"/>
-            <ac:spMk id="4" creationId="{00000000-0000-0000-0000-000000000000}"/>
-          </ac:spMkLst>
-        </pc:spChg>
-        <pc:spChg chg="del">
-          <ac:chgData name="Chris Woodruff" userId="2dbf025665e4d94d" providerId="LiveId" clId="{3DB9D9AB-5439-429E-9BE2-A6337B212CE1}" dt="2018-10-06T13:19:15.691" v="993" actId="478"/>
-          <ac:spMkLst>
-            <pc:docMk/>
-            <pc:sldMk cId="1764760686" sldId="265"/>
-            <ac:spMk id="5" creationId="{00000000-0000-0000-0000-000000000000}"/>
-          </ac:spMkLst>
-        </pc:spChg>
-        <pc:spChg chg="del">
-          <ac:chgData name="Chris Woodruff" userId="2dbf025665e4d94d" providerId="LiveId" clId="{3DB9D9AB-5439-429E-9BE2-A6337B212CE1}" dt="2018-10-06T13:19:21.011" v="995" actId="478"/>
-          <ac:spMkLst>
-            <pc:docMk/>
-            <pc:sldMk cId="1764760686" sldId="265"/>
-            <ac:spMk id="6" creationId="{00000000-0000-0000-0000-000000000000}"/>
-          </ac:spMkLst>
-        </pc:spChg>
-        <pc:spChg chg="add del mod">
-          <ac:chgData name="Chris Woodruff" userId="2dbf025665e4d94d" providerId="LiveId" clId="{3DB9D9AB-5439-429E-9BE2-A6337B212CE1}" dt="2018-10-06T13:19:18.185" v="994" actId="478"/>
-          <ac:spMkLst>
-            <pc:docMk/>
-            <pc:sldMk cId="1764760686" sldId="265"/>
-            <ac:spMk id="8" creationId="{11B0ACC7-4B3F-4EA3-B162-B4DD8787006B}"/>
-          </ac:spMkLst>
-        </pc:spChg>
-        <pc:spChg chg="mod">
-          <ac:chgData name="Chris Woodruff" userId="2dbf025665e4d94d" providerId="LiveId" clId="{3DB9D9AB-5439-429E-9BE2-A6337B212CE1}" dt="2018-10-06T13:19:00.652" v="990" actId="27636"/>
-          <ac:spMkLst>
-            <pc:docMk/>
-            <pc:sldMk cId="1764760686" sldId="265"/>
-            <ac:spMk id="10" creationId="{00000000-0000-0000-0000-000000000000}"/>
-          </ac:spMkLst>
-        </pc:spChg>
-        <pc:spChg chg="mod">
-          <ac:chgData name="Chris Woodruff" userId="2dbf025665e4d94d" providerId="LiveId" clId="{3DB9D9AB-5439-429E-9BE2-A6337B212CE1}" dt="2018-10-06T13:19:04.467" v="991" actId="404"/>
-          <ac:spMkLst>
-            <pc:docMk/>
-            <pc:sldMk cId="1764760686" sldId="265"/>
-            <ac:spMk id="11" creationId="{00000000-0000-0000-0000-000000000000}"/>
-          </ac:spMkLst>
-        </pc:spChg>
-        <pc:spChg chg="mod">
-          <ac:chgData name="Chris Woodruff" userId="2dbf025665e4d94d" providerId="LiveId" clId="{3DB9D9AB-5439-429E-9BE2-A6337B212CE1}" dt="2018-10-06T13:19:08.223" v="992" actId="404"/>
-          <ac:spMkLst>
-            <pc:docMk/>
-            <pc:sldMk cId="1764760686" sldId="265"/>
-            <ac:spMk id="12" creationId="{00000000-0000-0000-0000-000000000000}"/>
-          </ac:spMkLst>
-        </pc:spChg>
-        <pc:spChg chg="add del mod">
-          <ac:chgData name="Chris Woodruff" userId="2dbf025665e4d94d" providerId="LiveId" clId="{3DB9D9AB-5439-429E-9BE2-A6337B212CE1}" dt="2018-10-06T13:19:22.199" v="996" actId="478"/>
-          <ac:spMkLst>
-            <pc:docMk/>
-            <pc:sldMk cId="1764760686" sldId="265"/>
-            <ac:spMk id="14" creationId="{904688F4-2AAD-4AF6-8048-84EE6C725789}"/>
-          </ac:spMkLst>
-        </pc:spChg>
-        <pc:picChg chg="add mod">
-          <ac:chgData name="Chris Woodruff" userId="2dbf025665e4d94d" providerId="LiveId" clId="{3DB9D9AB-5439-429E-9BE2-A6337B212CE1}" dt="2018-10-06T13:30:16.450" v="1129" actId="1036"/>
-          <ac:picMkLst>
-            <pc:docMk/>
-            <pc:sldMk cId="1764760686" sldId="265"/>
-            <ac:picMk id="16" creationId="{65660C44-0691-40D3-A9A7-1E774DDBBD9D}"/>
-          </ac:picMkLst>
-        </pc:picChg>
-        <pc:picChg chg="add mod">
-          <ac:chgData name="Chris Woodruff" userId="2dbf025665e4d94d" providerId="LiveId" clId="{3DB9D9AB-5439-429E-9BE2-A6337B212CE1}" dt="2018-10-06T13:30:16.450" v="1129" actId="1036"/>
-          <ac:picMkLst>
-            <pc:docMk/>
-            <pc:sldMk cId="1764760686" sldId="265"/>
-            <ac:picMk id="2050" creationId="{791AF075-0E86-437D-AD16-98162596336C}"/>
-          </ac:picMkLst>
-        </pc:picChg>
-        <pc:picChg chg="add mod">
-          <ac:chgData name="Chris Woodruff" userId="2dbf025665e4d94d" providerId="LiveId" clId="{3DB9D9AB-5439-429E-9BE2-A6337B212CE1}" dt="2018-10-06T13:30:16.450" v="1129" actId="1036"/>
-          <ac:picMkLst>
-            <pc:docMk/>
-            <pc:sldMk cId="1764760686" sldId="265"/>
-            <ac:picMk id="2052" creationId="{E180DCA0-77AC-412E-949F-FE0E8E4C8679}"/>
-          </ac:picMkLst>
-        </pc:picChg>
-      </pc:sldChg>
-      <pc:sldChg chg="addSp modSp">
-        <pc:chgData name="Chris Woodruff" userId="2dbf025665e4d94d" providerId="LiveId" clId="{3DB9D9AB-5439-429E-9BE2-A6337B212CE1}" dt="2018-10-08T18:02:12.186" v="1232" actId="20577"/>
-        <pc:sldMkLst>
-          <pc:docMk/>
-          <pc:sldMk cId="2062710798" sldId="266"/>
-        </pc:sldMkLst>
-        <pc:spChg chg="mod">
-          <ac:chgData name="Chris Woodruff" userId="2dbf025665e4d94d" providerId="LiveId" clId="{3DB9D9AB-5439-429E-9BE2-A6337B212CE1}" dt="2018-10-08T18:02:12.186" v="1232" actId="20577"/>
-          <ac:spMkLst>
-            <pc:docMk/>
-            <pc:sldMk cId="2062710798" sldId="266"/>
-            <ac:spMk id="3" creationId="{00000000-0000-0000-0000-000000000000}"/>
-          </ac:spMkLst>
-        </pc:spChg>
-        <pc:spChg chg="add">
-          <ac:chgData name="Chris Woodruff" userId="2dbf025665e4d94d" providerId="LiveId" clId="{3DB9D9AB-5439-429E-9BE2-A6337B212CE1}" dt="2018-09-30T17:23:29.723" v="262"/>
-          <ac:spMkLst>
-            <pc:docMk/>
-            <pc:sldMk cId="2062710798" sldId="266"/>
-            <ac:spMk id="4" creationId="{D26C781D-D5D1-4AA5-B34F-3BE7B1E8C5EB}"/>
-          </ac:spMkLst>
-        </pc:spChg>
-      </pc:sldChg>
-      <pc:sldChg chg="modSp add">
-        <pc:chgData name="Chris Woodruff" userId="2dbf025665e4d94d" providerId="LiveId" clId="{3DB9D9AB-5439-429E-9BE2-A6337B212CE1}" dt="2018-10-08T18:10:43.687" v="1250" actId="20577"/>
-        <pc:sldMkLst>
-          <pc:docMk/>
-          <pc:sldMk cId="1317897041" sldId="267"/>
-        </pc:sldMkLst>
-        <pc:spChg chg="mod">
-          <ac:chgData name="Chris Woodruff" userId="2dbf025665e4d94d" providerId="LiveId" clId="{3DB9D9AB-5439-429E-9BE2-A6337B212CE1}" dt="2018-10-08T18:10:43.687" v="1250" actId="20577"/>
-          <ac:spMkLst>
-            <pc:docMk/>
-            <pc:sldMk cId="1317897041" sldId="267"/>
-            <ac:spMk id="3" creationId="{00000000-0000-0000-0000-000000000000}"/>
-          </ac:spMkLst>
-        </pc:spChg>
-      </pc:sldChg>
-      <pc:sldChg chg="addSp">
-        <pc:chgData name="Chris Woodruff" userId="2dbf025665e4d94d" providerId="LiveId" clId="{3DB9D9AB-5439-429E-9BE2-A6337B212CE1}" dt="2018-09-30T17:23:20.471" v="257"/>
-        <pc:sldMkLst>
-          <pc:docMk/>
-          <pc:sldMk cId="1031552652" sldId="268"/>
-        </pc:sldMkLst>
-        <pc:spChg chg="add">
-          <ac:chgData name="Chris Woodruff" userId="2dbf025665e4d94d" providerId="LiveId" clId="{3DB9D9AB-5439-429E-9BE2-A6337B212CE1}" dt="2018-09-30T17:23:20.471" v="257"/>
-          <ac:spMkLst>
-            <pc:docMk/>
-            <pc:sldMk cId="1031552652" sldId="268"/>
-            <ac:spMk id="4" creationId="{4F330726-9597-4348-868B-B5BE9D21D10F}"/>
-          </ac:spMkLst>
-        </pc:spChg>
-      </pc:sldChg>
-      <pc:sldChg chg="addSp">
-        <pc:chgData name="Chris Woodruff" userId="2dbf025665e4d94d" providerId="LiveId" clId="{3DB9D9AB-5439-429E-9BE2-A6337B212CE1}" dt="2018-09-30T17:23:11.534" v="254"/>
-        <pc:sldMkLst>
-          <pc:docMk/>
-          <pc:sldMk cId="2191062600" sldId="269"/>
-        </pc:sldMkLst>
-        <pc:spChg chg="add">
-          <ac:chgData name="Chris Woodruff" userId="2dbf025665e4d94d" providerId="LiveId" clId="{3DB9D9AB-5439-429E-9BE2-A6337B212CE1}" dt="2018-09-30T17:23:11.534" v="254"/>
-          <ac:spMkLst>
-            <pc:docMk/>
-            <pc:sldMk cId="2191062600" sldId="269"/>
-            <ac:spMk id="4" creationId="{2485F4F1-658C-4157-B842-1B4B68E22ADC}"/>
-          </ac:spMkLst>
-        </pc:spChg>
-      </pc:sldChg>
-      <pc:sldChg chg="addSp">
-        <pc:chgData name="Chris Woodruff" userId="2dbf025665e4d94d" providerId="LiveId" clId="{3DB9D9AB-5439-429E-9BE2-A6337B212CE1}" dt="2018-09-30T17:22:58.402" v="249"/>
-        <pc:sldMkLst>
-          <pc:docMk/>
-          <pc:sldMk cId="1679300997" sldId="270"/>
-        </pc:sldMkLst>
-        <pc:spChg chg="add">
-          <ac:chgData name="Chris Woodruff" userId="2dbf025665e4d94d" providerId="LiveId" clId="{3DB9D9AB-5439-429E-9BE2-A6337B212CE1}" dt="2018-09-30T17:22:58.402" v="249"/>
-          <ac:spMkLst>
-            <pc:docMk/>
-            <pc:sldMk cId="1679300997" sldId="270"/>
-            <ac:spMk id="4" creationId="{601EF405-FC1A-4920-9A8A-F8B53C723921}"/>
-          </ac:spMkLst>
-        </pc:spChg>
-      </pc:sldChg>
-      <pc:sldChg chg="addSp">
-        <pc:chgData name="Chris Woodruff" userId="2dbf025665e4d94d" providerId="LiveId" clId="{3DB9D9AB-5439-429E-9BE2-A6337B212CE1}" dt="2018-09-30T17:22:51.369" v="247"/>
-        <pc:sldMkLst>
-          <pc:docMk/>
-          <pc:sldMk cId="4087396535" sldId="271"/>
-        </pc:sldMkLst>
-        <pc:spChg chg="add">
-          <ac:chgData name="Chris Woodruff" userId="2dbf025665e4d94d" providerId="LiveId" clId="{3DB9D9AB-5439-429E-9BE2-A6337B212CE1}" dt="2018-09-30T17:22:51.369" v="247"/>
-          <ac:spMkLst>
-            <pc:docMk/>
-            <pc:sldMk cId="4087396535" sldId="271"/>
-            <ac:spMk id="4" creationId="{FDEE0D66-3F04-4D60-9832-96709027EE58}"/>
-          </ac:spMkLst>
-        </pc:spChg>
-      </pc:sldChg>
-      <pc:sldChg chg="add">
-        <pc:chgData name="Chris Woodruff" userId="2dbf025665e4d94d" providerId="LiveId" clId="{3DB9D9AB-5439-429E-9BE2-A6337B212CE1}" dt="2018-10-08T18:13:02.992" v="1263"/>
-        <pc:sldMkLst>
-          <pc:docMk/>
-          <pc:sldMk cId="3728622791" sldId="272"/>
-        </pc:sldMkLst>
-      </pc:sldChg>
-      <pc:sldChg chg="modSp">
-        <pc:chgData name="Chris Woodruff" userId="2dbf025665e4d94d" providerId="LiveId" clId="{3DB9D9AB-5439-429E-9BE2-A6337B212CE1}" dt="2018-10-08T18:13:25.005" v="1266" actId="20577"/>
-        <pc:sldMkLst>
-          <pc:docMk/>
-          <pc:sldMk cId="342056269" sldId="275"/>
-        </pc:sldMkLst>
-        <pc:spChg chg="mod">
-          <ac:chgData name="Chris Woodruff" userId="2dbf025665e4d94d" providerId="LiveId" clId="{3DB9D9AB-5439-429E-9BE2-A6337B212CE1}" dt="2018-10-08T18:13:25.005" v="1266" actId="20577"/>
-          <ac:spMkLst>
-            <pc:docMk/>
-            <pc:sldMk cId="342056269" sldId="275"/>
-            <ac:spMk id="21" creationId="{1FAB10AD-8E22-4551-8406-D9F6B0C8D31C}"/>
-          </ac:spMkLst>
-        </pc:spChg>
-      </pc:sldChg>
-      <pc:sldChg chg="addSp delSp">
-        <pc:chgData name="Chris Woodruff" userId="2dbf025665e4d94d" providerId="LiveId" clId="{3DB9D9AB-5439-429E-9BE2-A6337B212CE1}" dt="2018-09-30T17:23:08.705" v="253"/>
-        <pc:sldMkLst>
-          <pc:docMk/>
-          <pc:sldMk cId="1618256810" sldId="278"/>
-        </pc:sldMkLst>
-        <pc:spChg chg="add del">
-          <ac:chgData name="Chris Woodruff" userId="2dbf025665e4d94d" providerId="LiveId" clId="{3DB9D9AB-5439-429E-9BE2-A6337B212CE1}" dt="2018-09-30T17:23:08.705" v="253"/>
-          <ac:spMkLst>
-            <pc:docMk/>
-            <pc:sldMk cId="1618256810" sldId="278"/>
-            <ac:spMk id="33" creationId="{CA69BFA3-D2EE-4F10-968A-DB06AA1526E0}"/>
-          </ac:spMkLst>
-        </pc:spChg>
-      </pc:sldChg>
-      <pc:sldChg chg="modSp">
-        <pc:chgData name="Chris Woodruff" userId="2dbf025665e4d94d" providerId="LiveId" clId="{3DB9D9AB-5439-429E-9BE2-A6337B212CE1}" dt="2018-10-06T16:14:01.151" v="1206" actId="14100"/>
-        <pc:sldMkLst>
-          <pc:docMk/>
-          <pc:sldMk cId="2737968990" sldId="279"/>
-        </pc:sldMkLst>
-        <pc:spChg chg="mod">
-          <ac:chgData name="Chris Woodruff" userId="2dbf025665e4d94d" providerId="LiveId" clId="{3DB9D9AB-5439-429E-9BE2-A6337B212CE1}" dt="2018-10-06T16:14:01.151" v="1206" actId="14100"/>
-          <ac:spMkLst>
-            <pc:docMk/>
-            <pc:sldMk cId="2737968990" sldId="279"/>
-            <ac:spMk id="10" creationId="{6884B891-4B4F-4A01-BBB7-C609760C2C81}"/>
-          </ac:spMkLst>
-        </pc:spChg>
-      </pc:sldChg>
-      <pc:sldChg chg="addSp">
-        <pc:chgData name="Chris Woodruff" userId="2dbf025665e4d94d" providerId="LiveId" clId="{3DB9D9AB-5439-429E-9BE2-A6337B212CE1}" dt="2018-09-30T17:23:28.013" v="261"/>
-        <pc:sldMkLst>
-          <pc:docMk/>
-          <pc:sldMk cId="3185251343" sldId="280"/>
-        </pc:sldMkLst>
-        <pc:spChg chg="add">
-          <ac:chgData name="Chris Woodruff" userId="2dbf025665e4d94d" providerId="LiveId" clId="{3DB9D9AB-5439-429E-9BE2-A6337B212CE1}" dt="2018-09-30T17:23:28.013" v="261"/>
-          <ac:spMkLst>
-            <pc:docMk/>
-            <pc:sldMk cId="3185251343" sldId="280"/>
-            <ac:spMk id="6" creationId="{0BBC547D-F6AD-41F5-8B68-B6A1CAE23E2F}"/>
-          </ac:spMkLst>
-        </pc:spChg>
-      </pc:sldChg>
-      <pc:sldChg chg="add">
-        <pc:chgData name="Chris Woodruff" userId="2dbf025665e4d94d" providerId="LiveId" clId="{3DB9D9AB-5439-429E-9BE2-A6337B212CE1}" dt="2018-10-08T18:10:32.804" v="1249"/>
-        <pc:sldMkLst>
-          <pc:docMk/>
-          <pc:sldMk cId="98762289" sldId="281"/>
-        </pc:sldMkLst>
-      </pc:sldChg>
-      <pc:sldChg chg="addSp">
-        <pc:chgData name="Chris Woodruff" userId="2dbf025665e4d94d" providerId="LiveId" clId="{3DB9D9AB-5439-429E-9BE2-A6337B212CE1}" dt="2018-09-30T17:23:18.983" v="256"/>
-        <pc:sldMkLst>
-          <pc:docMk/>
-          <pc:sldMk cId="1132133092" sldId="282"/>
-        </pc:sldMkLst>
-        <pc:spChg chg="add">
-          <ac:chgData name="Chris Woodruff" userId="2dbf025665e4d94d" providerId="LiveId" clId="{3DB9D9AB-5439-429E-9BE2-A6337B212CE1}" dt="2018-09-30T17:23:18.983" v="256"/>
-          <ac:spMkLst>
-            <pc:docMk/>
-            <pc:sldMk cId="1132133092" sldId="282"/>
-            <ac:spMk id="5" creationId="{C0C4C7F6-6B62-4836-82FE-B2A850665505}"/>
-          </ac:spMkLst>
-        </pc:spChg>
-      </pc:sldChg>
-      <pc:sldChg chg="addSp">
-        <pc:chgData name="Chris Woodruff" userId="2dbf025665e4d94d" providerId="LiveId" clId="{3DB9D9AB-5439-429E-9BE2-A6337B212CE1}" dt="2018-09-30T17:23:01.445" v="251"/>
-        <pc:sldMkLst>
-          <pc:docMk/>
-          <pc:sldMk cId="1277651667" sldId="283"/>
-        </pc:sldMkLst>
-        <pc:spChg chg="add">
-          <ac:chgData name="Chris Woodruff" userId="2dbf025665e4d94d" providerId="LiveId" clId="{3DB9D9AB-5439-429E-9BE2-A6337B212CE1}" dt="2018-09-30T17:23:01.445" v="251"/>
-          <ac:spMkLst>
-            <pc:docMk/>
-            <pc:sldMk cId="1277651667" sldId="283"/>
-            <ac:spMk id="6" creationId="{DBD5E8BA-F8B0-409F-A1C6-33FBB6B9F796}"/>
-          </ac:spMkLst>
-        </pc:spChg>
-      </pc:sldChg>
-      <pc:sldChg chg="addSp">
-        <pc:chgData name="Chris Woodruff" userId="2dbf025665e4d94d" providerId="LiveId" clId="{3DB9D9AB-5439-429E-9BE2-A6337B212CE1}" dt="2018-09-30T17:22:54.417" v="248"/>
-        <pc:sldMkLst>
-          <pc:docMk/>
-          <pc:sldMk cId="4132554685" sldId="284"/>
-        </pc:sldMkLst>
-        <pc:spChg chg="add">
-          <ac:chgData name="Chris Woodruff" userId="2dbf025665e4d94d" providerId="LiveId" clId="{3DB9D9AB-5439-429E-9BE2-A6337B212CE1}" dt="2018-09-30T17:22:54.417" v="248"/>
-          <ac:spMkLst>
-            <pc:docMk/>
-            <pc:sldMk cId="4132554685" sldId="284"/>
-            <ac:spMk id="7" creationId="{F3BE17C1-9D15-458F-B171-37FC7C27F23A}"/>
-          </ac:spMkLst>
-        </pc:spChg>
-      </pc:sldChg>
-      <pc:sldChg chg="addSp">
-        <pc:chgData name="Chris Woodruff" userId="2dbf025665e4d94d" providerId="LiveId" clId="{3DB9D9AB-5439-429E-9BE2-A6337B212CE1}" dt="2018-09-30T17:22:49.077" v="246"/>
-        <pc:sldMkLst>
-          <pc:docMk/>
-          <pc:sldMk cId="3138077517" sldId="285"/>
-        </pc:sldMkLst>
-        <pc:spChg chg="add">
-          <ac:chgData name="Chris Woodruff" userId="2dbf025665e4d94d" providerId="LiveId" clId="{3DB9D9AB-5439-429E-9BE2-A6337B212CE1}" dt="2018-09-30T17:22:49.077" v="246"/>
-          <ac:spMkLst>
-            <pc:docMk/>
-            <pc:sldMk cId="3138077517" sldId="285"/>
-            <ac:spMk id="5" creationId="{0643D8E9-C09E-4FE7-AAA8-C56F42AFF783}"/>
-          </ac:spMkLst>
-        </pc:spChg>
-      </pc:sldChg>
-      <pc:sldChg chg="add">
-        <pc:chgData name="Chris Woodruff" userId="2dbf025665e4d94d" providerId="LiveId" clId="{3DB9D9AB-5439-429E-9BE2-A6337B212CE1}" dt="2018-10-08T18:13:02.992" v="1263"/>
-        <pc:sldMkLst>
-          <pc:docMk/>
-          <pc:sldMk cId="460163012" sldId="286"/>
-        </pc:sldMkLst>
-      </pc:sldChg>
-      <pc:sldChg chg="modSp">
-        <pc:chgData name="Chris Woodruff" userId="2dbf025665e4d94d" providerId="LiveId" clId="{3DB9D9AB-5439-429E-9BE2-A6337B212CE1}" dt="2018-10-06T13:31:12.621" v="1134" actId="20577"/>
-        <pc:sldMkLst>
-          <pc:docMk/>
-          <pc:sldMk cId="3595587038" sldId="287"/>
-        </pc:sldMkLst>
-        <pc:spChg chg="mod">
-          <ac:chgData name="Chris Woodruff" userId="2dbf025665e4d94d" providerId="LiveId" clId="{3DB9D9AB-5439-429E-9BE2-A6337B212CE1}" dt="2018-10-06T13:31:12.621" v="1134" actId="20577"/>
-          <ac:spMkLst>
-            <pc:docMk/>
-            <pc:sldMk cId="3595587038" sldId="287"/>
-            <ac:spMk id="10" creationId="{81F95C49-F46E-4A7C-B5D9-4C13FC1604A3}"/>
-          </ac:spMkLst>
-        </pc:spChg>
-      </pc:sldChg>
-      <pc:sldChg chg="modSp">
-        <pc:chgData name="Chris Woodruff" userId="2dbf025665e4d94d" providerId="LiveId" clId="{3DB9D9AB-5439-429E-9BE2-A6337B212CE1}" dt="2018-09-30T17:13:51.087" v="1" actId="20577"/>
-        <pc:sldMkLst>
-          <pc:docMk/>
-          <pc:sldMk cId="3610811961" sldId="288"/>
-        </pc:sldMkLst>
-        <pc:spChg chg="mod">
-          <ac:chgData name="Chris Woodruff" userId="2dbf025665e4d94d" providerId="LiveId" clId="{3DB9D9AB-5439-429E-9BE2-A6337B212CE1}" dt="2018-09-30T17:13:51.087" v="1" actId="20577"/>
-          <ac:spMkLst>
-            <pc:docMk/>
-            <pc:sldMk cId="3610811961" sldId="288"/>
-            <ac:spMk id="2" creationId="{B7DAC009-D89E-455A-B97A-DCF7CA5E4D5F}"/>
-          </ac:spMkLst>
-        </pc:spChg>
-      </pc:sldChg>
-      <pc:sldChg chg="modSp add del ord">
-        <pc:chgData name="Chris Woodruff" userId="2dbf025665e4d94d" providerId="LiveId" clId="{3DB9D9AB-5439-429E-9BE2-A6337B212CE1}" dt="2018-10-08T18:05:49.328" v="1248" actId="2696"/>
-        <pc:sldMkLst>
-          <pc:docMk/>
-          <pc:sldMk cId="2836737285" sldId="296"/>
-        </pc:sldMkLst>
-        <pc:spChg chg="mod">
-          <ac:chgData name="Chris Woodruff" userId="2dbf025665e4d94d" providerId="LiveId" clId="{3DB9D9AB-5439-429E-9BE2-A6337B212CE1}" dt="2018-10-05T02:16:17.686" v="453" actId="122"/>
-          <ac:spMkLst>
-            <pc:docMk/>
-            <pc:sldMk cId="2836737285" sldId="296"/>
-            <ac:spMk id="3" creationId="{00000000-0000-0000-0000-000000000000}"/>
-          </ac:spMkLst>
-        </pc:spChg>
-      </pc:sldChg>
-      <pc:sldChg chg="addSp delSp modSp add ord delAnim modAnim">
-        <pc:chgData name="Chris Woodruff" userId="2dbf025665e4d94d" providerId="LiveId" clId="{3DB9D9AB-5439-429E-9BE2-A6337B212CE1}" dt="2018-10-05T10:30:00.022" v="507"/>
-        <pc:sldMkLst>
-          <pc:docMk/>
-          <pc:sldMk cId="382619369" sldId="297"/>
-        </pc:sldMkLst>
-        <pc:spChg chg="add mod">
-          <ac:chgData name="Chris Woodruff" userId="2dbf025665e4d94d" providerId="LiveId" clId="{3DB9D9AB-5439-429E-9BE2-A6337B212CE1}" dt="2018-10-05T02:18:36.425" v="497" actId="1076"/>
-          <ac:spMkLst>
-            <pc:docMk/>
-            <pc:sldMk cId="382619369" sldId="297"/>
-            <ac:spMk id="2" creationId="{ED090A65-0292-476C-965F-AFF6F62BCFB2}"/>
-          </ac:spMkLst>
-        </pc:spChg>
-        <pc:spChg chg="mod">
-          <ac:chgData name="Chris Woodruff" userId="2dbf025665e4d94d" providerId="LiveId" clId="{3DB9D9AB-5439-429E-9BE2-A6337B212CE1}" dt="2018-10-05T02:16:40.256" v="470" actId="20577"/>
-          <ac:spMkLst>
-            <pc:docMk/>
-            <pc:sldMk cId="382619369" sldId="297"/>
-            <ac:spMk id="3" creationId="{E6D2B393-CA40-48D4-8928-7A42FC4D077D}"/>
-          </ac:spMkLst>
-        </pc:spChg>
-        <pc:spChg chg="del">
-          <ac:chgData name="Chris Woodruff" userId="2dbf025665e4d94d" providerId="LiveId" clId="{3DB9D9AB-5439-429E-9BE2-A6337B212CE1}" dt="2018-10-05T02:17:50.473" v="475" actId="478"/>
-          <ac:spMkLst>
-            <pc:docMk/>
-            <pc:sldMk cId="382619369" sldId="297"/>
-            <ac:spMk id="4" creationId="{A1F4371F-DEDD-463B-90B4-4857E175C0B3}"/>
-          </ac:spMkLst>
-        </pc:spChg>
-        <pc:spChg chg="del">
-          <ac:chgData name="Chris Woodruff" userId="2dbf025665e4d94d" providerId="LiveId" clId="{3DB9D9AB-5439-429E-9BE2-A6337B212CE1}" dt="2018-10-05T02:17:33.279" v="471" actId="478"/>
-          <ac:spMkLst>
-            <pc:docMk/>
-            <pc:sldMk cId="382619369" sldId="297"/>
-            <ac:spMk id="5" creationId="{B26DDEF1-5C5C-49E3-A2DD-0CCDF06D397B}"/>
-          </ac:spMkLst>
-        </pc:spChg>
-        <pc:spChg chg="add del mod ord">
-          <ac:chgData name="Chris Woodruff" userId="2dbf025665e4d94d" providerId="LiveId" clId="{3DB9D9AB-5439-429E-9BE2-A6337B212CE1}" dt="2018-10-05T10:30:00.022" v="507"/>
-          <ac:spMkLst>
-            <pc:docMk/>
-            <pc:sldMk cId="382619369" sldId="297"/>
-            <ac:spMk id="6" creationId="{5A5D7DFE-7280-4B09-A523-2D7FD9F7F507}"/>
-          </ac:spMkLst>
-        </pc:spChg>
-      </pc:sldChg>
-      <pc:sldChg chg="modSp add">
-        <pc:chgData name="Chris Woodruff" userId="2dbf025665e4d94d" providerId="LiveId" clId="{3DB9D9AB-5439-429E-9BE2-A6337B212CE1}" dt="2018-09-30T17:19:04.123" v="205" actId="20577"/>
-        <pc:sldMkLst>
-          <pc:docMk/>
-          <pc:sldMk cId="360444024" sldId="299"/>
-        </pc:sldMkLst>
-        <pc:spChg chg="mod">
-          <ac:chgData name="Chris Woodruff" userId="2dbf025665e4d94d" providerId="LiveId" clId="{3DB9D9AB-5439-429E-9BE2-A6337B212CE1}" dt="2018-09-30T17:19:04.123" v="205" actId="20577"/>
-          <ac:spMkLst>
-            <pc:docMk/>
-            <pc:sldMk cId="360444024" sldId="299"/>
-            <ac:spMk id="3" creationId="{00000000-0000-0000-0000-000000000000}"/>
-          </ac:spMkLst>
-        </pc:spChg>
-      </pc:sldChg>
-      <pc:sldChg chg="addSp delSp modSp add ord delAnim modAnim">
-        <pc:chgData name="Chris Woodruff" userId="2dbf025665e4d94d" providerId="LiveId" clId="{3DB9D9AB-5439-429E-9BE2-A6337B212CE1}" dt="2018-10-06T12:59:56.069" v="736" actId="403"/>
-        <pc:sldMkLst>
-          <pc:docMk/>
-          <pc:sldMk cId="2031969044" sldId="300"/>
-        </pc:sldMkLst>
-        <pc:spChg chg="add del">
-          <ac:chgData name="Chris Woodruff" userId="2dbf025665e4d94d" providerId="LiveId" clId="{3DB9D9AB-5439-429E-9BE2-A6337B212CE1}" dt="2018-10-05T10:31:13.759" v="534"/>
-          <ac:spMkLst>
-            <pc:docMk/>
-            <pc:sldMk cId="2031969044" sldId="300"/>
-            <ac:spMk id="2" creationId="{698A2C35-5CC4-4269-BAD6-A190B633C8AF}"/>
-          </ac:spMkLst>
-        </pc:spChg>
-        <pc:spChg chg="mod">
-          <ac:chgData name="Chris Woodruff" userId="2dbf025665e4d94d" providerId="LiveId" clId="{3DB9D9AB-5439-429E-9BE2-A6337B212CE1}" dt="2018-10-05T10:34:33.475" v="658" actId="20577"/>
-          <ac:spMkLst>
-            <pc:docMk/>
-            <pc:sldMk cId="2031969044" sldId="300"/>
-            <ac:spMk id="3" creationId="{E6D2B393-CA40-48D4-8928-7A42FC4D077D}"/>
-          </ac:spMkLst>
-        </pc:spChg>
-        <pc:spChg chg="del">
-          <ac:chgData name="Chris Woodruff" userId="2dbf025665e4d94d" providerId="LiveId" clId="{3DB9D9AB-5439-429E-9BE2-A6337B212CE1}" dt="2018-10-05T10:30:43.159" v="532" actId="478"/>
-          <ac:spMkLst>
-            <pc:docMk/>
-            <pc:sldMk cId="2031969044" sldId="300"/>
-            <ac:spMk id="4" creationId="{A1F4371F-DEDD-463B-90B4-4857E175C0B3}"/>
-          </ac:spMkLst>
-        </pc:spChg>
-        <pc:spChg chg="del">
-          <ac:chgData name="Chris Woodruff" userId="2dbf025665e4d94d" providerId="LiveId" clId="{3DB9D9AB-5439-429E-9BE2-A6337B212CE1}" dt="2018-10-05T10:30:40.156" v="531" actId="478"/>
-          <ac:spMkLst>
-            <pc:docMk/>
-            <pc:sldMk cId="2031969044" sldId="300"/>
-            <ac:spMk id="5" creationId="{B26DDEF1-5C5C-49E3-A2DD-0CCDF06D397B}"/>
-          </ac:spMkLst>
-        </pc:spChg>
-        <pc:spChg chg="add mod">
-          <ac:chgData name="Chris Woodruff" userId="2dbf025665e4d94d" providerId="LiveId" clId="{3DB9D9AB-5439-429E-9BE2-A6337B212CE1}" dt="2018-10-06T12:59:51.946" v="735" actId="404"/>
-          <ac:spMkLst>
-            <pc:docMk/>
-            <pc:sldMk cId="2031969044" sldId="300"/>
-            <ac:spMk id="6" creationId="{322E5A72-57AA-4D02-AA9F-5C9158781E3E}"/>
-          </ac:spMkLst>
-        </pc:spChg>
-        <pc:spChg chg="add mod">
-          <ac:chgData name="Chris Woodruff" userId="2dbf025665e4d94d" providerId="LiveId" clId="{3DB9D9AB-5439-429E-9BE2-A6337B212CE1}" dt="2018-10-06T12:59:56.069" v="736" actId="403"/>
-          <ac:spMkLst>
-            <pc:docMk/>
-            <pc:sldMk cId="2031969044" sldId="300"/>
-            <ac:spMk id="7" creationId="{2D47F324-D27F-4EDB-8073-5023B3802BE5}"/>
-          </ac:spMkLst>
-        </pc:spChg>
-      </pc:sldChg>
-      <pc:sldChg chg="modSp add">
-        <pc:chgData name="Chris Woodruff" userId="2dbf025665e4d94d" providerId="LiveId" clId="{3DB9D9AB-5439-429E-9BE2-A6337B212CE1}" dt="2018-10-05T10:34:37.724" v="660" actId="20577"/>
-        <pc:sldMkLst>
-          <pc:docMk/>
-          <pc:sldMk cId="2226668917" sldId="305"/>
-        </pc:sldMkLst>
-        <pc:spChg chg="mod">
-          <ac:chgData name="Chris Woodruff" userId="2dbf025665e4d94d" providerId="LiveId" clId="{3DB9D9AB-5439-429E-9BE2-A6337B212CE1}" dt="2018-10-05T10:34:37.724" v="660" actId="20577"/>
-          <ac:spMkLst>
-            <pc:docMk/>
-            <pc:sldMk cId="2226668917" sldId="305"/>
-            <ac:spMk id="3" creationId="{00000000-0000-0000-0000-000000000000}"/>
-          </ac:spMkLst>
-        </pc:spChg>
-      </pc:sldChg>
-      <pc:sldChg chg="addSp delSp modSp add ord delAnim">
-        <pc:chgData name="Chris Woodruff" userId="2dbf025665e4d94d" providerId="LiveId" clId="{3DB9D9AB-5439-429E-9BE2-A6337B212CE1}" dt="2018-10-06T13:11:12.697" v="929" actId="403"/>
-        <pc:sldMkLst>
-          <pc:docMk/>
-          <pc:sldMk cId="599515757" sldId="306"/>
-        </pc:sldMkLst>
-        <pc:spChg chg="add del mod">
-          <ac:chgData name="Chris Woodruff" userId="2dbf025665e4d94d" providerId="LiveId" clId="{3DB9D9AB-5439-429E-9BE2-A6337B212CE1}" dt="2018-10-06T12:58:42.285" v="696"/>
-          <ac:spMkLst>
-            <pc:docMk/>
-            <pc:sldMk cId="599515757" sldId="306"/>
-            <ac:spMk id="2" creationId="{64183690-23E2-474B-995B-29767645B307}"/>
-          </ac:spMkLst>
-        </pc:spChg>
-        <pc:spChg chg="mod">
-          <ac:chgData name="Chris Woodruff" userId="2dbf025665e4d94d" providerId="LiveId" clId="{3DB9D9AB-5439-429E-9BE2-A6337B212CE1}" dt="2018-10-06T00:15:28.918" v="689" actId="20577"/>
-          <ac:spMkLst>
-            <pc:docMk/>
-            <pc:sldMk cId="599515757" sldId="306"/>
-            <ac:spMk id="3" creationId="{E6D2B393-CA40-48D4-8928-7A42FC4D077D}"/>
-          </ac:spMkLst>
-        </pc:spChg>
-        <pc:spChg chg="del">
-          <ac:chgData name="Chris Woodruff" userId="2dbf025665e4d94d" providerId="LiveId" clId="{3DB9D9AB-5439-429E-9BE2-A6337B212CE1}" dt="2018-10-06T00:16:04.581" v="690" actId="478"/>
-          <ac:spMkLst>
-            <pc:docMk/>
-            <pc:sldMk cId="599515757" sldId="306"/>
-            <ac:spMk id="4" creationId="{A1F4371F-DEDD-463B-90B4-4857E175C0B3}"/>
-          </ac:spMkLst>
-        </pc:spChg>
-        <pc:spChg chg="del">
-          <ac:chgData name="Chris Woodruff" userId="2dbf025665e4d94d" providerId="LiveId" clId="{3DB9D9AB-5439-429E-9BE2-A6337B212CE1}" dt="2018-10-06T00:16:07.321" v="691" actId="478"/>
-          <ac:spMkLst>
-            <pc:docMk/>
-            <pc:sldMk cId="599515757" sldId="306"/>
-            <ac:spMk id="5" creationId="{B26DDEF1-5C5C-49E3-A2DD-0CCDF06D397B}"/>
-          </ac:spMkLst>
-        </pc:spChg>
-        <pc:spChg chg="add del mod">
-          <ac:chgData name="Chris Woodruff" userId="2dbf025665e4d94d" providerId="LiveId" clId="{3DB9D9AB-5439-429E-9BE2-A6337B212CE1}" dt="2018-10-06T12:58:42.285" v="696"/>
-          <ac:spMkLst>
-            <pc:docMk/>
-            <pc:sldMk cId="599515757" sldId="306"/>
-            <ac:spMk id="6" creationId="{515AEDB2-F27A-431B-89F6-EC46EF3666CE}"/>
-          </ac:spMkLst>
-        </pc:spChg>
-        <pc:spChg chg="add del mod">
-          <ac:chgData name="Chris Woodruff" userId="2dbf025665e4d94d" providerId="LiveId" clId="{3DB9D9AB-5439-429E-9BE2-A6337B212CE1}" dt="2018-10-06T12:58:42.285" v="696"/>
-          <ac:spMkLst>
-            <pc:docMk/>
-            <pc:sldMk cId="599515757" sldId="306"/>
-            <ac:spMk id="7" creationId="{DC452A05-7053-4E1A-A8C1-6A232A2AF4F7}"/>
-          </ac:spMkLst>
-        </pc:spChg>
-        <pc:spChg chg="add del mod">
-          <ac:chgData name="Chris Woodruff" userId="2dbf025665e4d94d" providerId="LiveId" clId="{3DB9D9AB-5439-429E-9BE2-A6337B212CE1}" dt="2018-10-06T12:58:42.285" v="696"/>
-          <ac:spMkLst>
-            <pc:docMk/>
-            <pc:sldMk cId="599515757" sldId="306"/>
-            <ac:spMk id="8" creationId="{385CF157-2B8C-4813-BF4C-A4EBBA29E17A}"/>
-          </ac:spMkLst>
-        </pc:spChg>
-        <pc:spChg chg="add del mod">
-          <ac:chgData name="Chris Woodruff" userId="2dbf025665e4d94d" providerId="LiveId" clId="{3DB9D9AB-5439-429E-9BE2-A6337B212CE1}" dt="2018-10-06T12:58:42.285" v="696"/>
-          <ac:spMkLst>
-            <pc:docMk/>
-            <pc:sldMk cId="599515757" sldId="306"/>
-            <ac:spMk id="9" creationId="{794AA96E-A517-4B8D-9CA3-2DC5D8D003CC}"/>
-          </ac:spMkLst>
-        </pc:spChg>
-        <pc:spChg chg="add del mod">
-          <ac:chgData name="Chris Woodruff" userId="2dbf025665e4d94d" providerId="LiveId" clId="{3DB9D9AB-5439-429E-9BE2-A6337B212CE1}" dt="2018-10-06T12:58:42.285" v="696"/>
-          <ac:spMkLst>
-            <pc:docMk/>
-            <pc:sldMk cId="599515757" sldId="306"/>
-            <ac:spMk id="10" creationId="{33A79E8B-EF2C-423F-A697-B5B819722622}"/>
-          </ac:spMkLst>
-        </pc:spChg>
-        <pc:spChg chg="add del mod">
-          <ac:chgData name="Chris Woodruff" userId="2dbf025665e4d94d" providerId="LiveId" clId="{3DB9D9AB-5439-429E-9BE2-A6337B212CE1}" dt="2018-10-06T12:58:52.825" v="700"/>
-          <ac:spMkLst>
-            <pc:docMk/>
-            <pc:sldMk cId="599515757" sldId="306"/>
-            <ac:spMk id="11" creationId="{06C3DB86-8CB5-4991-A9D3-8DF09AC7A319}"/>
-          </ac:spMkLst>
-        </pc:spChg>
-        <pc:spChg chg="add mod">
-          <ac:chgData name="Chris Woodruff" userId="2dbf025665e4d94d" providerId="LiveId" clId="{3DB9D9AB-5439-429E-9BE2-A6337B212CE1}" dt="2018-10-06T13:11:12.697" v="929" actId="403"/>
-          <ac:spMkLst>
-            <pc:docMk/>
-            <pc:sldMk cId="599515757" sldId="306"/>
-            <ac:spMk id="12" creationId="{9252F5E7-DC45-4615-8728-E402351D680C}"/>
-          </ac:spMkLst>
-        </pc:spChg>
-        <pc:spChg chg="add del mod">
-          <ac:chgData name="Chris Woodruff" userId="2dbf025665e4d94d" providerId="LiveId" clId="{3DB9D9AB-5439-429E-9BE2-A6337B212CE1}" dt="2018-10-06T13:01:47.665" v="776" actId="478"/>
-          <ac:spMkLst>
-            <pc:docMk/>
-            <pc:sldMk cId="599515757" sldId="306"/>
-            <ac:spMk id="13" creationId="{2890F00E-C9B7-4F0F-BE1B-2280E9BE785F}"/>
-          </ac:spMkLst>
-        </pc:spChg>
-        <pc:spChg chg="add del mod">
-          <ac:chgData name="Chris Woodruff" userId="2dbf025665e4d94d" providerId="LiveId" clId="{3DB9D9AB-5439-429E-9BE2-A6337B212CE1}" dt="2018-10-06T13:10:58.515" v="917" actId="478"/>
-          <ac:spMkLst>
-            <pc:docMk/>
-            <pc:sldMk cId="599515757" sldId="306"/>
-            <ac:spMk id="14" creationId="{73D4BAB6-8A9F-4C95-8F35-6F003960E515}"/>
-          </ac:spMkLst>
-        </pc:spChg>
-      </pc:sldChg>
-      <pc:sldChg chg="add">
-        <pc:chgData name="Chris Woodruff" userId="2dbf025665e4d94d" providerId="LiveId" clId="{3DB9D9AB-5439-429E-9BE2-A6337B212CE1}" dt="2018-10-06T00:14:33.266" v="665"/>
-        <pc:sldMkLst>
-          <pc:docMk/>
-          <pc:sldMk cId="3674556181" sldId="308"/>
-        </pc:sldMkLst>
-      </pc:sldChg>
-      <pc:sldChg chg="add">
-        <pc:chgData name="Chris Woodruff" userId="2dbf025665e4d94d" providerId="LiveId" clId="{3DB9D9AB-5439-429E-9BE2-A6337B212CE1}" dt="2018-10-06T00:14:33.266" v="665"/>
-        <pc:sldMkLst>
-          <pc:docMk/>
-          <pc:sldMk cId="1034096683" sldId="309"/>
-        </pc:sldMkLst>
-      </pc:sldChg>
-      <pc:sldChg chg="addSp modSp add">
-        <pc:chgData name="Chris Woodruff" userId="2dbf025665e4d94d" providerId="LiveId" clId="{3DB9D9AB-5439-429E-9BE2-A6337B212CE1}" dt="2018-10-05T10:30:15.661" v="510"/>
-        <pc:sldMkLst>
-          <pc:docMk/>
-          <pc:sldMk cId="2987168172" sldId="313"/>
-        </pc:sldMkLst>
-        <pc:spChg chg="mod">
-          <ac:chgData name="Chris Woodruff" userId="2dbf025665e4d94d" providerId="LiveId" clId="{3DB9D9AB-5439-429E-9BE2-A6337B212CE1}" dt="2018-10-05T10:30:15.661" v="510"/>
-          <ac:spMkLst>
-            <pc:docMk/>
-            <pc:sldMk cId="2987168172" sldId="313"/>
-            <ac:spMk id="2" creationId="{FF3A97E0-CF0C-4628-9FBF-EBC1CC7F8088}"/>
-          </ac:spMkLst>
-        </pc:spChg>
-        <pc:spChg chg="add">
-          <ac:chgData name="Chris Woodruff" userId="2dbf025665e4d94d" providerId="LiveId" clId="{3DB9D9AB-5439-429E-9BE2-A6337B212CE1}" dt="2018-10-05T10:30:06.042" v="509"/>
-          <ac:spMkLst>
-            <pc:docMk/>
-            <pc:sldMk cId="2987168172" sldId="313"/>
-            <ac:spMk id="3" creationId="{75D0DFF4-5509-44C4-A337-2F15BB221BA5}"/>
-          </ac:spMkLst>
-        </pc:spChg>
-      </pc:sldChg>
-      <pc:sldChg chg="addSp modSp add">
-        <pc:chgData name="Chris Woodruff" userId="2dbf025665e4d94d" providerId="LiveId" clId="{3DB9D9AB-5439-429E-9BE2-A6337B212CE1}" dt="2018-10-06T16:14:34.042" v="1211" actId="403"/>
-        <pc:sldMkLst>
-          <pc:docMk/>
-          <pc:sldMk cId="4154484767" sldId="314"/>
-        </pc:sldMkLst>
-        <pc:spChg chg="add mod">
-          <ac:chgData name="Chris Woodruff" userId="2dbf025665e4d94d" providerId="LiveId" clId="{3DB9D9AB-5439-429E-9BE2-A6337B212CE1}" dt="2018-10-06T16:14:34.042" v="1211" actId="403"/>
-          <ac:spMkLst>
-            <pc:docMk/>
-            <pc:sldMk cId="4154484767" sldId="314"/>
-            <ac:spMk id="5" creationId="{4DE6ECD1-A124-450C-BAC5-2F12E83C1813}"/>
-          </ac:spMkLst>
-        </pc:spChg>
-      </pc:sldChg>
-      <pc:sldChg chg="addSp delSp modSp add del">
-        <pc:chgData name="Chris Woodruff" userId="2dbf025665e4d94d" providerId="LiveId" clId="{3DB9D9AB-5439-429E-9BE2-A6337B212CE1}" dt="2018-10-08T18:13:33.759" v="1267" actId="2696"/>
-        <pc:sldMkLst>
-          <pc:docMk/>
-          <pc:sldMk cId="197347302" sldId="315"/>
-        </pc:sldMkLst>
-        <pc:spChg chg="del">
-          <ac:chgData name="Chris Woodruff" userId="2dbf025665e4d94d" providerId="LiveId" clId="{3DB9D9AB-5439-429E-9BE2-A6337B212CE1}" dt="2018-10-06T14:06:13.356" v="1140"/>
-          <ac:spMkLst>
-            <pc:docMk/>
-            <pc:sldMk cId="197347302" sldId="315"/>
-            <ac:spMk id="2" creationId="{9ED8D672-871E-453A-B278-745DD6E627AE}"/>
-          </ac:spMkLst>
-        </pc:spChg>
-        <pc:spChg chg="add mod">
-          <ac:chgData name="Chris Woodruff" userId="2dbf025665e4d94d" providerId="LiveId" clId="{3DB9D9AB-5439-429E-9BE2-A6337B212CE1}" dt="2018-10-06T14:06:52.563" v="1166" actId="20577"/>
-          <ac:spMkLst>
-            <pc:docMk/>
-            <pc:sldMk cId="197347302" sldId="315"/>
-            <ac:spMk id="3" creationId="{49184E07-B0B8-4EA4-9A8D-94394C8EE5DA}"/>
-          </ac:spMkLst>
-        </pc:spChg>
-      </pc:sldChg>
-      <pc:sldChg chg="addSp delSp modSp add del">
-        <pc:chgData name="Chris Woodruff" userId="2dbf025665e4d94d" providerId="LiveId" clId="{3DB9D9AB-5439-429E-9BE2-A6337B212CE1}" dt="2018-10-08T18:13:34.792" v="1268" actId="2696"/>
-        <pc:sldMkLst>
-          <pc:docMk/>
-          <pc:sldMk cId="655727586" sldId="316"/>
-        </pc:sldMkLst>
-        <pc:spChg chg="del">
-          <ac:chgData name="Chris Woodruff" userId="2dbf025665e4d94d" providerId="LiveId" clId="{3DB9D9AB-5439-429E-9BE2-A6337B212CE1}" dt="2018-10-06T14:06:31.204" v="1148"/>
-          <ac:spMkLst>
-            <pc:docMk/>
-            <pc:sldMk cId="655727586" sldId="316"/>
-            <ac:spMk id="2" creationId="{A0BEA012-BC56-4D34-9465-527064C3F11C}"/>
-          </ac:spMkLst>
-        </pc:spChg>
-        <pc:spChg chg="add mod">
-          <ac:chgData name="Chris Woodruff" userId="2dbf025665e4d94d" providerId="LiveId" clId="{3DB9D9AB-5439-429E-9BE2-A6337B212CE1}" dt="2018-10-06T14:06:47.540" v="1164" actId="20577"/>
-          <ac:spMkLst>
-            <pc:docMk/>
-            <pc:sldMk cId="655727586" sldId="316"/>
-            <ac:spMk id="3" creationId="{38743A99-632A-4645-8C12-400ADB865F05}"/>
-          </ac:spMkLst>
-        </pc:spChg>
-        <pc:spChg chg="add mod">
-          <ac:chgData name="Chris Woodruff" userId="2dbf025665e4d94d" providerId="LiveId" clId="{3DB9D9AB-5439-429E-9BE2-A6337B212CE1}" dt="2018-10-06T14:08:16.959" v="1197" actId="20577"/>
-          <ac:spMkLst>
-            <pc:docMk/>
-            <pc:sldMk cId="655727586" sldId="316"/>
-            <ac:spMk id="4" creationId="{0DEE8A02-C675-445F-9F0B-73FC1B07D1EE}"/>
-          </ac:spMkLst>
-        </pc:spChg>
-      </pc:sldChg>
-      <pc:sldChg chg="addSp delSp modSp add">
-        <pc:chgData name="Chris Woodruff" userId="2dbf025665e4d94d" providerId="LiveId" clId="{3DB9D9AB-5439-429E-9BE2-A6337B212CE1}" dt="2018-10-08T15:42:37.841" v="1214"/>
-        <pc:sldMkLst>
-          <pc:docMk/>
-          <pc:sldMk cId="3989547311" sldId="317"/>
-        </pc:sldMkLst>
-        <pc:spChg chg="del">
-          <ac:chgData name="Chris Woodruff" userId="2dbf025665e4d94d" providerId="LiveId" clId="{3DB9D9AB-5439-429E-9BE2-A6337B212CE1}" dt="2018-10-08T15:42:30.921" v="1213"/>
-          <ac:spMkLst>
-            <pc:docMk/>
-            <pc:sldMk cId="3989547311" sldId="317"/>
-            <ac:spMk id="2" creationId="{409F8E1D-44A3-4E01-8A5B-D5488CEB538C}"/>
-          </ac:spMkLst>
-        </pc:spChg>
-        <pc:spChg chg="del">
-          <ac:chgData name="Chris Woodruff" userId="2dbf025665e4d94d" providerId="LiveId" clId="{3DB9D9AB-5439-429E-9BE2-A6337B212CE1}" dt="2018-10-08T15:42:30.921" v="1213"/>
-          <ac:spMkLst>
-            <pc:docMk/>
-            <pc:sldMk cId="3989547311" sldId="317"/>
-            <ac:spMk id="3" creationId="{EA6A99AD-E5CA-4450-801D-24779C0C874D}"/>
-          </ac:spMkLst>
-        </pc:spChg>
-        <pc:spChg chg="del">
-          <ac:chgData name="Chris Woodruff" userId="2dbf025665e4d94d" providerId="LiveId" clId="{3DB9D9AB-5439-429E-9BE2-A6337B212CE1}" dt="2018-10-08T15:42:30.921" v="1213"/>
-          <ac:spMkLst>
-            <pc:docMk/>
-            <pc:sldMk cId="3989547311" sldId="317"/>
-            <ac:spMk id="4" creationId="{916BC587-D521-4761-8C71-DB8CB05DE2F9}"/>
-          </ac:spMkLst>
-        </pc:spChg>
-        <pc:spChg chg="del">
-          <ac:chgData name="Chris Woodruff" userId="2dbf025665e4d94d" providerId="LiveId" clId="{3DB9D9AB-5439-429E-9BE2-A6337B212CE1}" dt="2018-10-08T15:42:30.921" v="1213"/>
-          <ac:spMkLst>
-            <pc:docMk/>
-            <pc:sldMk cId="3989547311" sldId="317"/>
-            <ac:spMk id="5" creationId="{4ECB3BB6-E9E2-45CD-96A6-020CFF4F393E}"/>
-          </ac:spMkLst>
-        </pc:spChg>
-        <pc:spChg chg="del">
-          <ac:chgData name="Chris Woodruff" userId="2dbf025665e4d94d" providerId="LiveId" clId="{3DB9D9AB-5439-429E-9BE2-A6337B212CE1}" dt="2018-10-08T15:42:30.921" v="1213"/>
-          <ac:spMkLst>
-            <pc:docMk/>
-            <pc:sldMk cId="3989547311" sldId="317"/>
-            <ac:spMk id="6" creationId="{812311D3-626B-4F0D-999A-FD72F70D0DDA}"/>
-          </ac:spMkLst>
-        </pc:spChg>
-        <pc:spChg chg="del">
-          <ac:chgData name="Chris Woodruff" userId="2dbf025665e4d94d" providerId="LiveId" clId="{3DB9D9AB-5439-429E-9BE2-A6337B212CE1}" dt="2018-10-08T15:42:30.921" v="1213"/>
-          <ac:spMkLst>
-            <pc:docMk/>
-            <pc:sldMk cId="3989547311" sldId="317"/>
-            <ac:spMk id="7" creationId="{CA3A7724-6E88-4D2E-8C76-E79DA7CBD852}"/>
-          </ac:spMkLst>
-        </pc:spChg>
-        <pc:spChg chg="del">
-          <ac:chgData name="Chris Woodruff" userId="2dbf025665e4d94d" providerId="LiveId" clId="{3DB9D9AB-5439-429E-9BE2-A6337B212CE1}" dt="2018-10-08T15:42:30.921" v="1213"/>
-          <ac:spMkLst>
-            <pc:docMk/>
-            <pc:sldMk cId="3989547311" sldId="317"/>
-            <ac:spMk id="8" creationId="{9C371A49-839A-4D97-8E6D-1C32974303B4}"/>
-          </ac:spMkLst>
-        </pc:spChg>
-        <pc:spChg chg="del">
-          <ac:chgData name="Chris Woodruff" userId="2dbf025665e4d94d" providerId="LiveId" clId="{3DB9D9AB-5439-429E-9BE2-A6337B212CE1}" dt="2018-10-08T15:42:30.921" v="1213"/>
-          <ac:spMkLst>
-            <pc:docMk/>
-            <pc:sldMk cId="3989547311" sldId="317"/>
-            <ac:spMk id="9" creationId="{9D1BCC6A-3776-4092-B394-8DB40CF2310E}"/>
-          </ac:spMkLst>
-        </pc:spChg>
-        <pc:spChg chg="del">
-          <ac:chgData name="Chris Woodruff" userId="2dbf025665e4d94d" providerId="LiveId" clId="{3DB9D9AB-5439-429E-9BE2-A6337B212CE1}" dt="2018-10-08T15:42:30.921" v="1213"/>
-          <ac:spMkLst>
-            <pc:docMk/>
-            <pc:sldMk cId="3989547311" sldId="317"/>
-            <ac:spMk id="10" creationId="{C295DDD3-88ED-4D3B-AD32-C68DB2A360BC}"/>
-          </ac:spMkLst>
-        </pc:spChg>
-        <pc:spChg chg="del">
-          <ac:chgData name="Chris Woodruff" userId="2dbf025665e4d94d" providerId="LiveId" clId="{3DB9D9AB-5439-429E-9BE2-A6337B212CE1}" dt="2018-10-08T15:42:30.921" v="1213"/>
-          <ac:spMkLst>
-            <pc:docMk/>
-            <pc:sldMk cId="3989547311" sldId="317"/>
-            <ac:spMk id="11" creationId="{A8B36821-912E-4EEA-AF01-B875E91B18F4}"/>
-          </ac:spMkLst>
-        </pc:spChg>
-        <pc:spChg chg="del">
-          <ac:chgData name="Chris Woodruff" userId="2dbf025665e4d94d" providerId="LiveId" clId="{3DB9D9AB-5439-429E-9BE2-A6337B212CE1}" dt="2018-10-08T15:42:30.921" v="1213"/>
-          <ac:spMkLst>
-            <pc:docMk/>
-            <pc:sldMk cId="3989547311" sldId="317"/>
-            <ac:spMk id="12" creationId="{47695CB1-1936-4235-96B0-74347BE7DFD1}"/>
-          </ac:spMkLst>
-        </pc:spChg>
-        <pc:picChg chg="add mod">
-          <ac:chgData name="Chris Woodruff" userId="2dbf025665e4d94d" providerId="LiveId" clId="{3DB9D9AB-5439-429E-9BE2-A6337B212CE1}" dt="2018-10-08T15:42:37.841" v="1214"/>
-          <ac:picMkLst>
-            <pc:docMk/>
-            <pc:sldMk cId="3989547311" sldId="317"/>
-            <ac:picMk id="14" creationId="{EF199258-75B0-4D82-B587-0DAB0D2B1072}"/>
-          </ac:picMkLst>
-        </pc:picChg>
-      </pc:sldChg>
-      <pc:sldChg chg="addSp delSp modSp add">
-        <pc:chgData name="Chris Woodruff" userId="2dbf025665e4d94d" providerId="LiveId" clId="{3DB9D9AB-5439-429E-9BE2-A6337B212CE1}" dt="2018-10-08T18:11:37.874" v="1259" actId="20577"/>
-        <pc:sldMkLst>
-          <pc:docMk/>
-          <pc:sldMk cId="2079172203" sldId="318"/>
-        </pc:sldMkLst>
-        <pc:spChg chg="del">
-          <ac:chgData name="Chris Woodruff" userId="2dbf025665e4d94d" providerId="LiveId" clId="{3DB9D9AB-5439-429E-9BE2-A6337B212CE1}" dt="2018-10-08T18:11:17.435" v="1254"/>
-          <ac:spMkLst>
-            <pc:docMk/>
-            <pc:sldMk cId="2079172203" sldId="318"/>
-            <ac:spMk id="2" creationId="{0B6DD2C2-215C-4A70-83BC-B1D902CF618C}"/>
-          </ac:spMkLst>
-        </pc:spChg>
-        <pc:spChg chg="add mod">
-          <ac:chgData name="Chris Woodruff" userId="2dbf025665e4d94d" providerId="LiveId" clId="{3DB9D9AB-5439-429E-9BE2-A6337B212CE1}" dt="2018-10-08T18:11:37.874" v="1259" actId="20577"/>
-          <ac:spMkLst>
-            <pc:docMk/>
-            <pc:sldMk cId="2079172203" sldId="318"/>
-            <ac:spMk id="3" creationId="{153889DE-46CF-43C0-9859-9C9BF3AD7368}"/>
-          </ac:spMkLst>
-        </pc:spChg>
-      </pc:sldChg>
-      <pc:sldChg chg="add">
-        <pc:chgData name="Chris Woodruff" userId="2dbf025665e4d94d" providerId="LiveId" clId="{3DB9D9AB-5439-429E-9BE2-A6337B212CE1}" dt="2018-10-08T18:11:46.601" v="1260"/>
-        <pc:sldMkLst>
-          <pc:docMk/>
-          <pc:sldMk cId="2020564976" sldId="319"/>
-        </pc:sldMkLst>
-      </pc:sldChg>
-      <pc:sldChg chg="add ord">
-        <pc:chgData name="Chris Woodruff" userId="2dbf025665e4d94d" providerId="LiveId" clId="{3DB9D9AB-5439-429E-9BE2-A6337B212CE1}" dt="2018-10-08T18:11:53.965" v="1262"/>
-        <pc:sldMkLst>
-          <pc:docMk/>
-          <pc:sldMk cId="1950532022" sldId="320"/>
-        </pc:sldMkLst>
-      </pc:sldChg>
-      <pc:sldChg chg="add">
-        <pc:chgData name="Chris Woodruff" userId="2dbf025665e4d94d" providerId="LiveId" clId="{3DB9D9AB-5439-429E-9BE2-A6337B212CE1}" dt="2018-10-08T18:23:44.112" v="1269"/>
-        <pc:sldMkLst>
-          <pc:docMk/>
-          <pc:sldMk cId="1271510051" sldId="321"/>
-        </pc:sldMkLst>
-      </pc:sldChg>
-    </pc:docChg>
-  </pc:docChgLst>
-  <pc:docChgLst>
-    <pc:chgData name="Chris Woodruff" userId="2dbf025665e4d94d" providerId="LiveId" clId="{2A98A463-9C7C-43F6-9D93-F1BE90E7B3CF}"/>
-  </pc:docChgLst>
-  <pc:docChgLst>
-    <pc:chgData name="Chris Woodruff" userId="2dbf025665e4d94d" providerId="LiveId" clId="{9284FA2C-74A1-42E8-ACB2-08C7FA22F6C2}"/>
-  </pc:docChgLst>
-  <pc:docChgLst>
-    <pc:chgData name="Chris Woodruff" userId="2dbf025665e4d94d" providerId="LiveId" clId="{EB5C419C-9D7A-424F-AA50-78BFF8F5624B}"/>
-    <pc:docChg chg="undo custSel addSld delSld modSld sldOrd">
-      <pc:chgData name="Chris Woodruff" userId="2dbf025665e4d94d" providerId="LiveId" clId="{EB5C419C-9D7A-424F-AA50-78BFF8F5624B}" dt="2018-10-07T18:49:11.095" v="208" actId="20577"/>
-      <pc:docMkLst>
-        <pc:docMk/>
-      </pc:docMkLst>
-      <pc:sldChg chg="add del">
-        <pc:chgData name="Chris Woodruff" userId="2dbf025665e4d94d" providerId="LiveId" clId="{EB5C419C-9D7A-424F-AA50-78BFF8F5624B}" dt="2018-10-07T18:38:09.733" v="4" actId="2696"/>
-        <pc:sldMkLst>
-          <pc:docMk/>
-          <pc:sldMk cId="1317897041" sldId="267"/>
-        </pc:sldMkLst>
-      </pc:sldChg>
-      <pc:sldChg chg="del">
-        <pc:chgData name="Chris Woodruff" userId="2dbf025665e4d94d" providerId="LiveId" clId="{EB5C419C-9D7A-424F-AA50-78BFF8F5624B}" dt="2018-10-07T18:40:02.648" v="81" actId="2696"/>
-        <pc:sldMkLst>
-          <pc:docMk/>
-          <pc:sldMk cId="3728622791" sldId="272"/>
-        </pc:sldMkLst>
-      </pc:sldChg>
-      <pc:sldChg chg="modSp">
-        <pc:chgData name="Chris Woodruff" userId="2dbf025665e4d94d" providerId="LiveId" clId="{EB5C419C-9D7A-424F-AA50-78BFF8F5624B}" dt="2018-10-07T18:41:39.237" v="115" actId="20577"/>
-        <pc:sldMkLst>
-          <pc:docMk/>
-          <pc:sldMk cId="342056269" sldId="275"/>
-        </pc:sldMkLst>
-        <pc:spChg chg="mod">
-          <ac:chgData name="Chris Woodruff" userId="2dbf025665e4d94d" providerId="LiveId" clId="{EB5C419C-9D7A-424F-AA50-78BFF8F5624B}" dt="2018-10-07T18:41:39.237" v="115" actId="20577"/>
-          <ac:spMkLst>
-            <pc:docMk/>
-            <pc:sldMk cId="342056269" sldId="275"/>
-            <ac:spMk id="21" creationId="{1FAB10AD-8E22-4551-8406-D9F6B0C8D31C}"/>
-          </ac:spMkLst>
-        </pc:spChg>
-      </pc:sldChg>
-      <pc:sldChg chg="add del">
-        <pc:chgData name="Chris Woodruff" userId="2dbf025665e4d94d" providerId="LiveId" clId="{EB5C419C-9D7A-424F-AA50-78BFF8F5624B}" dt="2018-10-07T18:38:13.883" v="5" actId="2696"/>
-        <pc:sldMkLst>
-          <pc:docMk/>
-          <pc:sldMk cId="98762289" sldId="281"/>
-        </pc:sldMkLst>
-      </pc:sldChg>
-      <pc:sldChg chg="modSp del">
-        <pc:chgData name="Chris Woodruff" userId="2dbf025665e4d94d" providerId="LiveId" clId="{EB5C419C-9D7A-424F-AA50-78BFF8F5624B}" dt="2018-10-07T18:40:04.098" v="82" actId="2696"/>
-        <pc:sldMkLst>
-          <pc:docMk/>
-          <pc:sldMk cId="460163012" sldId="286"/>
-        </pc:sldMkLst>
-        <pc:spChg chg="mod">
-          <ac:chgData name="Chris Woodruff" userId="2dbf025665e4d94d" providerId="LiveId" clId="{EB5C419C-9D7A-424F-AA50-78BFF8F5624B}" dt="2018-10-07T18:39:33.565" v="79" actId="14100"/>
-          <ac:spMkLst>
-            <pc:docMk/>
-            <pc:sldMk cId="460163012" sldId="286"/>
-            <ac:spMk id="4" creationId="{A1F4371F-DEDD-463B-90B4-4857E175C0B3}"/>
-          </ac:spMkLst>
-        </pc:spChg>
-        <pc:spChg chg="mod">
-          <ac:chgData name="Chris Woodruff" userId="2dbf025665e4d94d" providerId="LiveId" clId="{EB5C419C-9D7A-424F-AA50-78BFF8F5624B}" dt="2018-10-07T18:39:40.794" v="80" actId="14100"/>
-          <ac:spMkLst>
-            <pc:docMk/>
-            <pc:sldMk cId="460163012" sldId="286"/>
-            <ac:spMk id="5" creationId="{B26DDEF1-5C5C-49E3-A2DD-0CCDF06D397B}"/>
-          </ac:spMkLst>
-        </pc:spChg>
-      </pc:sldChg>
-      <pc:sldChg chg="modSp">
-        <pc:chgData name="Chris Woodruff" userId="2dbf025665e4d94d" providerId="LiveId" clId="{EB5C419C-9D7A-424F-AA50-78BFF8F5624B}" dt="2018-10-07T18:49:11.095" v="208" actId="20577"/>
-        <pc:sldMkLst>
-          <pc:docMk/>
-          <pc:sldMk cId="3595587038" sldId="287"/>
-        </pc:sldMkLst>
-        <pc:spChg chg="mod">
-          <ac:chgData name="Chris Woodruff" userId="2dbf025665e4d94d" providerId="LiveId" clId="{EB5C419C-9D7A-424F-AA50-78BFF8F5624B}" dt="2018-10-07T18:49:11.095" v="208" actId="20577"/>
-          <ac:spMkLst>
-            <pc:docMk/>
-            <pc:sldMk cId="3595587038" sldId="287"/>
-            <ac:spMk id="10" creationId="{81F95C49-F46E-4A7C-B5D9-4C13FC1604A3}"/>
-          </ac:spMkLst>
-        </pc:spChg>
-      </pc:sldChg>
-      <pc:sldChg chg="ord">
-        <pc:chgData name="Chris Woodruff" userId="2dbf025665e4d94d" providerId="LiveId" clId="{EB5C419C-9D7A-424F-AA50-78BFF8F5624B}" dt="2018-10-07T18:40:24.925" v="83"/>
-        <pc:sldMkLst>
-          <pc:docMk/>
-          <pc:sldMk cId="382619369" sldId="297"/>
-        </pc:sldMkLst>
-      </pc:sldChg>
-      <pc:sldChg chg="del">
-        <pc:chgData name="Chris Woodruff" userId="2dbf025665e4d94d" providerId="LiveId" clId="{EB5C419C-9D7A-424F-AA50-78BFF8F5624B}" dt="2018-10-07T18:41:56.801" v="116" actId="2696"/>
-        <pc:sldMkLst>
-          <pc:docMk/>
-          <pc:sldMk cId="4223863248" sldId="311"/>
-        </pc:sldMkLst>
-      </pc:sldChg>
-      <pc:sldChg chg="del">
-        <pc:chgData name="Chris Woodruff" userId="2dbf025665e4d94d" providerId="LiveId" clId="{EB5C419C-9D7A-424F-AA50-78BFF8F5624B}" dt="2018-10-07T18:41:58.374" v="117" actId="2696"/>
-        <pc:sldMkLst>
-          <pc:docMk/>
-          <pc:sldMk cId="3462295041" sldId="312"/>
-        </pc:sldMkLst>
-      </pc:sldChg>
-      <pc:sldChg chg="ord">
-        <pc:chgData name="Chris Woodruff" userId="2dbf025665e4d94d" providerId="LiveId" clId="{EB5C419C-9D7A-424F-AA50-78BFF8F5624B}" dt="2018-10-07T18:40:24.925" v="83"/>
-        <pc:sldMkLst>
-          <pc:docMk/>
-          <pc:sldMk cId="2987168172" sldId="313"/>
-        </pc:sldMkLst>
-      </pc:sldChg>
-    </pc:docChg>
-  </pc:docChgLst>
-</pc:chgInfo>
 </file>
 
 <file path=ppt/notesMasters/notesMaster1.xml><?xml version="1.0" encoding="utf-8"?>
@@ -1259,7 +244,7 @@
           <a:p>
             <a:fld id="{21D56219-E84E-4D24-9852-DB0F76E72D55}" type="datetimeFigureOut">
               <a:rPr lang="en-US" smtClean="0"/>
-              <a:t>10/9/2018</a:t>
+              <a:t>10/18/18</a:t>
             </a:fld>
             <a:endParaRPr lang="en-US"/>
           </a:p>
@@ -1627,7 +612,7 @@
           <a:p>
             <a:fld id="{70E52C6B-BCF3-4304-8A16-C01E6211F4FA}" type="slidenum">
               <a:rPr lang="en-US" smtClean="0"/>
-              <a:t>8</a:t>
+              <a:t>7</a:t>
             </a:fld>
             <a:endParaRPr lang="en-US"/>
           </a:p>
@@ -1723,7 +708,7 @@
           <a:p>
             <a:fld id="{70E52C6B-BCF3-4304-8A16-C01E6211F4FA}" type="slidenum">
               <a:rPr lang="en-US" smtClean="0"/>
-              <a:t>11</a:t>
+              <a:t>10</a:t>
             </a:fld>
             <a:endParaRPr lang="en-US"/>
           </a:p>
@@ -1843,7 +828,7 @@
           <a:p>
             <a:fld id="{70E52C6B-BCF3-4304-8A16-C01E6211F4FA}" type="slidenum">
               <a:rPr lang="en-US" smtClean="0"/>
-              <a:t>13</a:t>
+              <a:t>12</a:t>
             </a:fld>
             <a:endParaRPr lang="en-US"/>
           </a:p>
@@ -1939,7 +924,7 @@
           <a:p>
             <a:fld id="{70E52C6B-BCF3-4304-8A16-C01E6211F4FA}" type="slidenum">
               <a:rPr lang="en-US" smtClean="0"/>
-              <a:t>16</a:t>
+              <a:t>15</a:t>
             </a:fld>
             <a:endParaRPr lang="en-US"/>
           </a:p>
@@ -2023,7 +1008,7 @@
           <a:p>
             <a:fld id="{70E52C6B-BCF3-4304-8A16-C01E6211F4FA}" type="slidenum">
               <a:rPr lang="en-US" smtClean="0"/>
-              <a:t>21</a:t>
+              <a:t>20</a:t>
             </a:fld>
             <a:endParaRPr lang="en-US"/>
           </a:p>
@@ -2121,7 +1106,7 @@
           <a:p>
             <a:fld id="{70E52C6B-BCF3-4304-8A16-C01E6211F4FA}" type="slidenum">
               <a:rPr lang="en-US" smtClean="0"/>
-              <a:t>23</a:t>
+              <a:t>22</a:t>
             </a:fld>
             <a:endParaRPr lang="en-US"/>
           </a:p>
@@ -2233,7 +1218,7 @@
           <a:p>
             <a:fld id="{70E52C6B-BCF3-4304-8A16-C01E6211F4FA}" type="slidenum">
               <a:rPr lang="en-US" smtClean="0"/>
-              <a:t>32</a:t>
+              <a:t>31</a:t>
             </a:fld>
             <a:endParaRPr lang="en-US"/>
           </a:p>
@@ -2402,14 +1387,20 @@
       </p:sp>
       <p:pic>
         <p:nvPicPr>
-          <p:cNvPr id="3" name="Picture 2"/>
+          <p:cNvPr id="4" name="Picture 3">
+            <a:extLst>
+              <a:ext uri="{FF2B5EF4-FFF2-40B4-BE49-F238E27FC236}">
+                <a16:creationId xmlns:a16="http://schemas.microsoft.com/office/drawing/2014/main" id="{A7977E9A-E47F-4CA4-920B-D9AF214F1E6C}"/>
+              </a:ext>
+            </a:extLst>
+          </p:cNvPr>
           <p:cNvPicPr>
             <a:picLocks noChangeAspect="1"/>
           </p:cNvPicPr>
-          <p:nvPr/>
+          <p:nvPr userDrawn="1"/>
         </p:nvPicPr>
         <p:blipFill>
-          <a:blip r:embed="rId3" cstate="print">
+          <a:blip r:embed="rId3">
             <a:extLst>
               <a:ext uri="{28A0092B-C50C-407E-A947-70E740481C1C}">
                 <a14:useLocalDpi xmlns:a14="http://schemas.microsoft.com/office/drawing/2010/main" val="0"/>
@@ -2422,8 +1413,8 @@
         </p:blipFill>
         <p:spPr>
           <a:xfrm>
-            <a:off x="774830" y="376278"/>
-            <a:ext cx="3167885" cy="674739"/>
+            <a:off x="329766" y="258152"/>
+            <a:ext cx="838057" cy="838057"/>
           </a:xfrm>
           <a:prstGeom prst="rect">
             <a:avLst/>
@@ -2562,16 +1553,20 @@
       </p:sp>
       <p:pic>
         <p:nvPicPr>
-          <p:cNvPr id="4" name="Picture 3"/>
+          <p:cNvPr id="5" name="Picture 4">
+            <a:extLst>
+              <a:ext uri="{FF2B5EF4-FFF2-40B4-BE49-F238E27FC236}">
+                <a16:creationId xmlns:a16="http://schemas.microsoft.com/office/drawing/2014/main" id="{AF225226-CFDC-4556-83E3-3173C80C8A69}"/>
+              </a:ext>
+            </a:extLst>
+          </p:cNvPr>
           <p:cNvPicPr>
             <a:picLocks noChangeAspect="1"/>
           </p:cNvPicPr>
-          <p:nvPr/>
+          <p:nvPr userDrawn="1"/>
         </p:nvPicPr>
         <p:blipFill>
-          <a:blip r:embed="rId3" cstate="print">
-            <a:biLevel thresh="25000"/>
-            <a:alphaModFix amt="65000"/>
+          <a:blip r:embed="rId3">
             <a:extLst>
               <a:ext uri="{28A0092B-C50C-407E-A947-70E740481C1C}">
                 <a14:useLocalDpi xmlns:a14="http://schemas.microsoft.com/office/drawing/2010/main" val="0"/>
@@ -2584,8 +1579,8 @@
         </p:blipFill>
         <p:spPr>
           <a:xfrm>
-            <a:off x="7615663" y="1865745"/>
-            <a:ext cx="3048000" cy="3048000"/>
+            <a:off x="6947042" y="1664735"/>
+            <a:ext cx="3528529" cy="3528529"/>
           </a:xfrm>
           <a:prstGeom prst="rect">
             <a:avLst/>
@@ -2677,14 +1672,20 @@
       </p:sp>
       <p:pic>
         <p:nvPicPr>
-          <p:cNvPr id="5" name="Picture 4"/>
+          <p:cNvPr id="6" name="Picture 5">
+            <a:extLst>
+              <a:ext uri="{FF2B5EF4-FFF2-40B4-BE49-F238E27FC236}">
+                <a16:creationId xmlns:a16="http://schemas.microsoft.com/office/drawing/2014/main" id="{8DDEE1FA-C85E-471D-88A9-F3C87912C6FE}"/>
+              </a:ext>
+            </a:extLst>
+          </p:cNvPr>
           <p:cNvPicPr>
             <a:picLocks noChangeAspect="1"/>
           </p:cNvPicPr>
-          <p:nvPr/>
+          <p:nvPr userDrawn="1"/>
         </p:nvPicPr>
         <p:blipFill>
-          <a:blip r:embed="rId2" cstate="print">
+          <a:blip r:embed="rId2">
             <a:extLst>
               <a:ext uri="{28A0092B-C50C-407E-A947-70E740481C1C}">
                 <a14:useLocalDpi xmlns:a14="http://schemas.microsoft.com/office/drawing/2010/main" val="0"/>
@@ -2697,8 +1698,8 @@
         </p:blipFill>
         <p:spPr>
           <a:xfrm>
-            <a:off x="7615663" y="1865745"/>
-            <a:ext cx="3048000" cy="3048000"/>
+            <a:off x="6947042" y="1664735"/>
+            <a:ext cx="3528529" cy="3528529"/>
           </a:xfrm>
           <a:prstGeom prst="rect">
             <a:avLst/>
@@ -2837,14 +1838,20 @@
       </p:sp>
       <p:pic>
         <p:nvPicPr>
-          <p:cNvPr id="7" name="Picture 6"/>
+          <p:cNvPr id="6" name="Picture 5">
+            <a:extLst>
+              <a:ext uri="{FF2B5EF4-FFF2-40B4-BE49-F238E27FC236}">
+                <a16:creationId xmlns:a16="http://schemas.microsoft.com/office/drawing/2014/main" id="{88E5B87C-E52E-4020-BEE1-8332E151286A}"/>
+              </a:ext>
+            </a:extLst>
+          </p:cNvPr>
           <p:cNvPicPr>
             <a:picLocks noChangeAspect="1"/>
           </p:cNvPicPr>
-          <p:nvPr/>
+          <p:nvPr userDrawn="1"/>
         </p:nvPicPr>
         <p:blipFill>
-          <a:blip r:embed="rId3" cstate="print">
+          <a:blip r:embed="rId3">
             <a:extLst>
               <a:ext uri="{28A0092B-C50C-407E-A947-70E740481C1C}">
                 <a14:useLocalDpi xmlns:a14="http://schemas.microsoft.com/office/drawing/2010/main" val="0"/>
@@ -2857,8 +1864,8 @@
         </p:blipFill>
         <p:spPr>
           <a:xfrm>
-            <a:off x="774830" y="376278"/>
-            <a:ext cx="3167885" cy="674739"/>
+            <a:off x="329766" y="258152"/>
+            <a:ext cx="838057" cy="838057"/>
           </a:xfrm>
           <a:prstGeom prst="rect">
             <a:avLst/>
@@ -3028,14 +2035,20 @@
       </p:sp>
       <p:pic>
         <p:nvPicPr>
-          <p:cNvPr id="3" name="Picture 2"/>
+          <p:cNvPr id="8" name="Picture 7">
+            <a:extLst>
+              <a:ext uri="{FF2B5EF4-FFF2-40B4-BE49-F238E27FC236}">
+                <a16:creationId xmlns:a16="http://schemas.microsoft.com/office/drawing/2014/main" id="{79AD2AC5-873F-4EC6-B6E6-4F8C3FBD214E}"/>
+              </a:ext>
+            </a:extLst>
+          </p:cNvPr>
           <p:cNvPicPr>
             <a:picLocks noChangeAspect="1"/>
           </p:cNvPicPr>
-          <p:nvPr/>
+          <p:nvPr userDrawn="1"/>
         </p:nvPicPr>
         <p:blipFill>
-          <a:blip r:embed="rId3" cstate="print">
+          <a:blip r:embed="rId3">
             <a:extLst>
               <a:ext uri="{28A0092B-C50C-407E-A947-70E740481C1C}">
                 <a14:useLocalDpi xmlns:a14="http://schemas.microsoft.com/office/drawing/2010/main" val="0"/>
@@ -3048,8 +2061,8 @@
         </p:blipFill>
         <p:spPr>
           <a:xfrm>
-            <a:off x="774830" y="376278"/>
-            <a:ext cx="3167885" cy="674739"/>
+            <a:off x="329766" y="258152"/>
+            <a:ext cx="838057" cy="838057"/>
           </a:xfrm>
           <a:prstGeom prst="rect">
             <a:avLst/>
@@ -3070,7 +2083,7 @@
 </file>
 
 <file path=ppt/slideLayouts/slideLayout15.xml><?xml version="1.0" encoding="utf-8"?>
-<p:sldLayout xmlns:a="http://schemas.openxmlformats.org/drawingml/2006/main" xmlns:r="http://schemas.openxmlformats.org/officeDocument/2006/relationships" xmlns:p="http://schemas.openxmlformats.org/presentationml/2006/main" preserve="1">
+<p:sldLayout xmlns:a="http://schemas.openxmlformats.org/drawingml/2006/main" xmlns:r="http://schemas.openxmlformats.org/officeDocument/2006/relationships" xmlns:p="http://schemas.openxmlformats.org/presentationml/2006/main" preserve="1" userDrawn="1">
   <p:cSld name="Biography">
     <p:spTree>
       <p:nvGrpSpPr>
@@ -3208,1215 +2221,6 @@
           </a:p>
         </p:txBody>
       </p:sp>
-      <p:grpSp>
-        <p:nvGrpSpPr>
-          <p:cNvPr id="7" name="Group 6"/>
-          <p:cNvGrpSpPr/>
-          <p:nvPr/>
-        </p:nvGrpSpPr>
-        <p:grpSpPr>
-          <a:xfrm>
-            <a:off x="820965" y="4065754"/>
-            <a:ext cx="353832" cy="353832"/>
-            <a:chOff x="6351804" y="5146675"/>
-            <a:chExt cx="353832" cy="353832"/>
-          </a:xfrm>
-        </p:grpSpPr>
-        <p:sp>
-          <p:nvSpPr>
-            <p:cNvPr id="8" name="Freeform 79"/>
-            <p:cNvSpPr>
-              <a:spLocks/>
-            </p:cNvSpPr>
-            <p:nvPr/>
-          </p:nvSpPr>
-          <p:spPr bwMode="auto">
-            <a:xfrm>
-              <a:off x="6490692" y="5241925"/>
-              <a:ext cx="76056" cy="161920"/>
-            </a:xfrm>
-            <a:custGeom>
-              <a:avLst/>
-              <a:gdLst>
-                <a:gd name="T0" fmla="*/ 30 w 30"/>
-                <a:gd name="T1" fmla="*/ 22 h 64"/>
-                <a:gd name="T2" fmla="*/ 19 w 30"/>
-                <a:gd name="T3" fmla="*/ 22 h 64"/>
-                <a:gd name="T4" fmla="*/ 19 w 30"/>
-                <a:gd name="T5" fmla="*/ 14 h 64"/>
-                <a:gd name="T6" fmla="*/ 23 w 30"/>
-                <a:gd name="T7" fmla="*/ 11 h 64"/>
-                <a:gd name="T8" fmla="*/ 30 w 30"/>
-                <a:gd name="T9" fmla="*/ 11 h 64"/>
-                <a:gd name="T10" fmla="*/ 30 w 30"/>
-                <a:gd name="T11" fmla="*/ 0 h 64"/>
-                <a:gd name="T12" fmla="*/ 22 w 30"/>
-                <a:gd name="T13" fmla="*/ 0 h 64"/>
-                <a:gd name="T14" fmla="*/ 8 w 30"/>
-                <a:gd name="T15" fmla="*/ 13 h 64"/>
-                <a:gd name="T16" fmla="*/ 8 w 30"/>
-                <a:gd name="T17" fmla="*/ 22 h 64"/>
-                <a:gd name="T18" fmla="*/ 0 w 30"/>
-                <a:gd name="T19" fmla="*/ 22 h 64"/>
-                <a:gd name="T20" fmla="*/ 0 w 30"/>
-                <a:gd name="T21" fmla="*/ 34 h 64"/>
-                <a:gd name="T22" fmla="*/ 8 w 30"/>
-                <a:gd name="T23" fmla="*/ 34 h 64"/>
-                <a:gd name="T24" fmla="*/ 8 w 30"/>
-                <a:gd name="T25" fmla="*/ 64 h 64"/>
-                <a:gd name="T26" fmla="*/ 19 w 30"/>
-                <a:gd name="T27" fmla="*/ 64 h 64"/>
-                <a:gd name="T28" fmla="*/ 19 w 30"/>
-                <a:gd name="T29" fmla="*/ 34 h 64"/>
-                <a:gd name="T30" fmla="*/ 28 w 30"/>
-                <a:gd name="T31" fmla="*/ 34 h 64"/>
-                <a:gd name="T32" fmla="*/ 30 w 30"/>
-                <a:gd name="T33" fmla="*/ 22 h 64"/>
-              </a:gdLst>
-              <a:ahLst/>
-              <a:cxnLst>
-                <a:cxn ang="0">
-                  <a:pos x="T0" y="T1"/>
-                </a:cxn>
-                <a:cxn ang="0">
-                  <a:pos x="T2" y="T3"/>
-                </a:cxn>
-                <a:cxn ang="0">
-                  <a:pos x="T4" y="T5"/>
-                </a:cxn>
-                <a:cxn ang="0">
-                  <a:pos x="T6" y="T7"/>
-                </a:cxn>
-                <a:cxn ang="0">
-                  <a:pos x="T8" y="T9"/>
-                </a:cxn>
-                <a:cxn ang="0">
-                  <a:pos x="T10" y="T11"/>
-                </a:cxn>
-                <a:cxn ang="0">
-                  <a:pos x="T12" y="T13"/>
-                </a:cxn>
-                <a:cxn ang="0">
-                  <a:pos x="T14" y="T15"/>
-                </a:cxn>
-                <a:cxn ang="0">
-                  <a:pos x="T16" y="T17"/>
-                </a:cxn>
-                <a:cxn ang="0">
-                  <a:pos x="T18" y="T19"/>
-                </a:cxn>
-                <a:cxn ang="0">
-                  <a:pos x="T20" y="T21"/>
-                </a:cxn>
-                <a:cxn ang="0">
-                  <a:pos x="T22" y="T23"/>
-                </a:cxn>
-                <a:cxn ang="0">
-                  <a:pos x="T24" y="T25"/>
-                </a:cxn>
-                <a:cxn ang="0">
-                  <a:pos x="T26" y="T27"/>
-                </a:cxn>
-                <a:cxn ang="0">
-                  <a:pos x="T28" y="T29"/>
-                </a:cxn>
-                <a:cxn ang="0">
-                  <a:pos x="T30" y="T31"/>
-                </a:cxn>
-                <a:cxn ang="0">
-                  <a:pos x="T32" y="T33"/>
-                </a:cxn>
-              </a:cxnLst>
-              <a:rect l="0" t="0" r="r" b="b"/>
-              <a:pathLst>
-                <a:path w="30" h="64">
-                  <a:moveTo>
-                    <a:pt x="30" y="22"/>
-                  </a:moveTo>
-                  <a:cubicBezTo>
-                    <a:pt x="19" y="22"/>
-                    <a:pt x="19" y="22"/>
-                    <a:pt x="19" y="22"/>
-                  </a:cubicBezTo>
-                  <a:cubicBezTo>
-                    <a:pt x="19" y="14"/>
-                    <a:pt x="19" y="14"/>
-                    <a:pt x="19" y="14"/>
-                  </a:cubicBezTo>
-                  <a:cubicBezTo>
-                    <a:pt x="19" y="12"/>
-                    <a:pt x="22" y="11"/>
-                    <a:pt x="23" y="11"/>
-                  </a:cubicBezTo>
-                  <a:cubicBezTo>
-                    <a:pt x="24" y="11"/>
-                    <a:pt x="30" y="11"/>
-                    <a:pt x="30" y="11"/>
-                  </a:cubicBezTo>
-                  <a:cubicBezTo>
-                    <a:pt x="30" y="0"/>
-                    <a:pt x="30" y="0"/>
-                    <a:pt x="30" y="0"/>
-                  </a:cubicBezTo>
-                  <a:cubicBezTo>
-                    <a:pt x="22" y="0"/>
-                    <a:pt x="22" y="0"/>
-                    <a:pt x="22" y="0"/>
-                  </a:cubicBezTo>
-                  <a:cubicBezTo>
-                    <a:pt x="11" y="0"/>
-                    <a:pt x="8" y="8"/>
-                    <a:pt x="8" y="13"/>
-                  </a:cubicBezTo>
-                  <a:cubicBezTo>
-                    <a:pt x="8" y="22"/>
-                    <a:pt x="8" y="22"/>
-                    <a:pt x="8" y="22"/>
-                  </a:cubicBezTo>
-                  <a:cubicBezTo>
-                    <a:pt x="0" y="22"/>
-                    <a:pt x="0" y="22"/>
-                    <a:pt x="0" y="22"/>
-                  </a:cubicBezTo>
-                  <a:cubicBezTo>
-                    <a:pt x="0" y="34"/>
-                    <a:pt x="0" y="34"/>
-                    <a:pt x="0" y="34"/>
-                  </a:cubicBezTo>
-                  <a:cubicBezTo>
-                    <a:pt x="8" y="34"/>
-                    <a:pt x="8" y="34"/>
-                    <a:pt x="8" y="34"/>
-                  </a:cubicBezTo>
-                  <a:cubicBezTo>
-                    <a:pt x="8" y="48"/>
-                    <a:pt x="8" y="64"/>
-                    <a:pt x="8" y="64"/>
-                  </a:cubicBezTo>
-                  <a:cubicBezTo>
-                    <a:pt x="19" y="64"/>
-                    <a:pt x="19" y="64"/>
-                    <a:pt x="19" y="64"/>
-                  </a:cubicBezTo>
-                  <a:cubicBezTo>
-                    <a:pt x="19" y="64"/>
-                    <a:pt x="19" y="48"/>
-                    <a:pt x="19" y="34"/>
-                  </a:cubicBezTo>
-                  <a:cubicBezTo>
-                    <a:pt x="28" y="34"/>
-                    <a:pt x="28" y="34"/>
-                    <a:pt x="28" y="34"/>
-                  </a:cubicBezTo>
-                  <a:lnTo>
-                    <a:pt x="30" y="22"/>
-                  </a:lnTo>
-                  <a:close/>
-                </a:path>
-              </a:pathLst>
-            </a:custGeom>
-            <a:solidFill>
-              <a:schemeClr val="bg2">
-                <a:lumMod val="50000"/>
-              </a:schemeClr>
-            </a:solidFill>
-            <a:ln>
-              <a:noFill/>
-            </a:ln>
-            <a:extLst/>
-          </p:spPr>
-          <p:txBody>
-            <a:bodyPr/>
-            <a:lstStyle/>
-            <a:p>
-              <a:pPr eaLnBrk="1" fontAlgn="auto" hangingPunct="1">
-                <a:spcBef>
-                  <a:spcPts val="0"/>
-                </a:spcBef>
-                <a:spcAft>
-                  <a:spcPts val="0"/>
-                </a:spcAft>
-                <a:defRPr/>
-              </a:pPr>
-              <a:endParaRPr lang="en-AU">
-                <a:latin typeface="+mn-lt"/>
-              </a:endParaRPr>
-            </a:p>
-          </p:txBody>
-        </p:sp>
-        <p:sp>
-          <p:nvSpPr>
-            <p:cNvPr id="9" name="Rounded Rectangle 8"/>
-            <p:cNvSpPr/>
-            <p:nvPr/>
-          </p:nvSpPr>
-          <p:spPr>
-            <a:xfrm>
-              <a:off x="6351804" y="5146675"/>
-              <a:ext cx="353832" cy="353832"/>
-            </a:xfrm>
-            <a:prstGeom prst="roundRect">
-              <a:avLst/>
-            </a:prstGeom>
-            <a:noFill/>
-            <a:ln w="19050">
-              <a:solidFill>
-                <a:schemeClr val="bg2">
-                  <a:lumMod val="50000"/>
-                </a:schemeClr>
-              </a:solidFill>
-            </a:ln>
-          </p:spPr>
-          <p:style>
-            <a:lnRef idx="2">
-              <a:schemeClr val="accent1">
-                <a:shade val="50000"/>
-              </a:schemeClr>
-            </a:lnRef>
-            <a:fillRef idx="1">
-              <a:schemeClr val="accent1"/>
-            </a:fillRef>
-            <a:effectRef idx="0">
-              <a:schemeClr val="accent1"/>
-            </a:effectRef>
-            <a:fontRef idx="minor">
-              <a:schemeClr val="lt1"/>
-            </a:fontRef>
-          </p:style>
-          <p:txBody>
-            <a:bodyPr rtlCol="0" anchor="ctr"/>
-            <a:lstStyle/>
-            <a:p>
-              <a:pPr algn="ctr"/>
-              <a:endParaRPr lang="en-US"/>
-            </a:p>
-          </p:txBody>
-        </p:sp>
-      </p:grpSp>
-      <p:grpSp>
-        <p:nvGrpSpPr>
-          <p:cNvPr id="10" name="Group 9"/>
-          <p:cNvGrpSpPr/>
-          <p:nvPr/>
-        </p:nvGrpSpPr>
-        <p:grpSpPr>
-          <a:xfrm>
-            <a:off x="820965" y="4760173"/>
-            <a:ext cx="353832" cy="353832"/>
-            <a:chOff x="5748554" y="5146675"/>
-            <a:chExt cx="353832" cy="353832"/>
-          </a:xfrm>
-        </p:grpSpPr>
-        <p:sp>
-          <p:nvSpPr>
-            <p:cNvPr id="11" name="Freeform 383"/>
-            <p:cNvSpPr>
-              <a:spLocks/>
-            </p:cNvSpPr>
-            <p:nvPr/>
-          </p:nvSpPr>
-          <p:spPr bwMode="auto">
-            <a:xfrm>
-              <a:off x="5852152" y="5257800"/>
-              <a:ext cx="159336" cy="137932"/>
-            </a:xfrm>
-            <a:custGeom>
-              <a:avLst/>
-              <a:gdLst>
-                <a:gd name="T0" fmla="*/ 458484450 w 64"/>
-                <a:gd name="T1" fmla="*/ 49083328 h 56"/>
-                <a:gd name="T2" fmla="*/ 408336961 w 64"/>
-                <a:gd name="T3" fmla="*/ 63107136 h 56"/>
-                <a:gd name="T4" fmla="*/ 444156978 w 64"/>
-                <a:gd name="T5" fmla="*/ 7011904 h 56"/>
-                <a:gd name="T6" fmla="*/ 386847091 w 64"/>
-                <a:gd name="T7" fmla="*/ 28047616 h 56"/>
-                <a:gd name="T8" fmla="*/ 386847091 w 64"/>
-                <a:gd name="T9" fmla="*/ 28047616 h 56"/>
-                <a:gd name="T10" fmla="*/ 315207056 w 64"/>
-                <a:gd name="T11" fmla="*/ 0 h 56"/>
-                <a:gd name="T12" fmla="*/ 222077151 w 64"/>
-                <a:gd name="T13" fmla="*/ 98166656 h 56"/>
-                <a:gd name="T14" fmla="*/ 229242225 w 64"/>
-                <a:gd name="T15" fmla="*/ 119202368 h 56"/>
-                <a:gd name="T16" fmla="*/ 229242225 w 64"/>
-                <a:gd name="T17" fmla="*/ 119202368 h 56"/>
-                <a:gd name="T18" fmla="*/ 28654944 w 64"/>
-                <a:gd name="T19" fmla="*/ 21035712 h 56"/>
-                <a:gd name="T20" fmla="*/ 57309887 w 64"/>
-                <a:gd name="T21" fmla="*/ 147249984 h 56"/>
-                <a:gd name="T22" fmla="*/ 14327472 w 64"/>
-                <a:gd name="T23" fmla="*/ 140238080 h 56"/>
-                <a:gd name="T24" fmla="*/ 85964831 w 64"/>
-                <a:gd name="T25" fmla="*/ 238404736 h 56"/>
-                <a:gd name="T26" fmla="*/ 42982415 w 64"/>
-                <a:gd name="T27" fmla="*/ 238404736 h 56"/>
-                <a:gd name="T28" fmla="*/ 128949923 w 64"/>
-                <a:gd name="T29" fmla="*/ 308523776 h 56"/>
-                <a:gd name="T30" fmla="*/ 0 w 64"/>
-                <a:gd name="T31" fmla="*/ 350595200 h 56"/>
-                <a:gd name="T32" fmla="*/ 150439792 w 64"/>
-                <a:gd name="T33" fmla="*/ 392666624 h 56"/>
-                <a:gd name="T34" fmla="*/ 415502035 w 64"/>
-                <a:gd name="T35" fmla="*/ 98166656 h 56"/>
-                <a:gd name="T36" fmla="*/ 415502035 w 64"/>
-                <a:gd name="T37" fmla="*/ 98166656 h 56"/>
-                <a:gd name="T38" fmla="*/ 415502035 w 64"/>
-                <a:gd name="T39" fmla="*/ 98166656 h 56"/>
-                <a:gd name="T40" fmla="*/ 415502035 w 64"/>
-                <a:gd name="T41" fmla="*/ 98166656 h 56"/>
-                <a:gd name="T42" fmla="*/ 458484450 w 64"/>
-                <a:gd name="T43" fmla="*/ 49083328 h 56"/>
-                <a:gd name="T44" fmla="*/ 0 60000 65536"/>
-                <a:gd name="T45" fmla="*/ 0 60000 65536"/>
-                <a:gd name="T46" fmla="*/ 0 60000 65536"/>
-                <a:gd name="T47" fmla="*/ 0 60000 65536"/>
-                <a:gd name="T48" fmla="*/ 0 60000 65536"/>
-                <a:gd name="T49" fmla="*/ 0 60000 65536"/>
-                <a:gd name="T50" fmla="*/ 0 60000 65536"/>
-                <a:gd name="T51" fmla="*/ 0 60000 65536"/>
-                <a:gd name="T52" fmla="*/ 0 60000 65536"/>
-                <a:gd name="T53" fmla="*/ 0 60000 65536"/>
-                <a:gd name="T54" fmla="*/ 0 60000 65536"/>
-                <a:gd name="T55" fmla="*/ 0 60000 65536"/>
-                <a:gd name="T56" fmla="*/ 0 60000 65536"/>
-                <a:gd name="T57" fmla="*/ 0 60000 65536"/>
-                <a:gd name="T58" fmla="*/ 0 60000 65536"/>
-                <a:gd name="T59" fmla="*/ 0 60000 65536"/>
-                <a:gd name="T60" fmla="*/ 0 60000 65536"/>
-                <a:gd name="T61" fmla="*/ 0 60000 65536"/>
-                <a:gd name="T62" fmla="*/ 0 60000 65536"/>
-                <a:gd name="T63" fmla="*/ 0 60000 65536"/>
-                <a:gd name="T64" fmla="*/ 0 60000 65536"/>
-                <a:gd name="T65" fmla="*/ 0 60000 65536"/>
-              </a:gdLst>
-              <a:ahLst/>
-              <a:cxnLst>
-                <a:cxn ang="T44">
-                  <a:pos x="T0" y="T1"/>
-                </a:cxn>
-                <a:cxn ang="T45">
-                  <a:pos x="T2" y="T3"/>
-                </a:cxn>
-                <a:cxn ang="T46">
-                  <a:pos x="T4" y="T5"/>
-                </a:cxn>
-                <a:cxn ang="T47">
-                  <a:pos x="T6" y="T7"/>
-                </a:cxn>
-                <a:cxn ang="T48">
-                  <a:pos x="T8" y="T9"/>
-                </a:cxn>
-                <a:cxn ang="T49">
-                  <a:pos x="T10" y="T11"/>
-                </a:cxn>
-                <a:cxn ang="T50">
-                  <a:pos x="T12" y="T13"/>
-                </a:cxn>
-                <a:cxn ang="T51">
-                  <a:pos x="T14" y="T15"/>
-                </a:cxn>
-                <a:cxn ang="T52">
-                  <a:pos x="T16" y="T17"/>
-                </a:cxn>
-                <a:cxn ang="T53">
-                  <a:pos x="T18" y="T19"/>
-                </a:cxn>
-                <a:cxn ang="T54">
-                  <a:pos x="T20" y="T21"/>
-                </a:cxn>
-                <a:cxn ang="T55">
-                  <a:pos x="T22" y="T23"/>
-                </a:cxn>
-                <a:cxn ang="T56">
-                  <a:pos x="T24" y="T25"/>
-                </a:cxn>
-                <a:cxn ang="T57">
-                  <a:pos x="T26" y="T27"/>
-                </a:cxn>
-                <a:cxn ang="T58">
-                  <a:pos x="T28" y="T29"/>
-                </a:cxn>
-                <a:cxn ang="T59">
-                  <a:pos x="T30" y="T31"/>
-                </a:cxn>
-                <a:cxn ang="T60">
-                  <a:pos x="T32" y="T33"/>
-                </a:cxn>
-                <a:cxn ang="T61">
-                  <a:pos x="T34" y="T35"/>
-                </a:cxn>
-                <a:cxn ang="T62">
-                  <a:pos x="T36" y="T37"/>
-                </a:cxn>
-                <a:cxn ang="T63">
-                  <a:pos x="T38" y="T39"/>
-                </a:cxn>
-                <a:cxn ang="T64">
-                  <a:pos x="T40" y="T41"/>
-                </a:cxn>
-                <a:cxn ang="T65">
-                  <a:pos x="T42" y="T43"/>
-                </a:cxn>
-              </a:cxnLst>
-              <a:rect l="0" t="0" r="r" b="b"/>
-              <a:pathLst>
-                <a:path w="64" h="56">
-                  <a:moveTo>
-                    <a:pt x="64" y="7"/>
-                  </a:moveTo>
-                  <a:cubicBezTo>
-                    <a:pt x="63" y="7"/>
-                    <a:pt x="60" y="9"/>
-                    <a:pt x="57" y="9"/>
-                  </a:cubicBezTo>
-                  <a:cubicBezTo>
-                    <a:pt x="59" y="8"/>
-                    <a:pt x="61" y="4"/>
-                    <a:pt x="62" y="1"/>
-                  </a:cubicBezTo>
-                  <a:cubicBezTo>
-                    <a:pt x="60" y="3"/>
-                    <a:pt x="56" y="4"/>
-                    <a:pt x="54" y="4"/>
-                  </a:cubicBezTo>
-                  <a:cubicBezTo>
-                    <a:pt x="54" y="4"/>
-                    <a:pt x="54" y="4"/>
-                    <a:pt x="54" y="4"/>
-                  </a:cubicBezTo>
-                  <a:cubicBezTo>
-                    <a:pt x="52" y="2"/>
-                    <a:pt x="48" y="0"/>
-                    <a:pt x="44" y="0"/>
-                  </a:cubicBezTo>
-                  <a:cubicBezTo>
-                    <a:pt x="37" y="0"/>
-                    <a:pt x="31" y="6"/>
-                    <a:pt x="31" y="14"/>
-                  </a:cubicBezTo>
-                  <a:cubicBezTo>
-                    <a:pt x="31" y="15"/>
-                    <a:pt x="31" y="16"/>
-                    <a:pt x="32" y="17"/>
-                  </a:cubicBezTo>
-                  <a:cubicBezTo>
-                    <a:pt x="32" y="17"/>
-                    <a:pt x="32" y="17"/>
-                    <a:pt x="32" y="17"/>
-                  </a:cubicBezTo>
-                  <a:cubicBezTo>
-                    <a:pt x="22" y="17"/>
-                    <a:pt x="10" y="12"/>
-                    <a:pt x="4" y="3"/>
-                  </a:cubicBezTo>
-                  <a:cubicBezTo>
-                    <a:pt x="0" y="10"/>
-                    <a:pt x="3" y="18"/>
-                    <a:pt x="8" y="21"/>
-                  </a:cubicBezTo>
-                  <a:cubicBezTo>
-                    <a:pt x="6" y="22"/>
-                    <a:pt x="3" y="21"/>
-                    <a:pt x="2" y="20"/>
-                  </a:cubicBezTo>
-                  <a:cubicBezTo>
-                    <a:pt x="2" y="25"/>
-                    <a:pt x="4" y="31"/>
-                    <a:pt x="12" y="34"/>
-                  </a:cubicBezTo>
-                  <a:cubicBezTo>
-                    <a:pt x="10" y="35"/>
-                    <a:pt x="8" y="34"/>
-                    <a:pt x="6" y="34"/>
-                  </a:cubicBezTo>
-                  <a:cubicBezTo>
-                    <a:pt x="7" y="38"/>
-                    <a:pt x="12" y="44"/>
-                    <a:pt x="18" y="44"/>
-                  </a:cubicBezTo>
-                  <a:cubicBezTo>
-                    <a:pt x="16" y="46"/>
-                    <a:pt x="9" y="51"/>
-                    <a:pt x="0" y="50"/>
-                  </a:cubicBezTo>
-                  <a:cubicBezTo>
-                    <a:pt x="6" y="54"/>
-                    <a:pt x="13" y="56"/>
-                    <a:pt x="21" y="56"/>
-                  </a:cubicBezTo>
-                  <a:cubicBezTo>
-                    <a:pt x="42" y="56"/>
-                    <a:pt x="58" y="37"/>
-                    <a:pt x="58" y="14"/>
-                  </a:cubicBezTo>
-                  <a:cubicBezTo>
-                    <a:pt x="58" y="14"/>
-                    <a:pt x="58" y="14"/>
-                    <a:pt x="58" y="14"/>
-                  </a:cubicBezTo>
-                  <a:cubicBezTo>
-                    <a:pt x="58" y="14"/>
-                    <a:pt x="58" y="14"/>
-                    <a:pt x="58" y="14"/>
-                  </a:cubicBezTo>
-                  <a:cubicBezTo>
-                    <a:pt x="58" y="14"/>
-                    <a:pt x="58" y="14"/>
-                    <a:pt x="58" y="14"/>
-                  </a:cubicBezTo>
-                  <a:cubicBezTo>
-                    <a:pt x="60" y="13"/>
-                    <a:pt x="62" y="10"/>
-                    <a:pt x="64" y="7"/>
-                  </a:cubicBezTo>
-                  <a:close/>
-                </a:path>
-              </a:pathLst>
-            </a:custGeom>
-            <a:solidFill>
-              <a:schemeClr val="bg2">
-                <a:lumMod val="50000"/>
-              </a:schemeClr>
-            </a:solidFill>
-            <a:ln>
-              <a:noFill/>
-            </a:ln>
-          </p:spPr>
-          <p:txBody>
-            <a:bodyPr/>
-            <a:lstStyle/>
-            <a:p>
-              <a:endParaRPr lang="en-US"/>
-            </a:p>
-          </p:txBody>
-        </p:sp>
-        <p:sp>
-          <p:nvSpPr>
-            <p:cNvPr id="12" name="Rounded Rectangle 11"/>
-            <p:cNvSpPr/>
-            <p:nvPr/>
-          </p:nvSpPr>
-          <p:spPr>
-            <a:xfrm>
-              <a:off x="5748554" y="5146675"/>
-              <a:ext cx="353832" cy="353832"/>
-            </a:xfrm>
-            <a:prstGeom prst="roundRect">
-              <a:avLst/>
-            </a:prstGeom>
-            <a:noFill/>
-            <a:ln w="19050">
-              <a:solidFill>
-                <a:schemeClr val="bg2">
-                  <a:lumMod val="50000"/>
-                </a:schemeClr>
-              </a:solidFill>
-            </a:ln>
-          </p:spPr>
-          <p:style>
-            <a:lnRef idx="2">
-              <a:schemeClr val="accent1">
-                <a:shade val="50000"/>
-              </a:schemeClr>
-            </a:lnRef>
-            <a:fillRef idx="1">
-              <a:schemeClr val="accent1"/>
-            </a:fillRef>
-            <a:effectRef idx="0">
-              <a:schemeClr val="accent1"/>
-            </a:effectRef>
-            <a:fontRef idx="minor">
-              <a:schemeClr val="lt1"/>
-            </a:fontRef>
-          </p:style>
-          <p:txBody>
-            <a:bodyPr rtlCol="0" anchor="ctr"/>
-            <a:lstStyle/>
-            <a:p>
-              <a:pPr algn="ctr"/>
-              <a:endParaRPr lang="en-US"/>
-            </a:p>
-          </p:txBody>
-        </p:sp>
-      </p:grpSp>
-      <p:grpSp>
-        <p:nvGrpSpPr>
-          <p:cNvPr id="13" name="Group 12"/>
-          <p:cNvGrpSpPr/>
-          <p:nvPr/>
-        </p:nvGrpSpPr>
-        <p:grpSpPr>
-          <a:xfrm>
-            <a:off x="820965" y="5440724"/>
-            <a:ext cx="353832" cy="353832"/>
-            <a:chOff x="6866055" y="5146675"/>
-            <a:chExt cx="353832" cy="353832"/>
-          </a:xfrm>
-        </p:grpSpPr>
-        <p:sp>
-          <p:nvSpPr>
-            <p:cNvPr id="14" name="Rounded Rectangle 13"/>
-            <p:cNvSpPr/>
-            <p:nvPr/>
-          </p:nvSpPr>
-          <p:spPr>
-            <a:xfrm>
-              <a:off x="6866055" y="5146675"/>
-              <a:ext cx="353832" cy="353832"/>
-            </a:xfrm>
-            <a:prstGeom prst="roundRect">
-              <a:avLst/>
-            </a:prstGeom>
-            <a:noFill/>
-            <a:ln w="19050">
-              <a:solidFill>
-                <a:schemeClr val="bg2">
-                  <a:lumMod val="50000"/>
-                </a:schemeClr>
-              </a:solidFill>
-            </a:ln>
-          </p:spPr>
-          <p:style>
-            <a:lnRef idx="2">
-              <a:schemeClr val="accent1">
-                <a:shade val="50000"/>
-              </a:schemeClr>
-            </a:lnRef>
-            <a:fillRef idx="1">
-              <a:schemeClr val="accent1"/>
-            </a:fillRef>
-            <a:effectRef idx="0">
-              <a:schemeClr val="accent1"/>
-            </a:effectRef>
-            <a:fontRef idx="minor">
-              <a:schemeClr val="lt1"/>
-            </a:fontRef>
-          </p:style>
-          <p:txBody>
-            <a:bodyPr rtlCol="0" anchor="ctr"/>
-            <a:lstStyle/>
-            <a:p>
-              <a:pPr algn="ctr"/>
-              <a:endParaRPr lang="en-US"/>
-            </a:p>
-          </p:txBody>
-        </p:sp>
-        <p:grpSp>
-          <p:nvGrpSpPr>
-            <p:cNvPr id="15" name="Group 1216"/>
-            <p:cNvGrpSpPr>
-              <a:grpSpLocks/>
-            </p:cNvGrpSpPr>
-            <p:nvPr/>
-          </p:nvGrpSpPr>
-          <p:grpSpPr bwMode="auto">
-            <a:xfrm>
-              <a:off x="6985002" y="5246689"/>
-              <a:ext cx="126998" cy="126996"/>
-              <a:chOff x="8400256" y="3573016"/>
-              <a:chExt cx="423863" cy="422275"/>
-            </a:xfrm>
-            <a:solidFill>
-              <a:schemeClr val="tx1"/>
-            </a:solidFill>
-          </p:grpSpPr>
-          <p:sp>
-            <p:nvSpPr>
-              <p:cNvPr id="16" name="Oval 315"/>
-              <p:cNvSpPr>
-                <a:spLocks noChangeArrowheads="1"/>
-              </p:cNvSpPr>
-              <p:nvPr/>
-            </p:nvSpPr>
-            <p:spPr bwMode="auto">
-              <a:xfrm>
-                <a:off x="8400256" y="3573016"/>
-                <a:ext cx="103188" cy="101600"/>
-              </a:xfrm>
-              <a:prstGeom prst="ellipse">
-                <a:avLst/>
-              </a:prstGeom>
-              <a:solidFill>
-                <a:schemeClr val="bg2">
-                  <a:lumMod val="50000"/>
-                </a:schemeClr>
-              </a:solidFill>
-              <a:ln>
-                <a:noFill/>
-              </a:ln>
-              <a:extLst>
-                <a:ext uri="{91240B29-F687-4F45-9708-019B960494DF}">
-                  <a14:hiddenLine xmlns:a14="http://schemas.microsoft.com/office/drawing/2010/main" w="9525">
-                    <a:solidFill>
-                      <a:srgbClr val="000000"/>
-                    </a:solidFill>
-                    <a:round/>
-                    <a:headEnd/>
-                    <a:tailEnd/>
-                  </a14:hiddenLine>
-                </a:ext>
-              </a:extLst>
-            </p:spPr>
-            <p:txBody>
-              <a:bodyPr/>
-              <a:lstStyle>
-                <a:lvl1pPr>
-                  <a:defRPr>
-                    <a:solidFill>
-                      <a:schemeClr val="tx1"/>
-                    </a:solidFill>
-                    <a:latin typeface="Open Sans" charset="0"/>
-                  </a:defRPr>
-                </a:lvl1pPr>
-                <a:lvl2pPr marL="742950" indent="-285750">
-                  <a:defRPr>
-                    <a:solidFill>
-                      <a:schemeClr val="tx1"/>
-                    </a:solidFill>
-                    <a:latin typeface="Open Sans" charset="0"/>
-                  </a:defRPr>
-                </a:lvl2pPr>
-                <a:lvl3pPr marL="1143000" indent="-228600">
-                  <a:defRPr>
-                    <a:solidFill>
-                      <a:schemeClr val="tx1"/>
-                    </a:solidFill>
-                    <a:latin typeface="Open Sans" charset="0"/>
-                  </a:defRPr>
-                </a:lvl3pPr>
-                <a:lvl4pPr marL="1600200" indent="-228600">
-                  <a:defRPr>
-                    <a:solidFill>
-                      <a:schemeClr val="tx1"/>
-                    </a:solidFill>
-                    <a:latin typeface="Open Sans" charset="0"/>
-                  </a:defRPr>
-                </a:lvl4pPr>
-                <a:lvl5pPr marL="2057400" indent="-228600">
-                  <a:defRPr>
-                    <a:solidFill>
-                      <a:schemeClr val="tx1"/>
-                    </a:solidFill>
-                    <a:latin typeface="Open Sans" charset="0"/>
-                  </a:defRPr>
-                </a:lvl5pPr>
-                <a:lvl6pPr marL="2514600" indent="-228600" eaLnBrk="0" fontAlgn="base" hangingPunct="0">
-                  <a:spcBef>
-                    <a:spcPct val="0"/>
-                  </a:spcBef>
-                  <a:spcAft>
-                    <a:spcPct val="0"/>
-                  </a:spcAft>
-                  <a:defRPr>
-                    <a:solidFill>
-                      <a:schemeClr val="tx1"/>
-                    </a:solidFill>
-                    <a:latin typeface="Open Sans" charset="0"/>
-                  </a:defRPr>
-                </a:lvl6pPr>
-                <a:lvl7pPr marL="2971800" indent="-228600" eaLnBrk="0" fontAlgn="base" hangingPunct="0">
-                  <a:spcBef>
-                    <a:spcPct val="0"/>
-                  </a:spcBef>
-                  <a:spcAft>
-                    <a:spcPct val="0"/>
-                  </a:spcAft>
-                  <a:defRPr>
-                    <a:solidFill>
-                      <a:schemeClr val="tx1"/>
-                    </a:solidFill>
-                    <a:latin typeface="Open Sans" charset="0"/>
-                  </a:defRPr>
-                </a:lvl7pPr>
-                <a:lvl8pPr marL="3429000" indent="-228600" eaLnBrk="0" fontAlgn="base" hangingPunct="0">
-                  <a:spcBef>
-                    <a:spcPct val="0"/>
-                  </a:spcBef>
-                  <a:spcAft>
-                    <a:spcPct val="0"/>
-                  </a:spcAft>
-                  <a:defRPr>
-                    <a:solidFill>
-                      <a:schemeClr val="tx1"/>
-                    </a:solidFill>
-                    <a:latin typeface="Open Sans" charset="0"/>
-                  </a:defRPr>
-                </a:lvl8pPr>
-                <a:lvl9pPr marL="3886200" indent="-228600" eaLnBrk="0" fontAlgn="base" hangingPunct="0">
-                  <a:spcBef>
-                    <a:spcPct val="0"/>
-                  </a:spcBef>
-                  <a:spcAft>
-                    <a:spcPct val="0"/>
-                  </a:spcAft>
-                  <a:defRPr>
-                    <a:solidFill>
-                      <a:schemeClr val="tx1"/>
-                    </a:solidFill>
-                    <a:latin typeface="Open Sans" charset="0"/>
-                  </a:defRPr>
-                </a:lvl9pPr>
-              </a:lstStyle>
-              <a:p>
-                <a:pPr eaLnBrk="1" hangingPunct="1"/>
-                <a:endParaRPr lang="en-AU" altLang="x-none"/>
-              </a:p>
-            </p:txBody>
-          </p:sp>
-          <p:sp>
-            <p:nvSpPr>
-              <p:cNvPr id="17" name="Rectangle 316"/>
-              <p:cNvSpPr>
-                <a:spLocks noChangeArrowheads="1"/>
-              </p:cNvSpPr>
-              <p:nvPr/>
-            </p:nvSpPr>
-            <p:spPr bwMode="auto">
-              <a:xfrm>
-                <a:off x="8408194" y="3714304"/>
-                <a:ext cx="87313" cy="280987"/>
-              </a:xfrm>
-              <a:prstGeom prst="rect">
-                <a:avLst/>
-              </a:prstGeom>
-              <a:solidFill>
-                <a:schemeClr val="bg2">
-                  <a:lumMod val="50000"/>
-                </a:schemeClr>
-              </a:solidFill>
-              <a:ln>
-                <a:noFill/>
-              </a:ln>
-              <a:extLst>
-                <a:ext uri="{91240B29-F687-4F45-9708-019B960494DF}">
-                  <a14:hiddenLine xmlns:a14="http://schemas.microsoft.com/office/drawing/2010/main" w="9525">
-                    <a:solidFill>
-                      <a:srgbClr val="000000"/>
-                    </a:solidFill>
-                    <a:miter lim="800000"/>
-                    <a:headEnd/>
-                    <a:tailEnd/>
-                  </a14:hiddenLine>
-                </a:ext>
-              </a:extLst>
-            </p:spPr>
-            <p:txBody>
-              <a:bodyPr/>
-              <a:lstStyle>
-                <a:lvl1pPr>
-                  <a:defRPr>
-                    <a:solidFill>
-                      <a:schemeClr val="tx1"/>
-                    </a:solidFill>
-                    <a:latin typeface="Open Sans" charset="0"/>
-                  </a:defRPr>
-                </a:lvl1pPr>
-                <a:lvl2pPr marL="742950" indent="-285750">
-                  <a:defRPr>
-                    <a:solidFill>
-                      <a:schemeClr val="tx1"/>
-                    </a:solidFill>
-                    <a:latin typeface="Open Sans" charset="0"/>
-                  </a:defRPr>
-                </a:lvl2pPr>
-                <a:lvl3pPr marL="1143000" indent="-228600">
-                  <a:defRPr>
-                    <a:solidFill>
-                      <a:schemeClr val="tx1"/>
-                    </a:solidFill>
-                    <a:latin typeface="Open Sans" charset="0"/>
-                  </a:defRPr>
-                </a:lvl3pPr>
-                <a:lvl4pPr marL="1600200" indent="-228600">
-                  <a:defRPr>
-                    <a:solidFill>
-                      <a:schemeClr val="tx1"/>
-                    </a:solidFill>
-                    <a:latin typeface="Open Sans" charset="0"/>
-                  </a:defRPr>
-                </a:lvl4pPr>
-                <a:lvl5pPr marL="2057400" indent="-228600">
-                  <a:defRPr>
-                    <a:solidFill>
-                      <a:schemeClr val="tx1"/>
-                    </a:solidFill>
-                    <a:latin typeface="Open Sans" charset="0"/>
-                  </a:defRPr>
-                </a:lvl5pPr>
-                <a:lvl6pPr marL="2514600" indent="-228600" eaLnBrk="0" fontAlgn="base" hangingPunct="0">
-                  <a:spcBef>
-                    <a:spcPct val="0"/>
-                  </a:spcBef>
-                  <a:spcAft>
-                    <a:spcPct val="0"/>
-                  </a:spcAft>
-                  <a:defRPr>
-                    <a:solidFill>
-                      <a:schemeClr val="tx1"/>
-                    </a:solidFill>
-                    <a:latin typeface="Open Sans" charset="0"/>
-                  </a:defRPr>
-                </a:lvl6pPr>
-                <a:lvl7pPr marL="2971800" indent="-228600" eaLnBrk="0" fontAlgn="base" hangingPunct="0">
-                  <a:spcBef>
-                    <a:spcPct val="0"/>
-                  </a:spcBef>
-                  <a:spcAft>
-                    <a:spcPct val="0"/>
-                  </a:spcAft>
-                  <a:defRPr>
-                    <a:solidFill>
-                      <a:schemeClr val="tx1"/>
-                    </a:solidFill>
-                    <a:latin typeface="Open Sans" charset="0"/>
-                  </a:defRPr>
-                </a:lvl7pPr>
-                <a:lvl8pPr marL="3429000" indent="-228600" eaLnBrk="0" fontAlgn="base" hangingPunct="0">
-                  <a:spcBef>
-                    <a:spcPct val="0"/>
-                  </a:spcBef>
-                  <a:spcAft>
-                    <a:spcPct val="0"/>
-                  </a:spcAft>
-                  <a:defRPr>
-                    <a:solidFill>
-                      <a:schemeClr val="tx1"/>
-                    </a:solidFill>
-                    <a:latin typeface="Open Sans" charset="0"/>
-                  </a:defRPr>
-                </a:lvl8pPr>
-                <a:lvl9pPr marL="3886200" indent="-228600" eaLnBrk="0" fontAlgn="base" hangingPunct="0">
-                  <a:spcBef>
-                    <a:spcPct val="0"/>
-                  </a:spcBef>
-                  <a:spcAft>
-                    <a:spcPct val="0"/>
-                  </a:spcAft>
-                  <a:defRPr>
-                    <a:solidFill>
-                      <a:schemeClr val="tx1"/>
-                    </a:solidFill>
-                    <a:latin typeface="Open Sans" charset="0"/>
-                  </a:defRPr>
-                </a:lvl9pPr>
-              </a:lstStyle>
-              <a:p>
-                <a:pPr eaLnBrk="1" hangingPunct="1"/>
-                <a:endParaRPr lang="en-AU" altLang="x-none"/>
-              </a:p>
-            </p:txBody>
-          </p:sp>
-          <p:sp>
-            <p:nvSpPr>
-              <p:cNvPr id="18" name="Freeform 317"/>
-              <p:cNvSpPr>
-                <a:spLocks/>
-              </p:cNvSpPr>
-              <p:nvPr/>
-            </p:nvSpPr>
-            <p:spPr bwMode="auto">
-              <a:xfrm>
-                <a:off x="8551069" y="3706366"/>
-                <a:ext cx="273050" cy="288925"/>
-              </a:xfrm>
-              <a:custGeom>
-                <a:avLst/>
-                <a:gdLst>
-                  <a:gd name="T0" fmla="*/ 232890753 w 196"/>
-                  <a:gd name="T1" fmla="*/ 0 h 207"/>
-                  <a:gd name="T2" fmla="*/ 118386679 w 196"/>
-                  <a:gd name="T3" fmla="*/ 62342199 h 207"/>
-                  <a:gd name="T4" fmla="*/ 116446073 w 196"/>
-                  <a:gd name="T5" fmla="*/ 62342199 h 207"/>
-                  <a:gd name="T6" fmla="*/ 116446073 w 196"/>
-                  <a:gd name="T7" fmla="*/ 9741099 h 207"/>
-                  <a:gd name="T8" fmla="*/ 0 w 196"/>
-                  <a:gd name="T9" fmla="*/ 9741099 h 207"/>
-                  <a:gd name="T10" fmla="*/ 0 w 196"/>
-                  <a:gd name="T11" fmla="*/ 403273699 h 207"/>
-                  <a:gd name="T12" fmla="*/ 122267889 w 196"/>
-                  <a:gd name="T13" fmla="*/ 403273699 h 207"/>
-                  <a:gd name="T14" fmla="*/ 122267889 w 196"/>
-                  <a:gd name="T15" fmla="*/ 208455898 h 207"/>
-                  <a:gd name="T16" fmla="*/ 194075860 w 196"/>
-                  <a:gd name="T17" fmla="*/ 107150698 h 207"/>
-                  <a:gd name="T18" fmla="*/ 258121409 w 196"/>
-                  <a:gd name="T19" fmla="*/ 212351500 h 207"/>
-                  <a:gd name="T20" fmla="*/ 258121409 w 196"/>
-                  <a:gd name="T21" fmla="*/ 403273699 h 207"/>
-                  <a:gd name="T22" fmla="*/ 380389298 w 196"/>
-                  <a:gd name="T23" fmla="*/ 403273699 h 207"/>
-                  <a:gd name="T24" fmla="*/ 380389298 w 196"/>
-                  <a:gd name="T25" fmla="*/ 187025200 h 207"/>
-                  <a:gd name="T26" fmla="*/ 232890753 w 196"/>
-                  <a:gd name="T27" fmla="*/ 0 h 207"/>
-                  <a:gd name="T28" fmla="*/ 0 60000 65536"/>
-                  <a:gd name="T29" fmla="*/ 0 60000 65536"/>
-                  <a:gd name="T30" fmla="*/ 0 60000 65536"/>
-                  <a:gd name="T31" fmla="*/ 0 60000 65536"/>
-                  <a:gd name="T32" fmla="*/ 0 60000 65536"/>
-                  <a:gd name="T33" fmla="*/ 0 60000 65536"/>
-                  <a:gd name="T34" fmla="*/ 0 60000 65536"/>
-                  <a:gd name="T35" fmla="*/ 0 60000 65536"/>
-                  <a:gd name="T36" fmla="*/ 0 60000 65536"/>
-                  <a:gd name="T37" fmla="*/ 0 60000 65536"/>
-                  <a:gd name="T38" fmla="*/ 0 60000 65536"/>
-                  <a:gd name="T39" fmla="*/ 0 60000 65536"/>
-                  <a:gd name="T40" fmla="*/ 0 60000 65536"/>
-                  <a:gd name="T41" fmla="*/ 0 60000 65536"/>
-                </a:gdLst>
-                <a:ahLst/>
-                <a:cxnLst>
-                  <a:cxn ang="T28">
-                    <a:pos x="T0" y="T1"/>
-                  </a:cxn>
-                  <a:cxn ang="T29">
-                    <a:pos x="T2" y="T3"/>
-                  </a:cxn>
-                  <a:cxn ang="T30">
-                    <a:pos x="T4" y="T5"/>
-                  </a:cxn>
-                  <a:cxn ang="T31">
-                    <a:pos x="T6" y="T7"/>
-                  </a:cxn>
-                  <a:cxn ang="T32">
-                    <a:pos x="T8" y="T9"/>
-                  </a:cxn>
-                  <a:cxn ang="T33">
-                    <a:pos x="T10" y="T11"/>
-                  </a:cxn>
-                  <a:cxn ang="T34">
-                    <a:pos x="T12" y="T13"/>
-                  </a:cxn>
-                  <a:cxn ang="T35">
-                    <a:pos x="T14" y="T15"/>
-                  </a:cxn>
-                  <a:cxn ang="T36">
-                    <a:pos x="T16" y="T17"/>
-                  </a:cxn>
-                  <a:cxn ang="T37">
-                    <a:pos x="T18" y="T19"/>
-                  </a:cxn>
-                  <a:cxn ang="T38">
-                    <a:pos x="T20" y="T21"/>
-                  </a:cxn>
-                  <a:cxn ang="T39">
-                    <a:pos x="T22" y="T23"/>
-                  </a:cxn>
-                  <a:cxn ang="T40">
-                    <a:pos x="T24" y="T25"/>
-                  </a:cxn>
-                  <a:cxn ang="T41">
-                    <a:pos x="T26" y="T27"/>
-                  </a:cxn>
-                </a:cxnLst>
-                <a:rect l="0" t="0" r="r" b="b"/>
-                <a:pathLst>
-                  <a:path w="196" h="207">
-                    <a:moveTo>
-                      <a:pt x="120" y="0"/>
-                    </a:moveTo>
-                    <a:cubicBezTo>
-                      <a:pt x="90" y="0"/>
-                      <a:pt x="69" y="16"/>
-                      <a:pt x="61" y="32"/>
-                    </a:cubicBezTo>
-                    <a:cubicBezTo>
-                      <a:pt x="60" y="32"/>
-                      <a:pt x="60" y="32"/>
-                      <a:pt x="60" y="32"/>
-                    </a:cubicBezTo>
-                    <a:cubicBezTo>
-                      <a:pt x="60" y="5"/>
-                      <a:pt x="60" y="5"/>
-                      <a:pt x="60" y="5"/>
-                    </a:cubicBezTo>
-                    <a:cubicBezTo>
-                      <a:pt x="0" y="5"/>
-                      <a:pt x="0" y="5"/>
-                      <a:pt x="0" y="5"/>
-                    </a:cubicBezTo>
-                    <a:cubicBezTo>
-                      <a:pt x="0" y="207"/>
-                      <a:pt x="0" y="207"/>
-                      <a:pt x="0" y="207"/>
-                    </a:cubicBezTo>
-                    <a:cubicBezTo>
-                      <a:pt x="63" y="207"/>
-                      <a:pt x="63" y="207"/>
-                      <a:pt x="63" y="207"/>
-                    </a:cubicBezTo>
-                    <a:cubicBezTo>
-                      <a:pt x="63" y="107"/>
-                      <a:pt x="63" y="107"/>
-                      <a:pt x="63" y="107"/>
-                    </a:cubicBezTo>
-                    <a:cubicBezTo>
-                      <a:pt x="63" y="81"/>
-                      <a:pt x="68" y="55"/>
-                      <a:pt x="100" y="55"/>
-                    </a:cubicBezTo>
-                    <a:cubicBezTo>
-                      <a:pt x="133" y="55"/>
-                      <a:pt x="133" y="85"/>
-                      <a:pt x="133" y="109"/>
-                    </a:cubicBezTo>
-                    <a:cubicBezTo>
-                      <a:pt x="133" y="207"/>
-                      <a:pt x="133" y="207"/>
-                      <a:pt x="133" y="207"/>
-                    </a:cubicBezTo>
-                    <a:cubicBezTo>
-                      <a:pt x="196" y="207"/>
-                      <a:pt x="196" y="207"/>
-                      <a:pt x="196" y="207"/>
-                    </a:cubicBezTo>
-                    <a:cubicBezTo>
-                      <a:pt x="196" y="96"/>
-                      <a:pt x="196" y="96"/>
-                      <a:pt x="196" y="96"/>
-                    </a:cubicBezTo>
-                    <a:cubicBezTo>
-                      <a:pt x="196" y="42"/>
-                      <a:pt x="184" y="0"/>
-                      <a:pt x="120" y="0"/>
-                    </a:cubicBezTo>
-                    <a:close/>
-                  </a:path>
-                </a:pathLst>
-              </a:custGeom>
-              <a:solidFill>
-                <a:schemeClr val="bg2">
-                  <a:lumMod val="50000"/>
-                </a:schemeClr>
-              </a:solidFill>
-              <a:ln>
-                <a:noFill/>
-              </a:ln>
-              <a:extLst>
-                <a:ext uri="{91240B29-F687-4F45-9708-019B960494DF}">
-                  <a14:hiddenLine xmlns:a14="http://schemas.microsoft.com/office/drawing/2010/main" w="9525">
-                    <a:solidFill>
-                      <a:srgbClr val="000000"/>
-                    </a:solidFill>
-                    <a:round/>
-                    <a:headEnd/>
-                    <a:tailEnd/>
-                  </a14:hiddenLine>
-                </a:ext>
-              </a:extLst>
-            </p:spPr>
-            <p:txBody>
-              <a:bodyPr/>
-              <a:lstStyle/>
-              <a:p>
-                <a:endParaRPr lang="en-US"/>
-              </a:p>
-            </p:txBody>
-          </p:sp>
-        </p:grpSp>
-      </p:grpSp>
       <p:cxnSp>
         <p:nvCxnSpPr>
           <p:cNvPr id="19" name="Straight Connector 18"/>
@@ -4670,135 +2474,6 @@
           </a:p>
         </p:txBody>
       </p:sp>
-      <p:sp>
-        <p:nvSpPr>
-          <p:cNvPr id="42" name="Text Placeholder 41"/>
-          <p:cNvSpPr>
-            <a:spLocks noGrp="1"/>
-          </p:cNvSpPr>
-          <p:nvPr>
-            <p:ph type="body" sz="quarter" idx="17" hasCustomPrompt="1"/>
-          </p:nvPr>
-        </p:nvSpPr>
-        <p:spPr>
-          <a:xfrm>
-            <a:off x="1236663" y="4065588"/>
-            <a:ext cx="2159000" cy="354012"/>
-          </a:xfrm>
-        </p:spPr>
-        <p:txBody>
-          <a:bodyPr>
-            <a:noAutofit/>
-          </a:bodyPr>
-          <a:lstStyle>
-            <a:lvl1pPr marL="0" indent="0">
-              <a:buNone/>
-              <a:defRPr lang="en-US" sz="1600" b="0" i="0" kern="1200" dirty="0">
-                <a:solidFill>
-                  <a:schemeClr val="bg1"/>
-                </a:solidFill>
-                <a:latin typeface="+mn-lt"/>
-                <a:ea typeface="Gotham Book" charset="0"/>
-                <a:cs typeface="Gotham Book" charset="0"/>
-              </a:defRPr>
-            </a:lvl1pPr>
-          </a:lstStyle>
-          <a:p>
-            <a:pPr lvl="0"/>
-            <a:r>
-              <a:rPr lang="en-US" dirty="0" err="1"/>
-              <a:t>url</a:t>
-            </a:r>
-            <a:endParaRPr lang="en-US" dirty="0"/>
-          </a:p>
-        </p:txBody>
-      </p:sp>
-      <p:sp>
-        <p:nvSpPr>
-          <p:cNvPr id="43" name="Text Placeholder 41"/>
-          <p:cNvSpPr>
-            <a:spLocks noGrp="1"/>
-          </p:cNvSpPr>
-          <p:nvPr>
-            <p:ph type="body" sz="quarter" idx="18" hasCustomPrompt="1"/>
-          </p:nvPr>
-        </p:nvSpPr>
-        <p:spPr>
-          <a:xfrm>
-            <a:off x="1236663" y="4760173"/>
-            <a:ext cx="2159000" cy="354012"/>
-          </a:xfrm>
-        </p:spPr>
-        <p:txBody>
-          <a:bodyPr>
-            <a:noAutofit/>
-          </a:bodyPr>
-          <a:lstStyle>
-            <a:lvl1pPr marL="0" indent="0">
-              <a:buNone/>
-              <a:defRPr lang="en-US" sz="1600" b="0" i="0" kern="1200" dirty="0">
-                <a:solidFill>
-                  <a:schemeClr val="bg1"/>
-                </a:solidFill>
-                <a:latin typeface="+mn-lt"/>
-                <a:ea typeface="Gotham Book" charset="0"/>
-                <a:cs typeface="Gotham Book" charset="0"/>
-              </a:defRPr>
-            </a:lvl1pPr>
-          </a:lstStyle>
-          <a:p>
-            <a:pPr lvl="0"/>
-            <a:r>
-              <a:rPr lang="en-US" dirty="0" err="1"/>
-              <a:t>url</a:t>
-            </a:r>
-            <a:endParaRPr lang="en-US" dirty="0"/>
-          </a:p>
-        </p:txBody>
-      </p:sp>
-      <p:sp>
-        <p:nvSpPr>
-          <p:cNvPr id="44" name="Text Placeholder 41"/>
-          <p:cNvSpPr>
-            <a:spLocks noGrp="1"/>
-          </p:cNvSpPr>
-          <p:nvPr>
-            <p:ph type="body" sz="quarter" idx="19" hasCustomPrompt="1"/>
-          </p:nvPr>
-        </p:nvSpPr>
-        <p:spPr>
-          <a:xfrm>
-            <a:off x="1236663" y="5432470"/>
-            <a:ext cx="2159000" cy="354012"/>
-          </a:xfrm>
-        </p:spPr>
-        <p:txBody>
-          <a:bodyPr>
-            <a:noAutofit/>
-          </a:bodyPr>
-          <a:lstStyle>
-            <a:lvl1pPr marL="0" indent="0">
-              <a:buNone/>
-              <a:defRPr lang="en-US" sz="1600" b="0" i="0" kern="1200" dirty="0">
-                <a:solidFill>
-                  <a:schemeClr val="bg1"/>
-                </a:solidFill>
-                <a:latin typeface="+mn-lt"/>
-                <a:ea typeface="Gotham Book" charset="0"/>
-                <a:cs typeface="Gotham Book" charset="0"/>
-              </a:defRPr>
-            </a:lvl1pPr>
-          </a:lstStyle>
-          <a:p>
-            <a:pPr lvl="0"/>
-            <a:r>
-              <a:rPr lang="en-US" dirty="0" err="1"/>
-              <a:t>url</a:t>
-            </a:r>
-            <a:endParaRPr lang="en-US" dirty="0"/>
-          </a:p>
-        </p:txBody>
-      </p:sp>
       <p:cxnSp>
         <p:nvCxnSpPr>
           <p:cNvPr id="48" name="Straight Connector 47"/>
@@ -4836,6 +2511,261 @@
           </a:fontRef>
         </p:style>
       </p:cxnSp>
+      <p:sp>
+        <p:nvSpPr>
+          <p:cNvPr id="27" name="Text Placeholder 41">
+            <a:extLst>
+              <a:ext uri="{FF2B5EF4-FFF2-40B4-BE49-F238E27FC236}">
+                <a16:creationId xmlns:a16="http://schemas.microsoft.com/office/drawing/2014/main" id="{C2BE1532-77C9-430B-A3E3-30C5EC0302BA}"/>
+              </a:ext>
+            </a:extLst>
+          </p:cNvPr>
+          <p:cNvSpPr>
+            <a:spLocks noGrp="1"/>
+          </p:cNvSpPr>
+          <p:nvPr>
+            <p:ph type="body" sz="quarter" idx="17" hasCustomPrompt="1"/>
+          </p:nvPr>
+        </p:nvSpPr>
+        <p:spPr>
+          <a:xfrm>
+            <a:off x="1236662" y="4065588"/>
+            <a:ext cx="2954335" cy="354012"/>
+          </a:xfrm>
+        </p:spPr>
+        <p:txBody>
+          <a:bodyPr>
+            <a:noAutofit/>
+          </a:bodyPr>
+          <a:lstStyle>
+            <a:lvl1pPr marL="0" indent="0">
+              <a:buNone/>
+              <a:defRPr lang="en-US" sz="1600" b="0" i="0" kern="1200" dirty="0">
+                <a:solidFill>
+                  <a:schemeClr val="bg1"/>
+                </a:solidFill>
+                <a:latin typeface="+mn-lt"/>
+                <a:ea typeface="Gotham Book" charset="0"/>
+                <a:cs typeface="Gotham Book" charset="0"/>
+              </a:defRPr>
+            </a:lvl1pPr>
+          </a:lstStyle>
+          <a:p>
+            <a:pPr lvl="0"/>
+            <a:r>
+              <a:rPr lang="en-US" dirty="0" err="1"/>
+              <a:t>url</a:t>
+            </a:r>
+            <a:endParaRPr lang="en-US" dirty="0"/>
+          </a:p>
+        </p:txBody>
+      </p:sp>
+      <p:sp>
+        <p:nvSpPr>
+          <p:cNvPr id="28" name="Text Placeholder 41">
+            <a:extLst>
+              <a:ext uri="{FF2B5EF4-FFF2-40B4-BE49-F238E27FC236}">
+                <a16:creationId xmlns:a16="http://schemas.microsoft.com/office/drawing/2014/main" id="{14E6872B-AD91-4ABC-82BB-F8715C8397CD}"/>
+              </a:ext>
+            </a:extLst>
+          </p:cNvPr>
+          <p:cNvSpPr>
+            <a:spLocks noGrp="1"/>
+          </p:cNvSpPr>
+          <p:nvPr>
+            <p:ph type="body" sz="quarter" idx="18" hasCustomPrompt="1"/>
+          </p:nvPr>
+        </p:nvSpPr>
+        <p:spPr>
+          <a:xfrm>
+            <a:off x="1236662" y="4760173"/>
+            <a:ext cx="2954331" cy="354012"/>
+          </a:xfrm>
+        </p:spPr>
+        <p:txBody>
+          <a:bodyPr>
+            <a:noAutofit/>
+          </a:bodyPr>
+          <a:lstStyle>
+            <a:lvl1pPr marL="0" indent="0">
+              <a:buNone/>
+              <a:defRPr lang="en-US" sz="1600" b="0" i="0" kern="1200" dirty="0">
+                <a:solidFill>
+                  <a:schemeClr val="bg1"/>
+                </a:solidFill>
+                <a:latin typeface="+mn-lt"/>
+                <a:ea typeface="Gotham Book" charset="0"/>
+                <a:cs typeface="Gotham Book" charset="0"/>
+              </a:defRPr>
+            </a:lvl1pPr>
+          </a:lstStyle>
+          <a:p>
+            <a:pPr lvl="0"/>
+            <a:r>
+              <a:rPr lang="en-US" dirty="0" err="1"/>
+              <a:t>url</a:t>
+            </a:r>
+            <a:endParaRPr lang="en-US" dirty="0"/>
+          </a:p>
+        </p:txBody>
+      </p:sp>
+      <p:sp>
+        <p:nvSpPr>
+          <p:cNvPr id="29" name="Text Placeholder 41">
+            <a:extLst>
+              <a:ext uri="{FF2B5EF4-FFF2-40B4-BE49-F238E27FC236}">
+                <a16:creationId xmlns:a16="http://schemas.microsoft.com/office/drawing/2014/main" id="{4EB0DCEC-B92B-4994-A995-7C9359940535}"/>
+              </a:ext>
+            </a:extLst>
+          </p:cNvPr>
+          <p:cNvSpPr>
+            <a:spLocks noGrp="1"/>
+          </p:cNvSpPr>
+          <p:nvPr>
+            <p:ph type="body" sz="quarter" idx="19" hasCustomPrompt="1"/>
+          </p:nvPr>
+        </p:nvSpPr>
+        <p:spPr>
+          <a:xfrm>
+            <a:off x="1236662" y="5432470"/>
+            <a:ext cx="2954327" cy="354012"/>
+          </a:xfrm>
+        </p:spPr>
+        <p:txBody>
+          <a:bodyPr>
+            <a:noAutofit/>
+          </a:bodyPr>
+          <a:lstStyle>
+            <a:lvl1pPr marL="0" indent="0">
+              <a:buNone/>
+              <a:defRPr lang="en-US" sz="1600" b="0" i="0" kern="1200" dirty="0">
+                <a:solidFill>
+                  <a:schemeClr val="bg1"/>
+                </a:solidFill>
+                <a:latin typeface="+mn-lt"/>
+                <a:ea typeface="Gotham Book" charset="0"/>
+                <a:cs typeface="Gotham Book" charset="0"/>
+              </a:defRPr>
+            </a:lvl1pPr>
+          </a:lstStyle>
+          <a:p>
+            <a:pPr lvl="0"/>
+            <a:r>
+              <a:rPr lang="en-US" dirty="0" err="1"/>
+              <a:t>url</a:t>
+            </a:r>
+            <a:endParaRPr lang="en-US" dirty="0"/>
+          </a:p>
+        </p:txBody>
+      </p:sp>
+      <p:pic>
+        <p:nvPicPr>
+          <p:cNvPr id="30" name="Picture 29">
+            <a:extLst>
+              <a:ext uri="{FF2B5EF4-FFF2-40B4-BE49-F238E27FC236}">
+                <a16:creationId xmlns:a16="http://schemas.microsoft.com/office/drawing/2014/main" id="{C9CFA198-CA29-42A3-9DE5-BDB4333513A0}"/>
+              </a:ext>
+            </a:extLst>
+          </p:cNvPr>
+          <p:cNvPicPr>
+            <a:picLocks noChangeAspect="1"/>
+          </p:cNvPicPr>
+          <p:nvPr userDrawn="1"/>
+        </p:nvPicPr>
+        <p:blipFill>
+          <a:blip r:embed="rId2">
+            <a:extLst>
+              <a:ext uri="{28A0092B-C50C-407E-A947-70E740481C1C}">
+                <a14:useLocalDpi xmlns:a14="http://schemas.microsoft.com/office/drawing/2010/main" val="0"/>
+              </a:ext>
+            </a:extLst>
+          </a:blip>
+          <a:stretch>
+            <a:fillRect/>
+          </a:stretch>
+        </p:blipFill>
+        <p:spPr>
+          <a:xfrm>
+            <a:off x="723899" y="4016901"/>
+            <a:ext cx="457143" cy="457143"/>
+          </a:xfrm>
+          <a:prstGeom prst="rect">
+            <a:avLst/>
+          </a:prstGeom>
+        </p:spPr>
+      </p:pic>
+      <p:pic>
+        <p:nvPicPr>
+          <p:cNvPr id="32" name="Picture 31">
+            <a:extLst>
+              <a:ext uri="{FF2B5EF4-FFF2-40B4-BE49-F238E27FC236}">
+                <a16:creationId xmlns:a16="http://schemas.microsoft.com/office/drawing/2014/main" id="{F478358C-3524-435B-8A3B-B23CA10C94C3}"/>
+              </a:ext>
+            </a:extLst>
+          </p:cNvPr>
+          <p:cNvPicPr>
+            <a:picLocks noChangeAspect="1"/>
+          </p:cNvPicPr>
+          <p:nvPr userDrawn="1"/>
+        </p:nvPicPr>
+        <p:blipFill>
+          <a:blip r:embed="rId3">
+            <a:extLst>
+              <a:ext uri="{28A0092B-C50C-407E-A947-70E740481C1C}">
+                <a14:useLocalDpi xmlns:a14="http://schemas.microsoft.com/office/drawing/2010/main" val="0"/>
+              </a:ext>
+            </a:extLst>
+          </a:blip>
+          <a:stretch>
+            <a:fillRect/>
+          </a:stretch>
+        </p:blipFill>
+        <p:spPr>
+          <a:xfrm>
+            <a:off x="723899" y="5380904"/>
+            <a:ext cx="457143" cy="457143"/>
+          </a:xfrm>
+          <a:prstGeom prst="rect">
+            <a:avLst/>
+          </a:prstGeom>
+        </p:spPr>
+      </p:pic>
+      <p:pic>
+        <p:nvPicPr>
+          <p:cNvPr id="38" name="Picture 37">
+            <a:extLst>
+              <a:ext uri="{FF2B5EF4-FFF2-40B4-BE49-F238E27FC236}">
+                <a16:creationId xmlns:a16="http://schemas.microsoft.com/office/drawing/2014/main" id="{F5043C6D-38E7-4FF5-9778-5A28CD000850}"/>
+              </a:ext>
+            </a:extLst>
+          </p:cNvPr>
+          <p:cNvPicPr>
+            <a:picLocks noChangeAspect="1"/>
+          </p:cNvPicPr>
+          <p:nvPr userDrawn="1"/>
+        </p:nvPicPr>
+        <p:blipFill>
+          <a:blip r:embed="rId4">
+            <a:extLst>
+              <a:ext uri="{28A0092B-C50C-407E-A947-70E740481C1C}">
+                <a14:useLocalDpi xmlns:a14="http://schemas.microsoft.com/office/drawing/2010/main" val="0"/>
+              </a:ext>
+            </a:extLst>
+          </a:blip>
+          <a:stretch>
+            <a:fillRect/>
+          </a:stretch>
+        </p:blipFill>
+        <p:spPr>
+          <a:xfrm>
+            <a:off x="723899" y="4708607"/>
+            <a:ext cx="457143" cy="457143"/>
+          </a:xfrm>
+          <a:prstGeom prst="rect">
+            <a:avLst/>
+          </a:prstGeom>
+        </p:spPr>
+      </p:pic>
     </p:spTree>
     <p:extLst>
       <p:ext uri="{BB962C8B-B14F-4D97-AF65-F5344CB8AC3E}">
@@ -6395,1215 +4325,6 @@
           </a:p>
         </p:txBody>
       </p:sp>
-      <p:grpSp>
-        <p:nvGrpSpPr>
-          <p:cNvPr id="7" name="Group 6"/>
-          <p:cNvGrpSpPr/>
-          <p:nvPr/>
-        </p:nvGrpSpPr>
-        <p:grpSpPr>
-          <a:xfrm>
-            <a:off x="820965" y="4065754"/>
-            <a:ext cx="353832" cy="353832"/>
-            <a:chOff x="6351804" y="5146675"/>
-            <a:chExt cx="353832" cy="353832"/>
-          </a:xfrm>
-        </p:grpSpPr>
-        <p:sp>
-          <p:nvSpPr>
-            <p:cNvPr id="8" name="Freeform 79"/>
-            <p:cNvSpPr>
-              <a:spLocks/>
-            </p:cNvSpPr>
-            <p:nvPr/>
-          </p:nvSpPr>
-          <p:spPr bwMode="auto">
-            <a:xfrm>
-              <a:off x="6490692" y="5241925"/>
-              <a:ext cx="76056" cy="161920"/>
-            </a:xfrm>
-            <a:custGeom>
-              <a:avLst/>
-              <a:gdLst>
-                <a:gd name="T0" fmla="*/ 30 w 30"/>
-                <a:gd name="T1" fmla="*/ 22 h 64"/>
-                <a:gd name="T2" fmla="*/ 19 w 30"/>
-                <a:gd name="T3" fmla="*/ 22 h 64"/>
-                <a:gd name="T4" fmla="*/ 19 w 30"/>
-                <a:gd name="T5" fmla="*/ 14 h 64"/>
-                <a:gd name="T6" fmla="*/ 23 w 30"/>
-                <a:gd name="T7" fmla="*/ 11 h 64"/>
-                <a:gd name="T8" fmla="*/ 30 w 30"/>
-                <a:gd name="T9" fmla="*/ 11 h 64"/>
-                <a:gd name="T10" fmla="*/ 30 w 30"/>
-                <a:gd name="T11" fmla="*/ 0 h 64"/>
-                <a:gd name="T12" fmla="*/ 22 w 30"/>
-                <a:gd name="T13" fmla="*/ 0 h 64"/>
-                <a:gd name="T14" fmla="*/ 8 w 30"/>
-                <a:gd name="T15" fmla="*/ 13 h 64"/>
-                <a:gd name="T16" fmla="*/ 8 w 30"/>
-                <a:gd name="T17" fmla="*/ 22 h 64"/>
-                <a:gd name="T18" fmla="*/ 0 w 30"/>
-                <a:gd name="T19" fmla="*/ 22 h 64"/>
-                <a:gd name="T20" fmla="*/ 0 w 30"/>
-                <a:gd name="T21" fmla="*/ 34 h 64"/>
-                <a:gd name="T22" fmla="*/ 8 w 30"/>
-                <a:gd name="T23" fmla="*/ 34 h 64"/>
-                <a:gd name="T24" fmla="*/ 8 w 30"/>
-                <a:gd name="T25" fmla="*/ 64 h 64"/>
-                <a:gd name="T26" fmla="*/ 19 w 30"/>
-                <a:gd name="T27" fmla="*/ 64 h 64"/>
-                <a:gd name="T28" fmla="*/ 19 w 30"/>
-                <a:gd name="T29" fmla="*/ 34 h 64"/>
-                <a:gd name="T30" fmla="*/ 28 w 30"/>
-                <a:gd name="T31" fmla="*/ 34 h 64"/>
-                <a:gd name="T32" fmla="*/ 30 w 30"/>
-                <a:gd name="T33" fmla="*/ 22 h 64"/>
-              </a:gdLst>
-              <a:ahLst/>
-              <a:cxnLst>
-                <a:cxn ang="0">
-                  <a:pos x="T0" y="T1"/>
-                </a:cxn>
-                <a:cxn ang="0">
-                  <a:pos x="T2" y="T3"/>
-                </a:cxn>
-                <a:cxn ang="0">
-                  <a:pos x="T4" y="T5"/>
-                </a:cxn>
-                <a:cxn ang="0">
-                  <a:pos x="T6" y="T7"/>
-                </a:cxn>
-                <a:cxn ang="0">
-                  <a:pos x="T8" y="T9"/>
-                </a:cxn>
-                <a:cxn ang="0">
-                  <a:pos x="T10" y="T11"/>
-                </a:cxn>
-                <a:cxn ang="0">
-                  <a:pos x="T12" y="T13"/>
-                </a:cxn>
-                <a:cxn ang="0">
-                  <a:pos x="T14" y="T15"/>
-                </a:cxn>
-                <a:cxn ang="0">
-                  <a:pos x="T16" y="T17"/>
-                </a:cxn>
-                <a:cxn ang="0">
-                  <a:pos x="T18" y="T19"/>
-                </a:cxn>
-                <a:cxn ang="0">
-                  <a:pos x="T20" y="T21"/>
-                </a:cxn>
-                <a:cxn ang="0">
-                  <a:pos x="T22" y="T23"/>
-                </a:cxn>
-                <a:cxn ang="0">
-                  <a:pos x="T24" y="T25"/>
-                </a:cxn>
-                <a:cxn ang="0">
-                  <a:pos x="T26" y="T27"/>
-                </a:cxn>
-                <a:cxn ang="0">
-                  <a:pos x="T28" y="T29"/>
-                </a:cxn>
-                <a:cxn ang="0">
-                  <a:pos x="T30" y="T31"/>
-                </a:cxn>
-                <a:cxn ang="0">
-                  <a:pos x="T32" y="T33"/>
-                </a:cxn>
-              </a:cxnLst>
-              <a:rect l="0" t="0" r="r" b="b"/>
-              <a:pathLst>
-                <a:path w="30" h="64">
-                  <a:moveTo>
-                    <a:pt x="30" y="22"/>
-                  </a:moveTo>
-                  <a:cubicBezTo>
-                    <a:pt x="19" y="22"/>
-                    <a:pt x="19" y="22"/>
-                    <a:pt x="19" y="22"/>
-                  </a:cubicBezTo>
-                  <a:cubicBezTo>
-                    <a:pt x="19" y="14"/>
-                    <a:pt x="19" y="14"/>
-                    <a:pt x="19" y="14"/>
-                  </a:cubicBezTo>
-                  <a:cubicBezTo>
-                    <a:pt x="19" y="12"/>
-                    <a:pt x="22" y="11"/>
-                    <a:pt x="23" y="11"/>
-                  </a:cubicBezTo>
-                  <a:cubicBezTo>
-                    <a:pt x="24" y="11"/>
-                    <a:pt x="30" y="11"/>
-                    <a:pt x="30" y="11"/>
-                  </a:cubicBezTo>
-                  <a:cubicBezTo>
-                    <a:pt x="30" y="0"/>
-                    <a:pt x="30" y="0"/>
-                    <a:pt x="30" y="0"/>
-                  </a:cubicBezTo>
-                  <a:cubicBezTo>
-                    <a:pt x="22" y="0"/>
-                    <a:pt x="22" y="0"/>
-                    <a:pt x="22" y="0"/>
-                  </a:cubicBezTo>
-                  <a:cubicBezTo>
-                    <a:pt x="11" y="0"/>
-                    <a:pt x="8" y="8"/>
-                    <a:pt x="8" y="13"/>
-                  </a:cubicBezTo>
-                  <a:cubicBezTo>
-                    <a:pt x="8" y="22"/>
-                    <a:pt x="8" y="22"/>
-                    <a:pt x="8" y="22"/>
-                  </a:cubicBezTo>
-                  <a:cubicBezTo>
-                    <a:pt x="0" y="22"/>
-                    <a:pt x="0" y="22"/>
-                    <a:pt x="0" y="22"/>
-                  </a:cubicBezTo>
-                  <a:cubicBezTo>
-                    <a:pt x="0" y="34"/>
-                    <a:pt x="0" y="34"/>
-                    <a:pt x="0" y="34"/>
-                  </a:cubicBezTo>
-                  <a:cubicBezTo>
-                    <a:pt x="8" y="34"/>
-                    <a:pt x="8" y="34"/>
-                    <a:pt x="8" y="34"/>
-                  </a:cubicBezTo>
-                  <a:cubicBezTo>
-                    <a:pt x="8" y="48"/>
-                    <a:pt x="8" y="64"/>
-                    <a:pt x="8" y="64"/>
-                  </a:cubicBezTo>
-                  <a:cubicBezTo>
-                    <a:pt x="19" y="64"/>
-                    <a:pt x="19" y="64"/>
-                    <a:pt x="19" y="64"/>
-                  </a:cubicBezTo>
-                  <a:cubicBezTo>
-                    <a:pt x="19" y="64"/>
-                    <a:pt x="19" y="48"/>
-                    <a:pt x="19" y="34"/>
-                  </a:cubicBezTo>
-                  <a:cubicBezTo>
-                    <a:pt x="28" y="34"/>
-                    <a:pt x="28" y="34"/>
-                    <a:pt x="28" y="34"/>
-                  </a:cubicBezTo>
-                  <a:lnTo>
-                    <a:pt x="30" y="22"/>
-                  </a:lnTo>
-                  <a:close/>
-                </a:path>
-              </a:pathLst>
-            </a:custGeom>
-            <a:solidFill>
-              <a:schemeClr val="bg2">
-                <a:lumMod val="50000"/>
-              </a:schemeClr>
-            </a:solidFill>
-            <a:ln>
-              <a:noFill/>
-            </a:ln>
-            <a:extLst/>
-          </p:spPr>
-          <p:txBody>
-            <a:bodyPr/>
-            <a:lstStyle/>
-            <a:p>
-              <a:pPr eaLnBrk="1" fontAlgn="auto" hangingPunct="1">
-                <a:spcBef>
-                  <a:spcPts val="0"/>
-                </a:spcBef>
-                <a:spcAft>
-                  <a:spcPts val="0"/>
-                </a:spcAft>
-                <a:defRPr/>
-              </a:pPr>
-              <a:endParaRPr lang="en-AU">
-                <a:latin typeface="+mn-lt"/>
-              </a:endParaRPr>
-            </a:p>
-          </p:txBody>
-        </p:sp>
-        <p:sp>
-          <p:nvSpPr>
-            <p:cNvPr id="9" name="Rounded Rectangle 8"/>
-            <p:cNvSpPr/>
-            <p:nvPr/>
-          </p:nvSpPr>
-          <p:spPr>
-            <a:xfrm>
-              <a:off x="6351804" y="5146675"/>
-              <a:ext cx="353832" cy="353832"/>
-            </a:xfrm>
-            <a:prstGeom prst="roundRect">
-              <a:avLst/>
-            </a:prstGeom>
-            <a:noFill/>
-            <a:ln w="19050">
-              <a:solidFill>
-                <a:schemeClr val="bg2">
-                  <a:lumMod val="50000"/>
-                </a:schemeClr>
-              </a:solidFill>
-            </a:ln>
-          </p:spPr>
-          <p:style>
-            <a:lnRef idx="2">
-              <a:schemeClr val="accent1">
-                <a:shade val="50000"/>
-              </a:schemeClr>
-            </a:lnRef>
-            <a:fillRef idx="1">
-              <a:schemeClr val="accent1"/>
-            </a:fillRef>
-            <a:effectRef idx="0">
-              <a:schemeClr val="accent1"/>
-            </a:effectRef>
-            <a:fontRef idx="minor">
-              <a:schemeClr val="lt1"/>
-            </a:fontRef>
-          </p:style>
-          <p:txBody>
-            <a:bodyPr rtlCol="0" anchor="ctr"/>
-            <a:lstStyle/>
-            <a:p>
-              <a:pPr algn="ctr"/>
-              <a:endParaRPr lang="en-US"/>
-            </a:p>
-          </p:txBody>
-        </p:sp>
-      </p:grpSp>
-      <p:grpSp>
-        <p:nvGrpSpPr>
-          <p:cNvPr id="10" name="Group 9"/>
-          <p:cNvGrpSpPr/>
-          <p:nvPr/>
-        </p:nvGrpSpPr>
-        <p:grpSpPr>
-          <a:xfrm>
-            <a:off x="820965" y="4760173"/>
-            <a:ext cx="353832" cy="353832"/>
-            <a:chOff x="5748554" y="5146675"/>
-            <a:chExt cx="353832" cy="353832"/>
-          </a:xfrm>
-        </p:grpSpPr>
-        <p:sp>
-          <p:nvSpPr>
-            <p:cNvPr id="11" name="Freeform 383"/>
-            <p:cNvSpPr>
-              <a:spLocks/>
-            </p:cNvSpPr>
-            <p:nvPr/>
-          </p:nvSpPr>
-          <p:spPr bwMode="auto">
-            <a:xfrm>
-              <a:off x="5852152" y="5257800"/>
-              <a:ext cx="159336" cy="137932"/>
-            </a:xfrm>
-            <a:custGeom>
-              <a:avLst/>
-              <a:gdLst>
-                <a:gd name="T0" fmla="*/ 458484450 w 64"/>
-                <a:gd name="T1" fmla="*/ 49083328 h 56"/>
-                <a:gd name="T2" fmla="*/ 408336961 w 64"/>
-                <a:gd name="T3" fmla="*/ 63107136 h 56"/>
-                <a:gd name="T4" fmla="*/ 444156978 w 64"/>
-                <a:gd name="T5" fmla="*/ 7011904 h 56"/>
-                <a:gd name="T6" fmla="*/ 386847091 w 64"/>
-                <a:gd name="T7" fmla="*/ 28047616 h 56"/>
-                <a:gd name="T8" fmla="*/ 386847091 w 64"/>
-                <a:gd name="T9" fmla="*/ 28047616 h 56"/>
-                <a:gd name="T10" fmla="*/ 315207056 w 64"/>
-                <a:gd name="T11" fmla="*/ 0 h 56"/>
-                <a:gd name="T12" fmla="*/ 222077151 w 64"/>
-                <a:gd name="T13" fmla="*/ 98166656 h 56"/>
-                <a:gd name="T14" fmla="*/ 229242225 w 64"/>
-                <a:gd name="T15" fmla="*/ 119202368 h 56"/>
-                <a:gd name="T16" fmla="*/ 229242225 w 64"/>
-                <a:gd name="T17" fmla="*/ 119202368 h 56"/>
-                <a:gd name="T18" fmla="*/ 28654944 w 64"/>
-                <a:gd name="T19" fmla="*/ 21035712 h 56"/>
-                <a:gd name="T20" fmla="*/ 57309887 w 64"/>
-                <a:gd name="T21" fmla="*/ 147249984 h 56"/>
-                <a:gd name="T22" fmla="*/ 14327472 w 64"/>
-                <a:gd name="T23" fmla="*/ 140238080 h 56"/>
-                <a:gd name="T24" fmla="*/ 85964831 w 64"/>
-                <a:gd name="T25" fmla="*/ 238404736 h 56"/>
-                <a:gd name="T26" fmla="*/ 42982415 w 64"/>
-                <a:gd name="T27" fmla="*/ 238404736 h 56"/>
-                <a:gd name="T28" fmla="*/ 128949923 w 64"/>
-                <a:gd name="T29" fmla="*/ 308523776 h 56"/>
-                <a:gd name="T30" fmla="*/ 0 w 64"/>
-                <a:gd name="T31" fmla="*/ 350595200 h 56"/>
-                <a:gd name="T32" fmla="*/ 150439792 w 64"/>
-                <a:gd name="T33" fmla="*/ 392666624 h 56"/>
-                <a:gd name="T34" fmla="*/ 415502035 w 64"/>
-                <a:gd name="T35" fmla="*/ 98166656 h 56"/>
-                <a:gd name="T36" fmla="*/ 415502035 w 64"/>
-                <a:gd name="T37" fmla="*/ 98166656 h 56"/>
-                <a:gd name="T38" fmla="*/ 415502035 w 64"/>
-                <a:gd name="T39" fmla="*/ 98166656 h 56"/>
-                <a:gd name="T40" fmla="*/ 415502035 w 64"/>
-                <a:gd name="T41" fmla="*/ 98166656 h 56"/>
-                <a:gd name="T42" fmla="*/ 458484450 w 64"/>
-                <a:gd name="T43" fmla="*/ 49083328 h 56"/>
-                <a:gd name="T44" fmla="*/ 0 60000 65536"/>
-                <a:gd name="T45" fmla="*/ 0 60000 65536"/>
-                <a:gd name="T46" fmla="*/ 0 60000 65536"/>
-                <a:gd name="T47" fmla="*/ 0 60000 65536"/>
-                <a:gd name="T48" fmla="*/ 0 60000 65536"/>
-                <a:gd name="T49" fmla="*/ 0 60000 65536"/>
-                <a:gd name="T50" fmla="*/ 0 60000 65536"/>
-                <a:gd name="T51" fmla="*/ 0 60000 65536"/>
-                <a:gd name="T52" fmla="*/ 0 60000 65536"/>
-                <a:gd name="T53" fmla="*/ 0 60000 65536"/>
-                <a:gd name="T54" fmla="*/ 0 60000 65536"/>
-                <a:gd name="T55" fmla="*/ 0 60000 65536"/>
-                <a:gd name="T56" fmla="*/ 0 60000 65536"/>
-                <a:gd name="T57" fmla="*/ 0 60000 65536"/>
-                <a:gd name="T58" fmla="*/ 0 60000 65536"/>
-                <a:gd name="T59" fmla="*/ 0 60000 65536"/>
-                <a:gd name="T60" fmla="*/ 0 60000 65536"/>
-                <a:gd name="T61" fmla="*/ 0 60000 65536"/>
-                <a:gd name="T62" fmla="*/ 0 60000 65536"/>
-                <a:gd name="T63" fmla="*/ 0 60000 65536"/>
-                <a:gd name="T64" fmla="*/ 0 60000 65536"/>
-                <a:gd name="T65" fmla="*/ 0 60000 65536"/>
-              </a:gdLst>
-              <a:ahLst/>
-              <a:cxnLst>
-                <a:cxn ang="T44">
-                  <a:pos x="T0" y="T1"/>
-                </a:cxn>
-                <a:cxn ang="T45">
-                  <a:pos x="T2" y="T3"/>
-                </a:cxn>
-                <a:cxn ang="T46">
-                  <a:pos x="T4" y="T5"/>
-                </a:cxn>
-                <a:cxn ang="T47">
-                  <a:pos x="T6" y="T7"/>
-                </a:cxn>
-                <a:cxn ang="T48">
-                  <a:pos x="T8" y="T9"/>
-                </a:cxn>
-                <a:cxn ang="T49">
-                  <a:pos x="T10" y="T11"/>
-                </a:cxn>
-                <a:cxn ang="T50">
-                  <a:pos x="T12" y="T13"/>
-                </a:cxn>
-                <a:cxn ang="T51">
-                  <a:pos x="T14" y="T15"/>
-                </a:cxn>
-                <a:cxn ang="T52">
-                  <a:pos x="T16" y="T17"/>
-                </a:cxn>
-                <a:cxn ang="T53">
-                  <a:pos x="T18" y="T19"/>
-                </a:cxn>
-                <a:cxn ang="T54">
-                  <a:pos x="T20" y="T21"/>
-                </a:cxn>
-                <a:cxn ang="T55">
-                  <a:pos x="T22" y="T23"/>
-                </a:cxn>
-                <a:cxn ang="T56">
-                  <a:pos x="T24" y="T25"/>
-                </a:cxn>
-                <a:cxn ang="T57">
-                  <a:pos x="T26" y="T27"/>
-                </a:cxn>
-                <a:cxn ang="T58">
-                  <a:pos x="T28" y="T29"/>
-                </a:cxn>
-                <a:cxn ang="T59">
-                  <a:pos x="T30" y="T31"/>
-                </a:cxn>
-                <a:cxn ang="T60">
-                  <a:pos x="T32" y="T33"/>
-                </a:cxn>
-                <a:cxn ang="T61">
-                  <a:pos x="T34" y="T35"/>
-                </a:cxn>
-                <a:cxn ang="T62">
-                  <a:pos x="T36" y="T37"/>
-                </a:cxn>
-                <a:cxn ang="T63">
-                  <a:pos x="T38" y="T39"/>
-                </a:cxn>
-                <a:cxn ang="T64">
-                  <a:pos x="T40" y="T41"/>
-                </a:cxn>
-                <a:cxn ang="T65">
-                  <a:pos x="T42" y="T43"/>
-                </a:cxn>
-              </a:cxnLst>
-              <a:rect l="0" t="0" r="r" b="b"/>
-              <a:pathLst>
-                <a:path w="64" h="56">
-                  <a:moveTo>
-                    <a:pt x="64" y="7"/>
-                  </a:moveTo>
-                  <a:cubicBezTo>
-                    <a:pt x="63" y="7"/>
-                    <a:pt x="60" y="9"/>
-                    <a:pt x="57" y="9"/>
-                  </a:cubicBezTo>
-                  <a:cubicBezTo>
-                    <a:pt x="59" y="8"/>
-                    <a:pt x="61" y="4"/>
-                    <a:pt x="62" y="1"/>
-                  </a:cubicBezTo>
-                  <a:cubicBezTo>
-                    <a:pt x="60" y="3"/>
-                    <a:pt x="56" y="4"/>
-                    <a:pt x="54" y="4"/>
-                  </a:cubicBezTo>
-                  <a:cubicBezTo>
-                    <a:pt x="54" y="4"/>
-                    <a:pt x="54" y="4"/>
-                    <a:pt x="54" y="4"/>
-                  </a:cubicBezTo>
-                  <a:cubicBezTo>
-                    <a:pt x="52" y="2"/>
-                    <a:pt x="48" y="0"/>
-                    <a:pt x="44" y="0"/>
-                  </a:cubicBezTo>
-                  <a:cubicBezTo>
-                    <a:pt x="37" y="0"/>
-                    <a:pt x="31" y="6"/>
-                    <a:pt x="31" y="14"/>
-                  </a:cubicBezTo>
-                  <a:cubicBezTo>
-                    <a:pt x="31" y="15"/>
-                    <a:pt x="31" y="16"/>
-                    <a:pt x="32" y="17"/>
-                  </a:cubicBezTo>
-                  <a:cubicBezTo>
-                    <a:pt x="32" y="17"/>
-                    <a:pt x="32" y="17"/>
-                    <a:pt x="32" y="17"/>
-                  </a:cubicBezTo>
-                  <a:cubicBezTo>
-                    <a:pt x="22" y="17"/>
-                    <a:pt x="10" y="12"/>
-                    <a:pt x="4" y="3"/>
-                  </a:cubicBezTo>
-                  <a:cubicBezTo>
-                    <a:pt x="0" y="10"/>
-                    <a:pt x="3" y="18"/>
-                    <a:pt x="8" y="21"/>
-                  </a:cubicBezTo>
-                  <a:cubicBezTo>
-                    <a:pt x="6" y="22"/>
-                    <a:pt x="3" y="21"/>
-                    <a:pt x="2" y="20"/>
-                  </a:cubicBezTo>
-                  <a:cubicBezTo>
-                    <a:pt x="2" y="25"/>
-                    <a:pt x="4" y="31"/>
-                    <a:pt x="12" y="34"/>
-                  </a:cubicBezTo>
-                  <a:cubicBezTo>
-                    <a:pt x="10" y="35"/>
-                    <a:pt x="8" y="34"/>
-                    <a:pt x="6" y="34"/>
-                  </a:cubicBezTo>
-                  <a:cubicBezTo>
-                    <a:pt x="7" y="38"/>
-                    <a:pt x="12" y="44"/>
-                    <a:pt x="18" y="44"/>
-                  </a:cubicBezTo>
-                  <a:cubicBezTo>
-                    <a:pt x="16" y="46"/>
-                    <a:pt x="9" y="51"/>
-                    <a:pt x="0" y="50"/>
-                  </a:cubicBezTo>
-                  <a:cubicBezTo>
-                    <a:pt x="6" y="54"/>
-                    <a:pt x="13" y="56"/>
-                    <a:pt x="21" y="56"/>
-                  </a:cubicBezTo>
-                  <a:cubicBezTo>
-                    <a:pt x="42" y="56"/>
-                    <a:pt x="58" y="37"/>
-                    <a:pt x="58" y="14"/>
-                  </a:cubicBezTo>
-                  <a:cubicBezTo>
-                    <a:pt x="58" y="14"/>
-                    <a:pt x="58" y="14"/>
-                    <a:pt x="58" y="14"/>
-                  </a:cubicBezTo>
-                  <a:cubicBezTo>
-                    <a:pt x="58" y="14"/>
-                    <a:pt x="58" y="14"/>
-                    <a:pt x="58" y="14"/>
-                  </a:cubicBezTo>
-                  <a:cubicBezTo>
-                    <a:pt x="58" y="14"/>
-                    <a:pt x="58" y="14"/>
-                    <a:pt x="58" y="14"/>
-                  </a:cubicBezTo>
-                  <a:cubicBezTo>
-                    <a:pt x="60" y="13"/>
-                    <a:pt x="62" y="10"/>
-                    <a:pt x="64" y="7"/>
-                  </a:cubicBezTo>
-                  <a:close/>
-                </a:path>
-              </a:pathLst>
-            </a:custGeom>
-            <a:solidFill>
-              <a:schemeClr val="bg2">
-                <a:lumMod val="50000"/>
-              </a:schemeClr>
-            </a:solidFill>
-            <a:ln>
-              <a:noFill/>
-            </a:ln>
-          </p:spPr>
-          <p:txBody>
-            <a:bodyPr/>
-            <a:lstStyle/>
-            <a:p>
-              <a:endParaRPr lang="en-US"/>
-            </a:p>
-          </p:txBody>
-        </p:sp>
-        <p:sp>
-          <p:nvSpPr>
-            <p:cNvPr id="12" name="Rounded Rectangle 11"/>
-            <p:cNvSpPr/>
-            <p:nvPr/>
-          </p:nvSpPr>
-          <p:spPr>
-            <a:xfrm>
-              <a:off x="5748554" y="5146675"/>
-              <a:ext cx="353832" cy="353832"/>
-            </a:xfrm>
-            <a:prstGeom prst="roundRect">
-              <a:avLst/>
-            </a:prstGeom>
-            <a:noFill/>
-            <a:ln w="19050">
-              <a:solidFill>
-                <a:schemeClr val="bg2">
-                  <a:lumMod val="50000"/>
-                </a:schemeClr>
-              </a:solidFill>
-            </a:ln>
-          </p:spPr>
-          <p:style>
-            <a:lnRef idx="2">
-              <a:schemeClr val="accent1">
-                <a:shade val="50000"/>
-              </a:schemeClr>
-            </a:lnRef>
-            <a:fillRef idx="1">
-              <a:schemeClr val="accent1"/>
-            </a:fillRef>
-            <a:effectRef idx="0">
-              <a:schemeClr val="accent1"/>
-            </a:effectRef>
-            <a:fontRef idx="minor">
-              <a:schemeClr val="lt1"/>
-            </a:fontRef>
-          </p:style>
-          <p:txBody>
-            <a:bodyPr rtlCol="0" anchor="ctr"/>
-            <a:lstStyle/>
-            <a:p>
-              <a:pPr algn="ctr"/>
-              <a:endParaRPr lang="en-US"/>
-            </a:p>
-          </p:txBody>
-        </p:sp>
-      </p:grpSp>
-      <p:grpSp>
-        <p:nvGrpSpPr>
-          <p:cNvPr id="13" name="Group 12"/>
-          <p:cNvGrpSpPr/>
-          <p:nvPr/>
-        </p:nvGrpSpPr>
-        <p:grpSpPr>
-          <a:xfrm>
-            <a:off x="820965" y="5440724"/>
-            <a:ext cx="353832" cy="353832"/>
-            <a:chOff x="6866055" y="5146675"/>
-            <a:chExt cx="353832" cy="353832"/>
-          </a:xfrm>
-        </p:grpSpPr>
-        <p:sp>
-          <p:nvSpPr>
-            <p:cNvPr id="14" name="Rounded Rectangle 13"/>
-            <p:cNvSpPr/>
-            <p:nvPr/>
-          </p:nvSpPr>
-          <p:spPr>
-            <a:xfrm>
-              <a:off x="6866055" y="5146675"/>
-              <a:ext cx="353832" cy="353832"/>
-            </a:xfrm>
-            <a:prstGeom prst="roundRect">
-              <a:avLst/>
-            </a:prstGeom>
-            <a:noFill/>
-            <a:ln w="19050">
-              <a:solidFill>
-                <a:schemeClr val="bg2">
-                  <a:lumMod val="50000"/>
-                </a:schemeClr>
-              </a:solidFill>
-            </a:ln>
-          </p:spPr>
-          <p:style>
-            <a:lnRef idx="2">
-              <a:schemeClr val="accent1">
-                <a:shade val="50000"/>
-              </a:schemeClr>
-            </a:lnRef>
-            <a:fillRef idx="1">
-              <a:schemeClr val="accent1"/>
-            </a:fillRef>
-            <a:effectRef idx="0">
-              <a:schemeClr val="accent1"/>
-            </a:effectRef>
-            <a:fontRef idx="minor">
-              <a:schemeClr val="lt1"/>
-            </a:fontRef>
-          </p:style>
-          <p:txBody>
-            <a:bodyPr rtlCol="0" anchor="ctr"/>
-            <a:lstStyle/>
-            <a:p>
-              <a:pPr algn="ctr"/>
-              <a:endParaRPr lang="en-US"/>
-            </a:p>
-          </p:txBody>
-        </p:sp>
-        <p:grpSp>
-          <p:nvGrpSpPr>
-            <p:cNvPr id="15" name="Group 1216"/>
-            <p:cNvGrpSpPr>
-              <a:grpSpLocks/>
-            </p:cNvGrpSpPr>
-            <p:nvPr/>
-          </p:nvGrpSpPr>
-          <p:grpSpPr bwMode="auto">
-            <a:xfrm>
-              <a:off x="6985002" y="5246689"/>
-              <a:ext cx="126998" cy="126996"/>
-              <a:chOff x="8400256" y="3573016"/>
-              <a:chExt cx="423863" cy="422275"/>
-            </a:xfrm>
-            <a:solidFill>
-              <a:schemeClr val="tx1"/>
-            </a:solidFill>
-          </p:grpSpPr>
-          <p:sp>
-            <p:nvSpPr>
-              <p:cNvPr id="16" name="Oval 315"/>
-              <p:cNvSpPr>
-                <a:spLocks noChangeArrowheads="1"/>
-              </p:cNvSpPr>
-              <p:nvPr/>
-            </p:nvSpPr>
-            <p:spPr bwMode="auto">
-              <a:xfrm>
-                <a:off x="8400256" y="3573016"/>
-                <a:ext cx="103188" cy="101600"/>
-              </a:xfrm>
-              <a:prstGeom prst="ellipse">
-                <a:avLst/>
-              </a:prstGeom>
-              <a:solidFill>
-                <a:schemeClr val="bg2">
-                  <a:lumMod val="50000"/>
-                </a:schemeClr>
-              </a:solidFill>
-              <a:ln>
-                <a:noFill/>
-              </a:ln>
-              <a:extLst>
-                <a:ext uri="{91240B29-F687-4F45-9708-019B960494DF}">
-                  <a14:hiddenLine xmlns:a14="http://schemas.microsoft.com/office/drawing/2010/main" w="9525">
-                    <a:solidFill>
-                      <a:srgbClr val="000000"/>
-                    </a:solidFill>
-                    <a:round/>
-                    <a:headEnd/>
-                    <a:tailEnd/>
-                  </a14:hiddenLine>
-                </a:ext>
-              </a:extLst>
-            </p:spPr>
-            <p:txBody>
-              <a:bodyPr/>
-              <a:lstStyle>
-                <a:lvl1pPr>
-                  <a:defRPr>
-                    <a:solidFill>
-                      <a:schemeClr val="tx1"/>
-                    </a:solidFill>
-                    <a:latin typeface="Open Sans" charset="0"/>
-                  </a:defRPr>
-                </a:lvl1pPr>
-                <a:lvl2pPr marL="742950" indent="-285750">
-                  <a:defRPr>
-                    <a:solidFill>
-                      <a:schemeClr val="tx1"/>
-                    </a:solidFill>
-                    <a:latin typeface="Open Sans" charset="0"/>
-                  </a:defRPr>
-                </a:lvl2pPr>
-                <a:lvl3pPr marL="1143000" indent="-228600">
-                  <a:defRPr>
-                    <a:solidFill>
-                      <a:schemeClr val="tx1"/>
-                    </a:solidFill>
-                    <a:latin typeface="Open Sans" charset="0"/>
-                  </a:defRPr>
-                </a:lvl3pPr>
-                <a:lvl4pPr marL="1600200" indent="-228600">
-                  <a:defRPr>
-                    <a:solidFill>
-                      <a:schemeClr val="tx1"/>
-                    </a:solidFill>
-                    <a:latin typeface="Open Sans" charset="0"/>
-                  </a:defRPr>
-                </a:lvl4pPr>
-                <a:lvl5pPr marL="2057400" indent="-228600">
-                  <a:defRPr>
-                    <a:solidFill>
-                      <a:schemeClr val="tx1"/>
-                    </a:solidFill>
-                    <a:latin typeface="Open Sans" charset="0"/>
-                  </a:defRPr>
-                </a:lvl5pPr>
-                <a:lvl6pPr marL="2514600" indent="-228600" eaLnBrk="0" fontAlgn="base" hangingPunct="0">
-                  <a:spcBef>
-                    <a:spcPct val="0"/>
-                  </a:spcBef>
-                  <a:spcAft>
-                    <a:spcPct val="0"/>
-                  </a:spcAft>
-                  <a:defRPr>
-                    <a:solidFill>
-                      <a:schemeClr val="tx1"/>
-                    </a:solidFill>
-                    <a:latin typeface="Open Sans" charset="0"/>
-                  </a:defRPr>
-                </a:lvl6pPr>
-                <a:lvl7pPr marL="2971800" indent="-228600" eaLnBrk="0" fontAlgn="base" hangingPunct="0">
-                  <a:spcBef>
-                    <a:spcPct val="0"/>
-                  </a:spcBef>
-                  <a:spcAft>
-                    <a:spcPct val="0"/>
-                  </a:spcAft>
-                  <a:defRPr>
-                    <a:solidFill>
-                      <a:schemeClr val="tx1"/>
-                    </a:solidFill>
-                    <a:latin typeface="Open Sans" charset="0"/>
-                  </a:defRPr>
-                </a:lvl7pPr>
-                <a:lvl8pPr marL="3429000" indent="-228600" eaLnBrk="0" fontAlgn="base" hangingPunct="0">
-                  <a:spcBef>
-                    <a:spcPct val="0"/>
-                  </a:spcBef>
-                  <a:spcAft>
-                    <a:spcPct val="0"/>
-                  </a:spcAft>
-                  <a:defRPr>
-                    <a:solidFill>
-                      <a:schemeClr val="tx1"/>
-                    </a:solidFill>
-                    <a:latin typeface="Open Sans" charset="0"/>
-                  </a:defRPr>
-                </a:lvl8pPr>
-                <a:lvl9pPr marL="3886200" indent="-228600" eaLnBrk="0" fontAlgn="base" hangingPunct="0">
-                  <a:spcBef>
-                    <a:spcPct val="0"/>
-                  </a:spcBef>
-                  <a:spcAft>
-                    <a:spcPct val="0"/>
-                  </a:spcAft>
-                  <a:defRPr>
-                    <a:solidFill>
-                      <a:schemeClr val="tx1"/>
-                    </a:solidFill>
-                    <a:latin typeface="Open Sans" charset="0"/>
-                  </a:defRPr>
-                </a:lvl9pPr>
-              </a:lstStyle>
-              <a:p>
-                <a:pPr eaLnBrk="1" hangingPunct="1"/>
-                <a:endParaRPr lang="en-AU" altLang="x-none"/>
-              </a:p>
-            </p:txBody>
-          </p:sp>
-          <p:sp>
-            <p:nvSpPr>
-              <p:cNvPr id="17" name="Rectangle 316"/>
-              <p:cNvSpPr>
-                <a:spLocks noChangeArrowheads="1"/>
-              </p:cNvSpPr>
-              <p:nvPr/>
-            </p:nvSpPr>
-            <p:spPr bwMode="auto">
-              <a:xfrm>
-                <a:off x="8408194" y="3714304"/>
-                <a:ext cx="87313" cy="280987"/>
-              </a:xfrm>
-              <a:prstGeom prst="rect">
-                <a:avLst/>
-              </a:prstGeom>
-              <a:solidFill>
-                <a:schemeClr val="bg2">
-                  <a:lumMod val="50000"/>
-                </a:schemeClr>
-              </a:solidFill>
-              <a:ln>
-                <a:noFill/>
-              </a:ln>
-              <a:extLst>
-                <a:ext uri="{91240B29-F687-4F45-9708-019B960494DF}">
-                  <a14:hiddenLine xmlns:a14="http://schemas.microsoft.com/office/drawing/2010/main" w="9525">
-                    <a:solidFill>
-                      <a:srgbClr val="000000"/>
-                    </a:solidFill>
-                    <a:miter lim="800000"/>
-                    <a:headEnd/>
-                    <a:tailEnd/>
-                  </a14:hiddenLine>
-                </a:ext>
-              </a:extLst>
-            </p:spPr>
-            <p:txBody>
-              <a:bodyPr/>
-              <a:lstStyle>
-                <a:lvl1pPr>
-                  <a:defRPr>
-                    <a:solidFill>
-                      <a:schemeClr val="tx1"/>
-                    </a:solidFill>
-                    <a:latin typeface="Open Sans" charset="0"/>
-                  </a:defRPr>
-                </a:lvl1pPr>
-                <a:lvl2pPr marL="742950" indent="-285750">
-                  <a:defRPr>
-                    <a:solidFill>
-                      <a:schemeClr val="tx1"/>
-                    </a:solidFill>
-                    <a:latin typeface="Open Sans" charset="0"/>
-                  </a:defRPr>
-                </a:lvl2pPr>
-                <a:lvl3pPr marL="1143000" indent="-228600">
-                  <a:defRPr>
-                    <a:solidFill>
-                      <a:schemeClr val="tx1"/>
-                    </a:solidFill>
-                    <a:latin typeface="Open Sans" charset="0"/>
-                  </a:defRPr>
-                </a:lvl3pPr>
-                <a:lvl4pPr marL="1600200" indent="-228600">
-                  <a:defRPr>
-                    <a:solidFill>
-                      <a:schemeClr val="tx1"/>
-                    </a:solidFill>
-                    <a:latin typeface="Open Sans" charset="0"/>
-                  </a:defRPr>
-                </a:lvl4pPr>
-                <a:lvl5pPr marL="2057400" indent="-228600">
-                  <a:defRPr>
-                    <a:solidFill>
-                      <a:schemeClr val="tx1"/>
-                    </a:solidFill>
-                    <a:latin typeface="Open Sans" charset="0"/>
-                  </a:defRPr>
-                </a:lvl5pPr>
-                <a:lvl6pPr marL="2514600" indent="-228600" eaLnBrk="0" fontAlgn="base" hangingPunct="0">
-                  <a:spcBef>
-                    <a:spcPct val="0"/>
-                  </a:spcBef>
-                  <a:spcAft>
-                    <a:spcPct val="0"/>
-                  </a:spcAft>
-                  <a:defRPr>
-                    <a:solidFill>
-                      <a:schemeClr val="tx1"/>
-                    </a:solidFill>
-                    <a:latin typeface="Open Sans" charset="0"/>
-                  </a:defRPr>
-                </a:lvl6pPr>
-                <a:lvl7pPr marL="2971800" indent="-228600" eaLnBrk="0" fontAlgn="base" hangingPunct="0">
-                  <a:spcBef>
-                    <a:spcPct val="0"/>
-                  </a:spcBef>
-                  <a:spcAft>
-                    <a:spcPct val="0"/>
-                  </a:spcAft>
-                  <a:defRPr>
-                    <a:solidFill>
-                      <a:schemeClr val="tx1"/>
-                    </a:solidFill>
-                    <a:latin typeface="Open Sans" charset="0"/>
-                  </a:defRPr>
-                </a:lvl7pPr>
-                <a:lvl8pPr marL="3429000" indent="-228600" eaLnBrk="0" fontAlgn="base" hangingPunct="0">
-                  <a:spcBef>
-                    <a:spcPct val="0"/>
-                  </a:spcBef>
-                  <a:spcAft>
-                    <a:spcPct val="0"/>
-                  </a:spcAft>
-                  <a:defRPr>
-                    <a:solidFill>
-                      <a:schemeClr val="tx1"/>
-                    </a:solidFill>
-                    <a:latin typeface="Open Sans" charset="0"/>
-                  </a:defRPr>
-                </a:lvl8pPr>
-                <a:lvl9pPr marL="3886200" indent="-228600" eaLnBrk="0" fontAlgn="base" hangingPunct="0">
-                  <a:spcBef>
-                    <a:spcPct val="0"/>
-                  </a:spcBef>
-                  <a:spcAft>
-                    <a:spcPct val="0"/>
-                  </a:spcAft>
-                  <a:defRPr>
-                    <a:solidFill>
-                      <a:schemeClr val="tx1"/>
-                    </a:solidFill>
-                    <a:latin typeface="Open Sans" charset="0"/>
-                  </a:defRPr>
-                </a:lvl9pPr>
-              </a:lstStyle>
-              <a:p>
-                <a:pPr eaLnBrk="1" hangingPunct="1"/>
-                <a:endParaRPr lang="en-AU" altLang="x-none"/>
-              </a:p>
-            </p:txBody>
-          </p:sp>
-          <p:sp>
-            <p:nvSpPr>
-              <p:cNvPr id="18" name="Freeform 317"/>
-              <p:cNvSpPr>
-                <a:spLocks/>
-              </p:cNvSpPr>
-              <p:nvPr/>
-            </p:nvSpPr>
-            <p:spPr bwMode="auto">
-              <a:xfrm>
-                <a:off x="8551069" y="3706366"/>
-                <a:ext cx="273050" cy="288925"/>
-              </a:xfrm>
-              <a:custGeom>
-                <a:avLst/>
-                <a:gdLst>
-                  <a:gd name="T0" fmla="*/ 232890753 w 196"/>
-                  <a:gd name="T1" fmla="*/ 0 h 207"/>
-                  <a:gd name="T2" fmla="*/ 118386679 w 196"/>
-                  <a:gd name="T3" fmla="*/ 62342199 h 207"/>
-                  <a:gd name="T4" fmla="*/ 116446073 w 196"/>
-                  <a:gd name="T5" fmla="*/ 62342199 h 207"/>
-                  <a:gd name="T6" fmla="*/ 116446073 w 196"/>
-                  <a:gd name="T7" fmla="*/ 9741099 h 207"/>
-                  <a:gd name="T8" fmla="*/ 0 w 196"/>
-                  <a:gd name="T9" fmla="*/ 9741099 h 207"/>
-                  <a:gd name="T10" fmla="*/ 0 w 196"/>
-                  <a:gd name="T11" fmla="*/ 403273699 h 207"/>
-                  <a:gd name="T12" fmla="*/ 122267889 w 196"/>
-                  <a:gd name="T13" fmla="*/ 403273699 h 207"/>
-                  <a:gd name="T14" fmla="*/ 122267889 w 196"/>
-                  <a:gd name="T15" fmla="*/ 208455898 h 207"/>
-                  <a:gd name="T16" fmla="*/ 194075860 w 196"/>
-                  <a:gd name="T17" fmla="*/ 107150698 h 207"/>
-                  <a:gd name="T18" fmla="*/ 258121409 w 196"/>
-                  <a:gd name="T19" fmla="*/ 212351500 h 207"/>
-                  <a:gd name="T20" fmla="*/ 258121409 w 196"/>
-                  <a:gd name="T21" fmla="*/ 403273699 h 207"/>
-                  <a:gd name="T22" fmla="*/ 380389298 w 196"/>
-                  <a:gd name="T23" fmla="*/ 403273699 h 207"/>
-                  <a:gd name="T24" fmla="*/ 380389298 w 196"/>
-                  <a:gd name="T25" fmla="*/ 187025200 h 207"/>
-                  <a:gd name="T26" fmla="*/ 232890753 w 196"/>
-                  <a:gd name="T27" fmla="*/ 0 h 207"/>
-                  <a:gd name="T28" fmla="*/ 0 60000 65536"/>
-                  <a:gd name="T29" fmla="*/ 0 60000 65536"/>
-                  <a:gd name="T30" fmla="*/ 0 60000 65536"/>
-                  <a:gd name="T31" fmla="*/ 0 60000 65536"/>
-                  <a:gd name="T32" fmla="*/ 0 60000 65536"/>
-                  <a:gd name="T33" fmla="*/ 0 60000 65536"/>
-                  <a:gd name="T34" fmla="*/ 0 60000 65536"/>
-                  <a:gd name="T35" fmla="*/ 0 60000 65536"/>
-                  <a:gd name="T36" fmla="*/ 0 60000 65536"/>
-                  <a:gd name="T37" fmla="*/ 0 60000 65536"/>
-                  <a:gd name="T38" fmla="*/ 0 60000 65536"/>
-                  <a:gd name="T39" fmla="*/ 0 60000 65536"/>
-                  <a:gd name="T40" fmla="*/ 0 60000 65536"/>
-                  <a:gd name="T41" fmla="*/ 0 60000 65536"/>
-                </a:gdLst>
-                <a:ahLst/>
-                <a:cxnLst>
-                  <a:cxn ang="T28">
-                    <a:pos x="T0" y="T1"/>
-                  </a:cxn>
-                  <a:cxn ang="T29">
-                    <a:pos x="T2" y="T3"/>
-                  </a:cxn>
-                  <a:cxn ang="T30">
-                    <a:pos x="T4" y="T5"/>
-                  </a:cxn>
-                  <a:cxn ang="T31">
-                    <a:pos x="T6" y="T7"/>
-                  </a:cxn>
-                  <a:cxn ang="T32">
-                    <a:pos x="T8" y="T9"/>
-                  </a:cxn>
-                  <a:cxn ang="T33">
-                    <a:pos x="T10" y="T11"/>
-                  </a:cxn>
-                  <a:cxn ang="T34">
-                    <a:pos x="T12" y="T13"/>
-                  </a:cxn>
-                  <a:cxn ang="T35">
-                    <a:pos x="T14" y="T15"/>
-                  </a:cxn>
-                  <a:cxn ang="T36">
-                    <a:pos x="T16" y="T17"/>
-                  </a:cxn>
-                  <a:cxn ang="T37">
-                    <a:pos x="T18" y="T19"/>
-                  </a:cxn>
-                  <a:cxn ang="T38">
-                    <a:pos x="T20" y="T21"/>
-                  </a:cxn>
-                  <a:cxn ang="T39">
-                    <a:pos x="T22" y="T23"/>
-                  </a:cxn>
-                  <a:cxn ang="T40">
-                    <a:pos x="T24" y="T25"/>
-                  </a:cxn>
-                  <a:cxn ang="T41">
-                    <a:pos x="T26" y="T27"/>
-                  </a:cxn>
-                </a:cxnLst>
-                <a:rect l="0" t="0" r="r" b="b"/>
-                <a:pathLst>
-                  <a:path w="196" h="207">
-                    <a:moveTo>
-                      <a:pt x="120" y="0"/>
-                    </a:moveTo>
-                    <a:cubicBezTo>
-                      <a:pt x="90" y="0"/>
-                      <a:pt x="69" y="16"/>
-                      <a:pt x="61" y="32"/>
-                    </a:cubicBezTo>
-                    <a:cubicBezTo>
-                      <a:pt x="60" y="32"/>
-                      <a:pt x="60" y="32"/>
-                      <a:pt x="60" y="32"/>
-                    </a:cubicBezTo>
-                    <a:cubicBezTo>
-                      <a:pt x="60" y="5"/>
-                      <a:pt x="60" y="5"/>
-                      <a:pt x="60" y="5"/>
-                    </a:cubicBezTo>
-                    <a:cubicBezTo>
-                      <a:pt x="0" y="5"/>
-                      <a:pt x="0" y="5"/>
-                      <a:pt x="0" y="5"/>
-                    </a:cubicBezTo>
-                    <a:cubicBezTo>
-                      <a:pt x="0" y="207"/>
-                      <a:pt x="0" y="207"/>
-                      <a:pt x="0" y="207"/>
-                    </a:cubicBezTo>
-                    <a:cubicBezTo>
-                      <a:pt x="63" y="207"/>
-                      <a:pt x="63" y="207"/>
-                      <a:pt x="63" y="207"/>
-                    </a:cubicBezTo>
-                    <a:cubicBezTo>
-                      <a:pt x="63" y="107"/>
-                      <a:pt x="63" y="107"/>
-                      <a:pt x="63" y="107"/>
-                    </a:cubicBezTo>
-                    <a:cubicBezTo>
-                      <a:pt x="63" y="81"/>
-                      <a:pt x="68" y="55"/>
-                      <a:pt x="100" y="55"/>
-                    </a:cubicBezTo>
-                    <a:cubicBezTo>
-                      <a:pt x="133" y="55"/>
-                      <a:pt x="133" y="85"/>
-                      <a:pt x="133" y="109"/>
-                    </a:cubicBezTo>
-                    <a:cubicBezTo>
-                      <a:pt x="133" y="207"/>
-                      <a:pt x="133" y="207"/>
-                      <a:pt x="133" y="207"/>
-                    </a:cubicBezTo>
-                    <a:cubicBezTo>
-                      <a:pt x="196" y="207"/>
-                      <a:pt x="196" y="207"/>
-                      <a:pt x="196" y="207"/>
-                    </a:cubicBezTo>
-                    <a:cubicBezTo>
-                      <a:pt x="196" y="96"/>
-                      <a:pt x="196" y="96"/>
-                      <a:pt x="196" y="96"/>
-                    </a:cubicBezTo>
-                    <a:cubicBezTo>
-                      <a:pt x="196" y="42"/>
-                      <a:pt x="184" y="0"/>
-                      <a:pt x="120" y="0"/>
-                    </a:cubicBezTo>
-                    <a:close/>
-                  </a:path>
-                </a:pathLst>
-              </a:custGeom>
-              <a:solidFill>
-                <a:schemeClr val="bg2">
-                  <a:lumMod val="50000"/>
-                </a:schemeClr>
-              </a:solidFill>
-              <a:ln>
-                <a:noFill/>
-              </a:ln>
-              <a:extLst>
-                <a:ext uri="{91240B29-F687-4F45-9708-019B960494DF}">
-                  <a14:hiddenLine xmlns:a14="http://schemas.microsoft.com/office/drawing/2010/main" w="9525">
-                    <a:solidFill>
-                      <a:srgbClr val="000000"/>
-                    </a:solidFill>
-                    <a:round/>
-                    <a:headEnd/>
-                    <a:tailEnd/>
-                  </a14:hiddenLine>
-                </a:ext>
-              </a:extLst>
-            </p:spPr>
-            <p:txBody>
-              <a:bodyPr/>
-              <a:lstStyle/>
-              <a:p>
-                <a:endParaRPr lang="en-US"/>
-              </a:p>
-            </p:txBody>
-          </p:sp>
-        </p:grpSp>
-      </p:grpSp>
       <p:cxnSp>
         <p:nvCxnSpPr>
           <p:cNvPr id="19" name="Straight Connector 18"/>
@@ -7869,8 +4590,8 @@
         </p:nvSpPr>
         <p:spPr>
           <a:xfrm>
-            <a:off x="1236663" y="4065588"/>
-            <a:ext cx="2159000" cy="354012"/>
+            <a:off x="1236662" y="4065588"/>
+            <a:ext cx="2954335" cy="354012"/>
           </a:xfrm>
         </p:spPr>
         <p:txBody>
@@ -7912,8 +4633,8 @@
         </p:nvSpPr>
         <p:spPr>
           <a:xfrm>
-            <a:off x="1236663" y="4760173"/>
-            <a:ext cx="2159000" cy="354012"/>
+            <a:off x="1236662" y="4760173"/>
+            <a:ext cx="2954331" cy="354012"/>
           </a:xfrm>
         </p:spPr>
         <p:txBody>
@@ -7955,8 +4676,8 @@
         </p:nvSpPr>
         <p:spPr>
           <a:xfrm>
-            <a:off x="1236663" y="5432470"/>
-            <a:ext cx="2159000" cy="354012"/>
+            <a:off x="1236662" y="5432470"/>
+            <a:ext cx="2954327" cy="354012"/>
           </a:xfrm>
         </p:spPr>
         <p:txBody>
@@ -8023,6 +4744,114 @@
           </a:fontRef>
         </p:style>
       </p:cxnSp>
+      <p:pic>
+        <p:nvPicPr>
+          <p:cNvPr id="4" name="Picture 3">
+            <a:extLst>
+              <a:ext uri="{FF2B5EF4-FFF2-40B4-BE49-F238E27FC236}">
+                <a16:creationId xmlns:a16="http://schemas.microsoft.com/office/drawing/2014/main" id="{F93823DE-E0CE-4B25-AF06-B6A04BAC32A1}"/>
+              </a:ext>
+            </a:extLst>
+          </p:cNvPr>
+          <p:cNvPicPr>
+            <a:picLocks noChangeAspect="1"/>
+          </p:cNvPicPr>
+          <p:nvPr userDrawn="1"/>
+        </p:nvPicPr>
+        <p:blipFill>
+          <a:blip r:embed="rId2">
+            <a:extLst>
+              <a:ext uri="{28A0092B-C50C-407E-A947-70E740481C1C}">
+                <a14:useLocalDpi xmlns:a14="http://schemas.microsoft.com/office/drawing/2010/main" val="0"/>
+              </a:ext>
+            </a:extLst>
+          </a:blip>
+          <a:stretch>
+            <a:fillRect/>
+          </a:stretch>
+        </p:blipFill>
+        <p:spPr>
+          <a:xfrm>
+            <a:off x="723899" y="4016901"/>
+            <a:ext cx="457143" cy="457143"/>
+          </a:xfrm>
+          <a:prstGeom prst="rect">
+            <a:avLst/>
+          </a:prstGeom>
+        </p:spPr>
+      </p:pic>
+      <p:pic>
+        <p:nvPicPr>
+          <p:cNvPr id="6" name="Picture 5">
+            <a:extLst>
+              <a:ext uri="{FF2B5EF4-FFF2-40B4-BE49-F238E27FC236}">
+                <a16:creationId xmlns:a16="http://schemas.microsoft.com/office/drawing/2014/main" id="{BFFD5722-C603-460E-A88A-0566F1B29877}"/>
+              </a:ext>
+            </a:extLst>
+          </p:cNvPr>
+          <p:cNvPicPr>
+            <a:picLocks noChangeAspect="1"/>
+          </p:cNvPicPr>
+          <p:nvPr userDrawn="1"/>
+        </p:nvPicPr>
+        <p:blipFill>
+          <a:blip r:embed="rId3">
+            <a:extLst>
+              <a:ext uri="{28A0092B-C50C-407E-A947-70E740481C1C}">
+                <a14:useLocalDpi xmlns:a14="http://schemas.microsoft.com/office/drawing/2010/main" val="0"/>
+              </a:ext>
+            </a:extLst>
+          </a:blip>
+          <a:stretch>
+            <a:fillRect/>
+          </a:stretch>
+        </p:blipFill>
+        <p:spPr>
+          <a:xfrm>
+            <a:off x="723899" y="5380904"/>
+            <a:ext cx="457143" cy="457143"/>
+          </a:xfrm>
+          <a:prstGeom prst="rect">
+            <a:avLst/>
+          </a:prstGeom>
+        </p:spPr>
+      </p:pic>
+      <p:pic>
+        <p:nvPicPr>
+          <p:cNvPr id="21" name="Picture 20">
+            <a:extLst>
+              <a:ext uri="{FF2B5EF4-FFF2-40B4-BE49-F238E27FC236}">
+                <a16:creationId xmlns:a16="http://schemas.microsoft.com/office/drawing/2014/main" id="{FCEB3C57-A955-42B7-8722-EE65B35D6CE9}"/>
+              </a:ext>
+            </a:extLst>
+          </p:cNvPr>
+          <p:cNvPicPr>
+            <a:picLocks noChangeAspect="1"/>
+          </p:cNvPicPr>
+          <p:nvPr userDrawn="1"/>
+        </p:nvPicPr>
+        <p:blipFill>
+          <a:blip r:embed="rId4">
+            <a:extLst>
+              <a:ext uri="{28A0092B-C50C-407E-A947-70E740481C1C}">
+                <a14:useLocalDpi xmlns:a14="http://schemas.microsoft.com/office/drawing/2010/main" val="0"/>
+              </a:ext>
+            </a:extLst>
+          </a:blip>
+          <a:stretch>
+            <a:fillRect/>
+          </a:stretch>
+        </p:blipFill>
+        <p:spPr>
+          <a:xfrm>
+            <a:off x="723899" y="4708607"/>
+            <a:ext cx="457143" cy="457143"/>
+          </a:xfrm>
+          <a:prstGeom prst="rect">
+            <a:avLst/>
+          </a:prstGeom>
+        </p:spPr>
+      </p:pic>
     </p:spTree>
     <p:extLst>
       <p:ext uri="{BB962C8B-B14F-4D97-AF65-F5344CB8AC3E}">
@@ -8109,16 +4938,20 @@
       </p:sp>
       <p:pic>
         <p:nvPicPr>
-          <p:cNvPr id="4" name="Picture 3"/>
+          <p:cNvPr id="5" name="Picture 4">
+            <a:extLst>
+              <a:ext uri="{FF2B5EF4-FFF2-40B4-BE49-F238E27FC236}">
+                <a16:creationId xmlns:a16="http://schemas.microsoft.com/office/drawing/2014/main" id="{5A2B53DE-87AD-4FB0-8B57-7A204C368527}"/>
+              </a:ext>
+            </a:extLst>
+          </p:cNvPr>
           <p:cNvPicPr>
             <a:picLocks noChangeAspect="1"/>
           </p:cNvPicPr>
-          <p:nvPr/>
+          <p:nvPr userDrawn="1"/>
         </p:nvPicPr>
         <p:blipFill>
-          <a:blip r:embed="rId3" cstate="print">
-            <a:biLevel thresh="25000"/>
-            <a:alphaModFix amt="65000"/>
+          <a:blip r:embed="rId3">
             <a:extLst>
               <a:ext uri="{28A0092B-C50C-407E-A947-70E740481C1C}">
                 <a14:useLocalDpi xmlns:a14="http://schemas.microsoft.com/office/drawing/2010/main" val="0"/>
@@ -8131,8 +4964,8 @@
         </p:blipFill>
         <p:spPr>
           <a:xfrm>
-            <a:off x="7615663" y="1865745"/>
-            <a:ext cx="3048000" cy="3048000"/>
+            <a:off x="7264542" y="1628846"/>
+            <a:ext cx="3600307" cy="3600307"/>
           </a:xfrm>
           <a:prstGeom prst="rect">
             <a:avLst/>
@@ -8219,14 +5052,20 @@
       </p:sp>
       <p:pic>
         <p:nvPicPr>
-          <p:cNvPr id="4" name="Picture 3"/>
+          <p:cNvPr id="7" name="Picture 6">
+            <a:extLst>
+              <a:ext uri="{FF2B5EF4-FFF2-40B4-BE49-F238E27FC236}">
+                <a16:creationId xmlns:a16="http://schemas.microsoft.com/office/drawing/2014/main" id="{95162F0C-5027-43A8-810E-7BCBCA428624}"/>
+              </a:ext>
+            </a:extLst>
+          </p:cNvPr>
           <p:cNvPicPr>
             <a:picLocks noChangeAspect="1"/>
           </p:cNvPicPr>
-          <p:nvPr/>
+          <p:nvPr userDrawn="1"/>
         </p:nvPicPr>
         <p:blipFill>
-          <a:blip r:embed="rId2" cstate="print">
+          <a:blip r:embed="rId2">
             <a:extLst>
               <a:ext uri="{28A0092B-C50C-407E-A947-70E740481C1C}">
                 <a14:useLocalDpi xmlns:a14="http://schemas.microsoft.com/office/drawing/2010/main" val="0"/>
@@ -8239,8 +5078,8 @@
         </p:blipFill>
         <p:spPr>
           <a:xfrm>
-            <a:off x="7615663" y="1865745"/>
-            <a:ext cx="3048000" cy="3048000"/>
+            <a:off x="7461392" y="1739971"/>
+            <a:ext cx="3378057" cy="3378057"/>
           </a:xfrm>
           <a:prstGeom prst="rect">
             <a:avLst/>
@@ -8442,16 +5281,20 @@
       </p:sp>
       <p:pic>
         <p:nvPicPr>
-          <p:cNvPr id="4" name="Picture 3"/>
+          <p:cNvPr id="5" name="Picture 4">
+            <a:extLst>
+              <a:ext uri="{FF2B5EF4-FFF2-40B4-BE49-F238E27FC236}">
+                <a16:creationId xmlns:a16="http://schemas.microsoft.com/office/drawing/2014/main" id="{1A6DBDC7-FE10-445C-AEC3-DFAC78953E64}"/>
+              </a:ext>
+            </a:extLst>
+          </p:cNvPr>
           <p:cNvPicPr>
             <a:picLocks noChangeAspect="1"/>
           </p:cNvPicPr>
-          <p:nvPr/>
+          <p:nvPr userDrawn="1"/>
         </p:nvPicPr>
         <p:blipFill>
-          <a:blip r:embed="rId3" cstate="print">
-            <a:biLevel thresh="25000"/>
-            <a:alphaModFix amt="65000"/>
+          <a:blip r:embed="rId3">
             <a:extLst>
               <a:ext uri="{28A0092B-C50C-407E-A947-70E740481C1C}">
                 <a14:useLocalDpi xmlns:a14="http://schemas.microsoft.com/office/drawing/2010/main" val="0"/>
@@ -8464,8 +5307,8 @@
         </p:blipFill>
         <p:spPr>
           <a:xfrm>
-            <a:off x="7615663" y="1865745"/>
-            <a:ext cx="3048000" cy="3048000"/>
+            <a:off x="6947042" y="1664735"/>
+            <a:ext cx="3528529" cy="3528529"/>
           </a:xfrm>
           <a:prstGeom prst="rect">
             <a:avLst/>
@@ -8557,14 +5400,20 @@
       </p:sp>
       <p:pic>
         <p:nvPicPr>
-          <p:cNvPr id="5" name="Picture 4"/>
+          <p:cNvPr id="6" name="Picture 5">
+            <a:extLst>
+              <a:ext uri="{FF2B5EF4-FFF2-40B4-BE49-F238E27FC236}">
+                <a16:creationId xmlns:a16="http://schemas.microsoft.com/office/drawing/2014/main" id="{E82012CD-3194-4474-8665-8EBF136ACD95}"/>
+              </a:ext>
+            </a:extLst>
+          </p:cNvPr>
           <p:cNvPicPr>
             <a:picLocks noChangeAspect="1"/>
           </p:cNvPicPr>
-          <p:nvPr/>
+          <p:nvPr userDrawn="1"/>
         </p:nvPicPr>
         <p:blipFill>
-          <a:blip r:embed="rId2" cstate="print">
+          <a:blip r:embed="rId2">
             <a:extLst>
               <a:ext uri="{28A0092B-C50C-407E-A947-70E740481C1C}">
                 <a14:useLocalDpi xmlns:a14="http://schemas.microsoft.com/office/drawing/2010/main" val="0"/>
@@ -8577,8 +5426,8 @@
         </p:blipFill>
         <p:spPr>
           <a:xfrm>
-            <a:off x="7615663" y="1865745"/>
-            <a:ext cx="3048000" cy="3048000"/>
+            <a:off x="6947042" y="1664735"/>
+            <a:ext cx="3528529" cy="3528529"/>
           </a:xfrm>
           <a:prstGeom prst="rect">
             <a:avLst/>
@@ -8717,14 +5566,20 @@
       </p:sp>
       <p:pic>
         <p:nvPicPr>
-          <p:cNvPr id="7" name="Picture 6"/>
+          <p:cNvPr id="6" name="Picture 5">
+            <a:extLst>
+              <a:ext uri="{FF2B5EF4-FFF2-40B4-BE49-F238E27FC236}">
+                <a16:creationId xmlns:a16="http://schemas.microsoft.com/office/drawing/2014/main" id="{3A4797DD-F1CD-477D-80C5-35AAC30063AC}"/>
+              </a:ext>
+            </a:extLst>
+          </p:cNvPr>
           <p:cNvPicPr>
             <a:picLocks noChangeAspect="1"/>
           </p:cNvPicPr>
-          <p:nvPr/>
+          <p:nvPr userDrawn="1"/>
         </p:nvPicPr>
         <p:blipFill>
-          <a:blip r:embed="rId3" cstate="print">
+          <a:blip r:embed="rId3">
             <a:extLst>
               <a:ext uri="{28A0092B-C50C-407E-A947-70E740481C1C}">
                 <a14:useLocalDpi xmlns:a14="http://schemas.microsoft.com/office/drawing/2010/main" val="0"/>
@@ -8737,8 +5592,8 @@
         </p:blipFill>
         <p:spPr>
           <a:xfrm>
-            <a:off x="774830" y="376278"/>
-            <a:ext cx="3167885" cy="674739"/>
+            <a:off x="329766" y="258152"/>
+            <a:ext cx="838057" cy="838057"/>
           </a:xfrm>
           <a:prstGeom prst="rect">
             <a:avLst/>
@@ -10238,16 +7093,20 @@
       </p:sp>
       <p:pic>
         <p:nvPicPr>
-          <p:cNvPr id="4" name="Picture 3"/>
+          <p:cNvPr id="5" name="Picture 4">
+            <a:extLst>
+              <a:ext uri="{FF2B5EF4-FFF2-40B4-BE49-F238E27FC236}">
+                <a16:creationId xmlns:a16="http://schemas.microsoft.com/office/drawing/2014/main" id="{1FCFC712-5580-4B83-9912-5BE70B1B6566}"/>
+              </a:ext>
+            </a:extLst>
+          </p:cNvPr>
           <p:cNvPicPr>
             <a:picLocks noChangeAspect="1"/>
           </p:cNvPicPr>
-          <p:nvPr/>
+          <p:nvPr userDrawn="1"/>
         </p:nvPicPr>
         <p:blipFill>
-          <a:blip r:embed="rId3" cstate="print">
-            <a:biLevel thresh="25000"/>
-            <a:alphaModFix amt="65000"/>
+          <a:blip r:embed="rId3">
             <a:extLst>
               <a:ext uri="{28A0092B-C50C-407E-A947-70E740481C1C}">
                 <a14:useLocalDpi xmlns:a14="http://schemas.microsoft.com/office/drawing/2010/main" val="0"/>
@@ -10260,8 +7119,8 @@
         </p:blipFill>
         <p:spPr>
           <a:xfrm>
-            <a:off x="7615663" y="1865745"/>
-            <a:ext cx="3048000" cy="3048000"/>
+            <a:off x="7264542" y="1628846"/>
+            <a:ext cx="3600307" cy="3600307"/>
           </a:xfrm>
           <a:prstGeom prst="rect">
             <a:avLst/>
@@ -10348,14 +7207,20 @@
       </p:sp>
       <p:pic>
         <p:nvPicPr>
-          <p:cNvPr id="4" name="Picture 3"/>
+          <p:cNvPr id="3" name="Picture 2">
+            <a:extLst>
+              <a:ext uri="{FF2B5EF4-FFF2-40B4-BE49-F238E27FC236}">
+                <a16:creationId xmlns:a16="http://schemas.microsoft.com/office/drawing/2014/main" id="{8494EF1E-4291-4765-B274-E8B18C1ED645}"/>
+              </a:ext>
+            </a:extLst>
+          </p:cNvPr>
           <p:cNvPicPr>
             <a:picLocks noChangeAspect="1"/>
           </p:cNvPicPr>
-          <p:nvPr/>
+          <p:nvPr userDrawn="1"/>
         </p:nvPicPr>
         <p:blipFill>
-          <a:blip r:embed="rId2" cstate="print">
+          <a:blip r:embed="rId2">
             <a:extLst>
               <a:ext uri="{28A0092B-C50C-407E-A947-70E740481C1C}">
                 <a14:useLocalDpi xmlns:a14="http://schemas.microsoft.com/office/drawing/2010/main" val="0"/>
@@ -10368,8 +7233,8 @@
         </p:blipFill>
         <p:spPr>
           <a:xfrm>
-            <a:off x="7615663" y="1865745"/>
-            <a:ext cx="3048000" cy="3048000"/>
+            <a:off x="7461392" y="1739971"/>
+            <a:ext cx="3378057" cy="3378057"/>
           </a:xfrm>
           <a:prstGeom prst="rect">
             <a:avLst/>
@@ -11352,13 +8217,8 @@
             </a:br>
             <a:r>
               <a:rPr lang="en-US" dirty="0"/>
-              <a:t>WHAT’S NEW IN ENTITY FRAMEWORK </a:t>
-            </a:r>
-            <a:r>
-              <a:rPr lang="en-US"/>
-              <a:t>CORE 2.1?</a:t>
-            </a:r>
-            <a:endParaRPr lang="en-US" dirty="0"/>
+              <a:t>WHAT’S NEW IN ENTITY FRAMEWORK CORE 2.1?</a:t>
+            </a:r>
           </a:p>
         </p:txBody>
       </p:sp>
@@ -11404,94 +8264,6 @@
 </file>
 
 <file path=ppt/slides/slide10.xml><?xml version="1.0" encoding="utf-8"?>
-<p:sld xmlns:a="http://schemas.openxmlformats.org/drawingml/2006/main" xmlns:r="http://schemas.openxmlformats.org/officeDocument/2006/relationships" xmlns:p="http://schemas.openxmlformats.org/presentationml/2006/main">
-  <p:cSld>
-    <p:spTree>
-      <p:nvGrpSpPr>
-        <p:cNvPr id="1" name=""/>
-        <p:cNvGrpSpPr/>
-        <p:nvPr/>
-      </p:nvGrpSpPr>
-      <p:grpSpPr>
-        <a:xfrm>
-          <a:off x="0" y="0"/>
-          <a:ext cx="0" cy="0"/>
-          <a:chOff x="0" y="0"/>
-          <a:chExt cx="0" cy="0"/>
-        </a:xfrm>
-      </p:grpSpPr>
-      <p:sp>
-        <p:nvSpPr>
-          <p:cNvPr id="3" name="Title 2"/>
-          <p:cNvSpPr>
-            <a:spLocks noGrp="1"/>
-          </p:cNvSpPr>
-          <p:nvPr>
-            <p:ph type="title"/>
-          </p:nvPr>
-        </p:nvSpPr>
-        <p:spPr/>
-        <p:txBody>
-          <a:bodyPr/>
-          <a:lstStyle/>
-          <a:p>
-            <a:r>
-              <a:rPr lang="en-US" dirty="0"/>
-              <a:t>Owned Entities</a:t>
-            </a:r>
-          </a:p>
-        </p:txBody>
-      </p:sp>
-      <p:sp>
-        <p:nvSpPr>
-          <p:cNvPr id="4" name="TextBox 3">
-            <a:extLst>
-              <a:ext uri="{FF2B5EF4-FFF2-40B4-BE49-F238E27FC236}">
-                <a16:creationId xmlns:a16="http://schemas.microsoft.com/office/drawing/2014/main" id="{BE44335B-9DED-43A9-AD37-5123B2AF7906}"/>
-              </a:ext>
-            </a:extLst>
-          </p:cNvPr>
-          <p:cNvSpPr txBox="1"/>
-          <p:nvPr/>
-        </p:nvSpPr>
-        <p:spPr>
-          <a:xfrm>
-            <a:off x="9264650" y="6287643"/>
-            <a:ext cx="2768600" cy="369332"/>
-          </a:xfrm>
-          <a:prstGeom prst="rect">
-            <a:avLst/>
-          </a:prstGeom>
-          <a:noFill/>
-        </p:spPr>
-        <p:txBody>
-          <a:bodyPr wrap="square" rtlCol="0">
-            <a:spAutoFit/>
-          </a:bodyPr>
-          <a:lstStyle/>
-          <a:p>
-            <a:pPr algn="r"/>
-            <a:r>
-              <a:rPr lang="en-US" dirty="0"/>
-              <a:t>EF Core 2.0</a:t>
-            </a:r>
-          </a:p>
-        </p:txBody>
-      </p:sp>
-    </p:spTree>
-    <p:extLst>
-      <p:ext uri="{BB962C8B-B14F-4D97-AF65-F5344CB8AC3E}">
-        <p14:creationId xmlns:p14="http://schemas.microsoft.com/office/powerpoint/2010/main" val="1317897041"/>
-      </p:ext>
-    </p:extLst>
-  </p:cSld>
-  <p:clrMapOvr>
-    <a:masterClrMapping/>
-  </p:clrMapOvr>
-</p:sld>
-</file>
-
-<file path=ppt/slides/slide11.xml><?xml version="1.0" encoding="utf-8"?>
 <p:sld xmlns:a="http://schemas.openxmlformats.org/drawingml/2006/main" xmlns:r="http://schemas.openxmlformats.org/officeDocument/2006/relationships" xmlns:p="http://schemas.openxmlformats.org/presentationml/2006/main">
   <p:cSld>
     <p:spTree>
@@ -12275,7 +9047,7 @@
 </p:sld>
 </file>
 
-<file path=ppt/slides/slide12.xml><?xml version="1.0" encoding="utf-8"?>
+<file path=ppt/slides/slide11.xml><?xml version="1.0" encoding="utf-8"?>
 <p:sld xmlns:a="http://schemas.openxmlformats.org/drawingml/2006/main" xmlns:r="http://schemas.openxmlformats.org/officeDocument/2006/relationships" xmlns:p="http://schemas.openxmlformats.org/presentationml/2006/main">
   <p:cSld>
     <p:spTree>
@@ -12363,7 +9135,7 @@
 </p:sld>
 </file>
 
-<file path=ppt/slides/slide13.xml><?xml version="1.0" encoding="utf-8"?>
+<file path=ppt/slides/slide12.xml><?xml version="1.0" encoding="utf-8"?>
 <p:sld xmlns:a="http://schemas.openxmlformats.org/drawingml/2006/main" xmlns:r="http://schemas.openxmlformats.org/officeDocument/2006/relationships" xmlns:p="http://schemas.openxmlformats.org/presentationml/2006/main">
   <p:cSld>
     <p:spTree>
@@ -12787,7 +9559,7 @@
 </p:sld>
 </file>
 
-<file path=ppt/slides/slide14.xml><?xml version="1.0" encoding="utf-8"?>
+<file path=ppt/slides/slide13.xml><?xml version="1.0" encoding="utf-8"?>
 <p:sld xmlns:a="http://schemas.openxmlformats.org/drawingml/2006/main" xmlns:r="http://schemas.openxmlformats.org/officeDocument/2006/relationships" xmlns:p="http://schemas.openxmlformats.org/presentationml/2006/main">
   <p:cSld>
     <p:spTree>
@@ -12845,7 +9617,7 @@
 </p:sld>
 </file>
 
-<file path=ppt/slides/slide15.xml><?xml version="1.0" encoding="utf-8"?>
+<file path=ppt/slides/slide14.xml><?xml version="1.0" encoding="utf-8"?>
 <p:sld xmlns:a="http://schemas.openxmlformats.org/drawingml/2006/main" xmlns:r="http://schemas.openxmlformats.org/officeDocument/2006/relationships" xmlns:p="http://schemas.openxmlformats.org/presentationml/2006/main">
   <p:cSld>
     <p:spTree>
@@ -12933,7 +9705,7 @@
 </p:sld>
 </file>
 
-<file path=ppt/slides/slide16.xml><?xml version="1.0" encoding="utf-8"?>
+<file path=ppt/slides/slide15.xml><?xml version="1.0" encoding="utf-8"?>
 <p:sld xmlns:a="http://schemas.openxmlformats.org/drawingml/2006/main" xmlns:r="http://schemas.openxmlformats.org/officeDocument/2006/relationships" xmlns:p="http://schemas.openxmlformats.org/presentationml/2006/main">
   <p:cSld>
     <p:spTree>
@@ -15628,7 +12400,7 @@
 </p:sld>
 </file>
 
-<file path=ppt/slides/slide17.xml><?xml version="1.0" encoding="utf-8"?>
+<file path=ppt/slides/slide16.xml><?xml version="1.0" encoding="utf-8"?>
 <p:sld xmlns:a="http://schemas.openxmlformats.org/drawingml/2006/main" xmlns:r="http://schemas.openxmlformats.org/officeDocument/2006/relationships" xmlns:p="http://schemas.openxmlformats.org/presentationml/2006/main">
   <p:cSld>
     <p:spTree>
@@ -19668,7 +16440,7 @@
 </p:sld>
 </file>
 
-<file path=ppt/slides/slide18.xml><?xml version="1.0" encoding="utf-8"?>
+<file path=ppt/slides/slide17.xml><?xml version="1.0" encoding="utf-8"?>
 <p:sld xmlns:a="http://schemas.openxmlformats.org/drawingml/2006/main" xmlns:r="http://schemas.openxmlformats.org/officeDocument/2006/relationships" xmlns:p="http://schemas.openxmlformats.org/presentationml/2006/main">
   <p:cSld>
     <p:spTree>
@@ -20092,7 +16864,7 @@
 </p:sld>
 </file>
 
-<file path=ppt/slides/slide19.xml><?xml version="1.0" encoding="utf-8"?>
+<file path=ppt/slides/slide18.xml><?xml version="1.0" encoding="utf-8"?>
 <p:sld xmlns:a="http://schemas.openxmlformats.org/drawingml/2006/main" xmlns:r="http://schemas.openxmlformats.org/officeDocument/2006/relationships" xmlns:p="http://schemas.openxmlformats.org/presentationml/2006/main">
   <p:cSld>
     <p:spTree>
@@ -20150,73 +16922,7 @@
 </p:sld>
 </file>
 
-<file path=ppt/slides/slide2.xml><?xml version="1.0" encoding="utf-8"?>
-<p:sld xmlns:a="http://schemas.openxmlformats.org/drawingml/2006/main" xmlns:r="http://schemas.openxmlformats.org/officeDocument/2006/relationships" xmlns:p="http://schemas.openxmlformats.org/presentationml/2006/main">
-  <p:cSld>
-    <p:spTree>
-      <p:nvGrpSpPr>
-        <p:cNvPr id="1" name=""/>
-        <p:cNvGrpSpPr/>
-        <p:nvPr/>
-      </p:nvGrpSpPr>
-      <p:grpSpPr>
-        <a:xfrm>
-          <a:off x="0" y="0"/>
-          <a:ext cx="0" cy="0"/>
-          <a:chOff x="0" y="0"/>
-          <a:chExt cx="0" cy="0"/>
-        </a:xfrm>
-      </p:grpSpPr>
-      <p:pic>
-        <p:nvPicPr>
-          <p:cNvPr id="14" name="Picture 13">
-            <a:extLst>
-              <a:ext uri="{FF2B5EF4-FFF2-40B4-BE49-F238E27FC236}">
-                <a16:creationId xmlns:a16="http://schemas.microsoft.com/office/drawing/2014/main" id="{EF199258-75B0-4D82-B587-0DAB0D2B1072}"/>
-              </a:ext>
-            </a:extLst>
-          </p:cNvPr>
-          <p:cNvPicPr>
-            <a:picLocks noChangeAspect="1"/>
-          </p:cNvPicPr>
-          <p:nvPr/>
-        </p:nvPicPr>
-        <p:blipFill>
-          <a:blip r:embed="rId2">
-            <a:extLst>
-              <a:ext uri="{28A0092B-C50C-407E-A947-70E740481C1C}">
-                <a14:useLocalDpi xmlns:a14="http://schemas.microsoft.com/office/drawing/2010/main" val="0"/>
-              </a:ext>
-            </a:extLst>
-          </a:blip>
-          <a:stretch>
-            <a:fillRect/>
-          </a:stretch>
-        </p:blipFill>
-        <p:spPr>
-          <a:xfrm>
-            <a:off x="0" y="0"/>
-            <a:ext cx="12192000" cy="6858000"/>
-          </a:xfrm>
-          <a:prstGeom prst="rect">
-            <a:avLst/>
-          </a:prstGeom>
-        </p:spPr>
-      </p:pic>
-    </p:spTree>
-    <p:extLst>
-      <p:ext uri="{BB962C8B-B14F-4D97-AF65-F5344CB8AC3E}">
-        <p14:creationId xmlns:p14="http://schemas.microsoft.com/office/powerpoint/2010/main" val="3989547311"/>
-      </p:ext>
-    </p:extLst>
-  </p:cSld>
-  <p:clrMapOvr>
-    <a:masterClrMapping/>
-  </p:clrMapOvr>
-</p:sld>
-</file>
-
-<file path=ppt/slides/slide20.xml><?xml version="1.0" encoding="utf-8"?>
+<file path=ppt/slides/slide19.xml><?xml version="1.0" encoding="utf-8"?>
 <p:sld xmlns:a="http://schemas.openxmlformats.org/drawingml/2006/main" xmlns:r="http://schemas.openxmlformats.org/officeDocument/2006/relationships" xmlns:p="http://schemas.openxmlformats.org/presentationml/2006/main">
   <p:cSld>
     <p:spTree>
@@ -20304,7 +17010,386 @@
 </p:sld>
 </file>
 
-<file path=ppt/slides/slide21.xml><?xml version="1.0" encoding="utf-8"?>
+<file path=ppt/slides/slide2.xml><?xml version="1.0" encoding="utf-8"?>
+<p:sld xmlns:a="http://schemas.openxmlformats.org/drawingml/2006/main" xmlns:r="http://schemas.openxmlformats.org/officeDocument/2006/relationships" xmlns:p="http://schemas.openxmlformats.org/presentationml/2006/main">
+  <p:cSld>
+    <p:spTree>
+      <p:nvGrpSpPr>
+        <p:cNvPr id="1" name=""/>
+        <p:cNvGrpSpPr/>
+        <p:nvPr/>
+      </p:nvGrpSpPr>
+      <p:grpSpPr>
+        <a:xfrm>
+          <a:off x="0" y="0"/>
+          <a:ext cx="0" cy="0"/>
+          <a:chOff x="0" y="0"/>
+          <a:chExt cx="0" cy="0"/>
+        </a:xfrm>
+      </p:grpSpPr>
+      <p:sp>
+        <p:nvSpPr>
+          <p:cNvPr id="10" name="Text Placeholder 9"/>
+          <p:cNvSpPr>
+            <a:spLocks noGrp="1"/>
+          </p:cNvSpPr>
+          <p:nvPr>
+            <p:ph type="body" sz="quarter" idx="14"/>
+          </p:nvPr>
+        </p:nvSpPr>
+        <p:spPr>
+          <a:xfrm>
+            <a:off x="1236663" y="4065588"/>
+            <a:ext cx="3381720" cy="354012"/>
+          </a:xfrm>
+        </p:spPr>
+        <p:txBody>
+          <a:bodyPr>
+            <a:normAutofit/>
+          </a:bodyPr>
+          <a:lstStyle/>
+          <a:p>
+            <a:r>
+              <a:rPr lang="en-US" sz="1400" dirty="0">
+                <a:solidFill>
+                  <a:schemeClr val="tx1"/>
+                </a:solidFill>
+                <a:latin typeface="+mn-lt"/>
+              </a:rPr>
+              <a:t>www.chriswoodruff.com</a:t>
+            </a:r>
+          </a:p>
+        </p:txBody>
+      </p:sp>
+      <p:sp>
+        <p:nvSpPr>
+          <p:cNvPr id="11" name="Text Placeholder 10"/>
+          <p:cNvSpPr>
+            <a:spLocks noGrp="1"/>
+          </p:cNvSpPr>
+          <p:nvPr>
+            <p:ph type="body" sz="quarter" idx="15"/>
+          </p:nvPr>
+        </p:nvSpPr>
+        <p:spPr>
+          <a:xfrm>
+            <a:off x="1236662" y="4760173"/>
+            <a:ext cx="3023911" cy="354012"/>
+          </a:xfrm>
+        </p:spPr>
+        <p:txBody>
+          <a:bodyPr>
+            <a:normAutofit/>
+          </a:bodyPr>
+          <a:lstStyle/>
+          <a:p>
+            <a:r>
+              <a:rPr lang="en-US" dirty="0">
+                <a:solidFill>
+                  <a:schemeClr val="tx1"/>
+                </a:solidFill>
+              </a:rPr>
+              <a:t>www.twitter.com/cwoodruff</a:t>
+            </a:r>
+          </a:p>
+        </p:txBody>
+      </p:sp>
+      <p:sp>
+        <p:nvSpPr>
+          <p:cNvPr id="2" name="Title 1"/>
+          <p:cNvSpPr>
+            <a:spLocks noGrp="1"/>
+          </p:cNvSpPr>
+          <p:nvPr>
+            <p:ph type="title"/>
+          </p:nvPr>
+        </p:nvSpPr>
+        <p:spPr/>
+        <p:txBody>
+          <a:bodyPr/>
+          <a:lstStyle/>
+          <a:p>
+            <a:r>
+              <a:rPr lang="en-US" dirty="0"/>
+              <a:t>Chris Woodruff</a:t>
+            </a:r>
+          </a:p>
+        </p:txBody>
+      </p:sp>
+      <p:sp>
+        <p:nvSpPr>
+          <p:cNvPr id="3" name="Text Placeholder 2"/>
+          <p:cNvSpPr>
+            <a:spLocks noGrp="1"/>
+          </p:cNvSpPr>
+          <p:nvPr>
+            <p:ph type="body" sz="quarter" idx="10"/>
+          </p:nvPr>
+        </p:nvSpPr>
+        <p:spPr/>
+        <p:txBody>
+          <a:bodyPr/>
+          <a:lstStyle/>
+          <a:p>
+            <a:r>
+              <a:rPr lang="en-US" sz="2400" dirty="0"/>
+              <a:t>Developer Advocate at JetBrains</a:t>
+            </a:r>
+          </a:p>
+        </p:txBody>
+      </p:sp>
+      <p:sp>
+        <p:nvSpPr>
+          <p:cNvPr id="4" name="Text Placeholder 3"/>
+          <p:cNvSpPr>
+            <a:spLocks noGrp="1"/>
+          </p:cNvSpPr>
+          <p:nvPr>
+            <p:ph type="body" sz="quarter" idx="11"/>
+          </p:nvPr>
+        </p:nvSpPr>
+        <p:spPr>
+          <a:xfrm>
+            <a:off x="5218113" y="2750860"/>
+            <a:ext cx="5697537" cy="1104860"/>
+          </a:xfrm>
+        </p:spPr>
+        <p:txBody>
+          <a:bodyPr>
+            <a:normAutofit/>
+          </a:bodyPr>
+          <a:lstStyle/>
+          <a:p>
+            <a:r>
+              <a:rPr lang="en-US" sz="1600" dirty="0"/>
+              <a:t>.NET, Data, Web</a:t>
+            </a:r>
+          </a:p>
+          <a:p>
+            <a:endParaRPr lang="en-US" sz="1600" dirty="0"/>
+          </a:p>
+          <a:p>
+            <a:r>
+              <a:rPr lang="en-US" sz="1600" b="1" dirty="0">
+                <a:solidFill>
+                  <a:schemeClr val="tx1"/>
+                </a:solidFill>
+              </a:rPr>
+              <a:t>Chris.Woodruff@Jetbrains.com</a:t>
+            </a:r>
+          </a:p>
+        </p:txBody>
+      </p:sp>
+      <p:pic>
+        <p:nvPicPr>
+          <p:cNvPr id="13" name="Picture Placeholder 12">
+            <a:extLst>
+              <a:ext uri="{FF2B5EF4-FFF2-40B4-BE49-F238E27FC236}">
+                <a16:creationId xmlns:a16="http://schemas.microsoft.com/office/drawing/2014/main" id="{9F5CC9CF-E2FA-4EF9-B52F-CB6E1EBAD715}"/>
+              </a:ext>
+            </a:extLst>
+          </p:cNvPr>
+          <p:cNvPicPr>
+            <a:picLocks noGrp="1" noChangeAspect="1"/>
+          </p:cNvPicPr>
+          <p:nvPr>
+            <p:ph type="pic" sz="quarter" idx="16"/>
+          </p:nvPr>
+        </p:nvPicPr>
+        <p:blipFill>
+          <a:blip r:embed="rId2">
+            <a:extLst>
+              <a:ext uri="{28A0092B-C50C-407E-A947-70E740481C1C}">
+                <a14:useLocalDpi xmlns:a14="http://schemas.microsoft.com/office/drawing/2010/main" val="0"/>
+              </a:ext>
+            </a:extLst>
+          </a:blip>
+          <a:srcRect/>
+          <a:stretch>
+            <a:fillRect/>
+          </a:stretch>
+        </p:blipFill>
+        <p:spPr>
+          <a:solidFill>
+            <a:srgbClr val="EDEDED"/>
+          </a:solidFill>
+        </p:spPr>
+      </p:pic>
+      <p:sp>
+        <p:nvSpPr>
+          <p:cNvPr id="12" name="Text Placeholder 11"/>
+          <p:cNvSpPr>
+            <a:spLocks noGrp="1"/>
+          </p:cNvSpPr>
+          <p:nvPr>
+            <p:ph type="body" sz="quarter" idx="17"/>
+          </p:nvPr>
+        </p:nvSpPr>
+        <p:spPr>
+          <a:xfrm>
+            <a:off x="1236662" y="5432470"/>
+            <a:ext cx="3381719" cy="354012"/>
+          </a:xfrm>
+        </p:spPr>
+        <p:txBody>
+          <a:bodyPr/>
+          <a:lstStyle/>
+          <a:p>
+            <a:r>
+              <a:rPr lang="en-US" sz="1400" dirty="0">
+                <a:solidFill>
+                  <a:schemeClr val="tx1"/>
+                </a:solidFill>
+              </a:rPr>
+              <a:t>www.linkedin.com/in/chriswoodruff</a:t>
+            </a:r>
+          </a:p>
+        </p:txBody>
+      </p:sp>
+      <p:pic>
+        <p:nvPicPr>
+          <p:cNvPr id="2050" name="Picture 2" descr="See the source image">
+            <a:extLst>
+              <a:ext uri="{FF2B5EF4-FFF2-40B4-BE49-F238E27FC236}">
+                <a16:creationId xmlns:a16="http://schemas.microsoft.com/office/drawing/2014/main" id="{791AF075-0E86-437D-AD16-98162596336C}"/>
+              </a:ext>
+            </a:extLst>
+          </p:cNvPr>
+          <p:cNvPicPr>
+            <a:picLocks noChangeAspect="1" noChangeArrowheads="1"/>
+          </p:cNvPicPr>
+          <p:nvPr/>
+        </p:nvPicPr>
+        <p:blipFill>
+          <a:blip r:embed="rId3">
+            <a:extLst>
+              <a:ext uri="{28A0092B-C50C-407E-A947-70E740481C1C}">
+                <a14:useLocalDpi xmlns:a14="http://schemas.microsoft.com/office/drawing/2010/main" val="0"/>
+              </a:ext>
+            </a:extLst>
+          </a:blip>
+          <a:srcRect/>
+          <a:stretch>
+            <a:fillRect/>
+          </a:stretch>
+        </p:blipFill>
+        <p:spPr bwMode="auto">
+          <a:xfrm>
+            <a:off x="5218113" y="4377055"/>
+            <a:ext cx="1560513" cy="1688524"/>
+          </a:xfrm>
+          <a:prstGeom prst="rect">
+            <a:avLst/>
+          </a:prstGeom>
+          <a:noFill/>
+          <a:extLst>
+            <a:ext uri="{909E8E84-426E-40DD-AFC4-6F175D3DCCD1}">
+              <a14:hiddenFill xmlns:a14="http://schemas.microsoft.com/office/drawing/2010/main">
+                <a:solidFill>
+                  <a:srgbClr val="FFFFFF"/>
+                </a:solidFill>
+              </a14:hiddenFill>
+            </a:ext>
+          </a:extLst>
+        </p:spPr>
+      </p:pic>
+      <p:pic>
+        <p:nvPicPr>
+          <p:cNvPr id="2052" name="Picture 4" descr="See the source image">
+            <a:extLst>
+              <a:ext uri="{FF2B5EF4-FFF2-40B4-BE49-F238E27FC236}">
+                <a16:creationId xmlns:a16="http://schemas.microsoft.com/office/drawing/2014/main" id="{E180DCA0-77AC-412E-949F-FE0E8E4C8679}"/>
+              </a:ext>
+            </a:extLst>
+          </p:cNvPr>
+          <p:cNvPicPr>
+            <a:picLocks noChangeAspect="1" noChangeArrowheads="1"/>
+          </p:cNvPicPr>
+          <p:nvPr/>
+        </p:nvPicPr>
+        <p:blipFill>
+          <a:blip r:embed="rId4">
+            <a:extLst>
+              <a:ext uri="{28A0092B-C50C-407E-A947-70E740481C1C}">
+                <a14:useLocalDpi xmlns:a14="http://schemas.microsoft.com/office/drawing/2010/main" val="0"/>
+              </a:ext>
+            </a:extLst>
+          </a:blip>
+          <a:srcRect/>
+          <a:stretch>
+            <a:fillRect/>
+          </a:stretch>
+        </p:blipFill>
+        <p:spPr bwMode="auto">
+          <a:xfrm>
+            <a:off x="7378357" y="4377056"/>
+            <a:ext cx="1684364" cy="1684364"/>
+          </a:xfrm>
+          <a:prstGeom prst="rect">
+            <a:avLst/>
+          </a:prstGeom>
+          <a:noFill/>
+          <a:extLst>
+            <a:ext uri="{909E8E84-426E-40DD-AFC4-6F175D3DCCD1}">
+              <a14:hiddenFill xmlns:a14="http://schemas.microsoft.com/office/drawing/2010/main">
+                <a:solidFill>
+                  <a:srgbClr val="FFFFFF"/>
+                </a:solidFill>
+              </a14:hiddenFill>
+            </a:ext>
+          </a:extLst>
+        </p:spPr>
+      </p:pic>
+      <p:pic>
+        <p:nvPicPr>
+          <p:cNvPr id="16" name="Picture 15">
+            <a:extLst>
+              <a:ext uri="{FF2B5EF4-FFF2-40B4-BE49-F238E27FC236}">
+                <a16:creationId xmlns:a16="http://schemas.microsoft.com/office/drawing/2014/main" id="{65660C44-0691-40D3-A9A7-1E774DDBBD9D}"/>
+              </a:ext>
+            </a:extLst>
+          </p:cNvPr>
+          <p:cNvPicPr>
+            <a:picLocks noChangeAspect="1"/>
+          </p:cNvPicPr>
+          <p:nvPr/>
+        </p:nvPicPr>
+        <p:blipFill>
+          <a:blip r:embed="rId5">
+            <a:extLst>
+              <a:ext uri="{28A0092B-C50C-407E-A947-70E740481C1C}">
+                <a14:useLocalDpi xmlns:a14="http://schemas.microsoft.com/office/drawing/2010/main" val="0"/>
+              </a:ext>
+            </a:extLst>
+          </a:blip>
+          <a:stretch>
+            <a:fillRect/>
+          </a:stretch>
+        </p:blipFill>
+        <p:spPr>
+          <a:xfrm>
+            <a:off x="9662453" y="4378061"/>
+            <a:ext cx="1684364" cy="1684364"/>
+          </a:xfrm>
+          <a:prstGeom prst="rect">
+            <a:avLst/>
+          </a:prstGeom>
+        </p:spPr>
+      </p:pic>
+    </p:spTree>
+    <p:extLst>
+      <p:ext uri="{BB962C8B-B14F-4D97-AF65-F5344CB8AC3E}">
+        <p14:creationId xmlns:p14="http://schemas.microsoft.com/office/powerpoint/2010/main" val="1764760686"/>
+      </p:ext>
+    </p:extLst>
+  </p:cSld>
+  <p:clrMapOvr>
+    <a:masterClrMapping/>
+  </p:clrMapOvr>
+</p:sld>
+</file>
+
+<file path=ppt/slides/slide20.xml><?xml version="1.0" encoding="utf-8"?>
 <p:sld xmlns:a="http://schemas.openxmlformats.org/drawingml/2006/main" xmlns:r="http://schemas.openxmlformats.org/officeDocument/2006/relationships" xmlns:p="http://schemas.openxmlformats.org/presentationml/2006/main">
   <p:cSld>
     <p:spTree>
@@ -20999,7 +18084,7 @@
 </p:sld>
 </file>
 
-<file path=ppt/slides/slide22.xml><?xml version="1.0" encoding="utf-8"?>
+<file path=ppt/slides/slide21.xml><?xml version="1.0" encoding="utf-8"?>
 <p:sld xmlns:a="http://schemas.openxmlformats.org/drawingml/2006/main" xmlns:r="http://schemas.openxmlformats.org/officeDocument/2006/relationships" xmlns:p="http://schemas.openxmlformats.org/presentationml/2006/main">
   <p:cSld>
     <p:spTree>
@@ -21087,7 +18172,7 @@
 </p:sld>
 </file>
 
-<file path=ppt/slides/slide23.xml><?xml version="1.0" encoding="utf-8"?>
+<file path=ppt/slides/slide22.xml><?xml version="1.0" encoding="utf-8"?>
 <p:sld xmlns:a="http://schemas.openxmlformats.org/drawingml/2006/main" xmlns:r="http://schemas.openxmlformats.org/officeDocument/2006/relationships" xmlns:p="http://schemas.openxmlformats.org/presentationml/2006/main">
   <p:cSld>
     <p:spTree>
@@ -21587,7 +18672,7 @@
 </p:sld>
 </file>
 
-<file path=ppt/slides/slide24.xml><?xml version="1.0" encoding="utf-8"?>
+<file path=ppt/slides/slide23.xml><?xml version="1.0" encoding="utf-8"?>
 <p:sld xmlns:a="http://schemas.openxmlformats.org/drawingml/2006/main" xmlns:r="http://schemas.openxmlformats.org/officeDocument/2006/relationships" xmlns:p="http://schemas.openxmlformats.org/presentationml/2006/main">
   <p:cSld>
     <p:spTree>
@@ -21645,7 +18730,7 @@
 </p:sld>
 </file>
 
-<file path=ppt/slides/slide25.xml><?xml version="1.0" encoding="utf-8"?>
+<file path=ppt/slides/slide24.xml><?xml version="1.0" encoding="utf-8"?>
 <p:sld xmlns:a="http://schemas.openxmlformats.org/drawingml/2006/main" xmlns:r="http://schemas.openxmlformats.org/officeDocument/2006/relationships" xmlns:p="http://schemas.openxmlformats.org/presentationml/2006/main">
   <p:cSld>
     <p:spTree>
@@ -21735,7 +18820,7 @@
 </p:sld>
 </file>
 
-<file path=ppt/slides/slide26.xml><?xml version="1.0" encoding="utf-8"?>
+<file path=ppt/slides/slide25.xml><?xml version="1.0" encoding="utf-8"?>
 <p:sld xmlns:a="http://schemas.openxmlformats.org/drawingml/2006/main" xmlns:r="http://schemas.openxmlformats.org/officeDocument/2006/relationships" xmlns:p="http://schemas.openxmlformats.org/presentationml/2006/main">
   <p:cSld>
     <p:spTree>
@@ -22480,7 +19565,7 @@
 </p:sld>
 </file>
 
-<file path=ppt/slides/slide27.xml><?xml version="1.0" encoding="utf-8"?>
+<file path=ppt/slides/slide26.xml><?xml version="1.0" encoding="utf-8"?>
 <p:sld xmlns:a="http://schemas.openxmlformats.org/drawingml/2006/main" xmlns:r="http://schemas.openxmlformats.org/officeDocument/2006/relationships" xmlns:p="http://schemas.openxmlformats.org/presentationml/2006/main">
   <p:cSld>
     <p:spTree>
@@ -22534,7 +19619,7 @@
 </p:sld>
 </file>
 
-<file path=ppt/slides/slide28.xml><?xml version="1.0" encoding="utf-8"?>
+<file path=ppt/slides/slide27.xml><?xml version="1.0" encoding="utf-8"?>
 <p:sld xmlns:a="http://schemas.openxmlformats.org/drawingml/2006/main" xmlns:r="http://schemas.openxmlformats.org/officeDocument/2006/relationships" xmlns:p="http://schemas.openxmlformats.org/presentationml/2006/main">
   <p:cSld>
     <p:spTree>
@@ -23184,7 +20269,7 @@
 </p:sld>
 </file>
 
-<file path=ppt/slides/slide29.xml><?xml version="1.0" encoding="utf-8"?>
+<file path=ppt/slides/slide28.xml><?xml version="1.0" encoding="utf-8"?>
 <p:sld xmlns:a="http://schemas.openxmlformats.org/drawingml/2006/main" xmlns:r="http://schemas.openxmlformats.org/officeDocument/2006/relationships" xmlns:p="http://schemas.openxmlformats.org/presentationml/2006/main">
   <p:cSld>
     <p:spTree>
@@ -24203,386 +21288,7 @@
 </p:sld>
 </file>
 
-<file path=ppt/slides/slide3.xml><?xml version="1.0" encoding="utf-8"?>
-<p:sld xmlns:a="http://schemas.openxmlformats.org/drawingml/2006/main" xmlns:r="http://schemas.openxmlformats.org/officeDocument/2006/relationships" xmlns:p="http://schemas.openxmlformats.org/presentationml/2006/main">
-  <p:cSld>
-    <p:spTree>
-      <p:nvGrpSpPr>
-        <p:cNvPr id="1" name=""/>
-        <p:cNvGrpSpPr/>
-        <p:nvPr/>
-      </p:nvGrpSpPr>
-      <p:grpSpPr>
-        <a:xfrm>
-          <a:off x="0" y="0"/>
-          <a:ext cx="0" cy="0"/>
-          <a:chOff x="0" y="0"/>
-          <a:chExt cx="0" cy="0"/>
-        </a:xfrm>
-      </p:grpSpPr>
-      <p:sp>
-        <p:nvSpPr>
-          <p:cNvPr id="10" name="Text Placeholder 9"/>
-          <p:cNvSpPr>
-            <a:spLocks noGrp="1"/>
-          </p:cNvSpPr>
-          <p:nvPr>
-            <p:ph type="body" sz="quarter" idx="14"/>
-          </p:nvPr>
-        </p:nvSpPr>
-        <p:spPr>
-          <a:xfrm>
-            <a:off x="1236663" y="4065588"/>
-            <a:ext cx="3381720" cy="354012"/>
-          </a:xfrm>
-        </p:spPr>
-        <p:txBody>
-          <a:bodyPr>
-            <a:normAutofit/>
-          </a:bodyPr>
-          <a:lstStyle/>
-          <a:p>
-            <a:r>
-              <a:rPr lang="en-US" sz="1400" dirty="0">
-                <a:solidFill>
-                  <a:schemeClr val="tx1"/>
-                </a:solidFill>
-                <a:latin typeface="+mn-lt"/>
-              </a:rPr>
-              <a:t>www.facebook.com/chris.woodruff</a:t>
-            </a:r>
-          </a:p>
-        </p:txBody>
-      </p:sp>
-      <p:sp>
-        <p:nvSpPr>
-          <p:cNvPr id="11" name="Text Placeholder 10"/>
-          <p:cNvSpPr>
-            <a:spLocks noGrp="1"/>
-          </p:cNvSpPr>
-          <p:nvPr>
-            <p:ph type="body" sz="quarter" idx="15"/>
-          </p:nvPr>
-        </p:nvSpPr>
-        <p:spPr>
-          <a:xfrm>
-            <a:off x="1236662" y="4760173"/>
-            <a:ext cx="3023911" cy="354012"/>
-          </a:xfrm>
-        </p:spPr>
-        <p:txBody>
-          <a:bodyPr>
-            <a:normAutofit/>
-          </a:bodyPr>
-          <a:lstStyle/>
-          <a:p>
-            <a:r>
-              <a:rPr lang="en-US" dirty="0">
-                <a:solidFill>
-                  <a:schemeClr val="tx1"/>
-                </a:solidFill>
-              </a:rPr>
-              <a:t>www.twitter.com/cwoodruff</a:t>
-            </a:r>
-          </a:p>
-        </p:txBody>
-      </p:sp>
-      <p:sp>
-        <p:nvSpPr>
-          <p:cNvPr id="2" name="Title 1"/>
-          <p:cNvSpPr>
-            <a:spLocks noGrp="1"/>
-          </p:cNvSpPr>
-          <p:nvPr>
-            <p:ph type="title"/>
-          </p:nvPr>
-        </p:nvSpPr>
-        <p:spPr/>
-        <p:txBody>
-          <a:bodyPr/>
-          <a:lstStyle/>
-          <a:p>
-            <a:r>
-              <a:rPr lang="en-US" dirty="0"/>
-              <a:t>Chris Woodruff</a:t>
-            </a:r>
-          </a:p>
-        </p:txBody>
-      </p:sp>
-      <p:sp>
-        <p:nvSpPr>
-          <p:cNvPr id="3" name="Text Placeholder 2"/>
-          <p:cNvSpPr>
-            <a:spLocks noGrp="1"/>
-          </p:cNvSpPr>
-          <p:nvPr>
-            <p:ph type="body" sz="quarter" idx="10"/>
-          </p:nvPr>
-        </p:nvSpPr>
-        <p:spPr/>
-        <p:txBody>
-          <a:bodyPr/>
-          <a:lstStyle/>
-          <a:p>
-            <a:r>
-              <a:rPr lang="en-US" sz="2400" dirty="0"/>
-              <a:t>Developer Advocate at JetBrains</a:t>
-            </a:r>
-          </a:p>
-        </p:txBody>
-      </p:sp>
-      <p:sp>
-        <p:nvSpPr>
-          <p:cNvPr id="4" name="Text Placeholder 3"/>
-          <p:cNvSpPr>
-            <a:spLocks noGrp="1"/>
-          </p:cNvSpPr>
-          <p:nvPr>
-            <p:ph type="body" sz="quarter" idx="11"/>
-          </p:nvPr>
-        </p:nvSpPr>
-        <p:spPr>
-          <a:xfrm>
-            <a:off x="5218113" y="2750860"/>
-            <a:ext cx="5697537" cy="1104860"/>
-          </a:xfrm>
-        </p:spPr>
-        <p:txBody>
-          <a:bodyPr>
-            <a:normAutofit/>
-          </a:bodyPr>
-          <a:lstStyle/>
-          <a:p>
-            <a:r>
-              <a:rPr lang="en-US" sz="1600" dirty="0"/>
-              <a:t>.NET, Data, Web</a:t>
-            </a:r>
-          </a:p>
-          <a:p>
-            <a:endParaRPr lang="en-US" sz="1600" dirty="0"/>
-          </a:p>
-          <a:p>
-            <a:r>
-              <a:rPr lang="en-US" sz="1600" b="1" dirty="0">
-                <a:solidFill>
-                  <a:schemeClr val="tx1"/>
-                </a:solidFill>
-              </a:rPr>
-              <a:t>Chris.Woodruff@Jetbrains.com</a:t>
-            </a:r>
-          </a:p>
-        </p:txBody>
-      </p:sp>
-      <p:pic>
-        <p:nvPicPr>
-          <p:cNvPr id="13" name="Picture Placeholder 12">
-            <a:extLst>
-              <a:ext uri="{FF2B5EF4-FFF2-40B4-BE49-F238E27FC236}">
-                <a16:creationId xmlns:a16="http://schemas.microsoft.com/office/drawing/2014/main" id="{9F5CC9CF-E2FA-4EF9-B52F-CB6E1EBAD715}"/>
-              </a:ext>
-            </a:extLst>
-          </p:cNvPr>
-          <p:cNvPicPr>
-            <a:picLocks noGrp="1" noChangeAspect="1"/>
-          </p:cNvPicPr>
-          <p:nvPr>
-            <p:ph type="pic" sz="quarter" idx="16"/>
-          </p:nvPr>
-        </p:nvPicPr>
-        <p:blipFill>
-          <a:blip r:embed="rId2">
-            <a:extLst>
-              <a:ext uri="{28A0092B-C50C-407E-A947-70E740481C1C}">
-                <a14:useLocalDpi xmlns:a14="http://schemas.microsoft.com/office/drawing/2010/main" val="0"/>
-              </a:ext>
-            </a:extLst>
-          </a:blip>
-          <a:srcRect/>
-          <a:stretch>
-            <a:fillRect/>
-          </a:stretch>
-        </p:blipFill>
-        <p:spPr>
-          <a:solidFill>
-            <a:srgbClr val="EDEDED"/>
-          </a:solidFill>
-        </p:spPr>
-      </p:pic>
-      <p:sp>
-        <p:nvSpPr>
-          <p:cNvPr id="12" name="Text Placeholder 11"/>
-          <p:cNvSpPr>
-            <a:spLocks noGrp="1"/>
-          </p:cNvSpPr>
-          <p:nvPr>
-            <p:ph type="body" sz="quarter" idx="17"/>
-          </p:nvPr>
-        </p:nvSpPr>
-        <p:spPr>
-          <a:xfrm>
-            <a:off x="1236662" y="5432470"/>
-            <a:ext cx="3381719" cy="354012"/>
-          </a:xfrm>
-        </p:spPr>
-        <p:txBody>
-          <a:bodyPr/>
-          <a:lstStyle/>
-          <a:p>
-            <a:r>
-              <a:rPr lang="en-US" sz="1400" dirty="0">
-                <a:solidFill>
-                  <a:schemeClr val="tx1"/>
-                </a:solidFill>
-              </a:rPr>
-              <a:t>www.linkedin.com/in/chriswoodruff</a:t>
-            </a:r>
-          </a:p>
-        </p:txBody>
-      </p:sp>
-      <p:pic>
-        <p:nvPicPr>
-          <p:cNvPr id="2050" name="Picture 2" descr="See the source image">
-            <a:extLst>
-              <a:ext uri="{FF2B5EF4-FFF2-40B4-BE49-F238E27FC236}">
-                <a16:creationId xmlns:a16="http://schemas.microsoft.com/office/drawing/2014/main" id="{791AF075-0E86-437D-AD16-98162596336C}"/>
-              </a:ext>
-            </a:extLst>
-          </p:cNvPr>
-          <p:cNvPicPr>
-            <a:picLocks noChangeAspect="1" noChangeArrowheads="1"/>
-          </p:cNvPicPr>
-          <p:nvPr/>
-        </p:nvPicPr>
-        <p:blipFill>
-          <a:blip r:embed="rId3">
-            <a:extLst>
-              <a:ext uri="{28A0092B-C50C-407E-A947-70E740481C1C}">
-                <a14:useLocalDpi xmlns:a14="http://schemas.microsoft.com/office/drawing/2010/main" val="0"/>
-              </a:ext>
-            </a:extLst>
-          </a:blip>
-          <a:srcRect/>
-          <a:stretch>
-            <a:fillRect/>
-          </a:stretch>
-        </p:blipFill>
-        <p:spPr bwMode="auto">
-          <a:xfrm>
-            <a:off x="5218113" y="4377055"/>
-            <a:ext cx="1560513" cy="1688524"/>
-          </a:xfrm>
-          <a:prstGeom prst="rect">
-            <a:avLst/>
-          </a:prstGeom>
-          <a:noFill/>
-          <a:extLst>
-            <a:ext uri="{909E8E84-426E-40DD-AFC4-6F175D3DCCD1}">
-              <a14:hiddenFill xmlns:a14="http://schemas.microsoft.com/office/drawing/2010/main">
-                <a:solidFill>
-                  <a:srgbClr val="FFFFFF"/>
-                </a:solidFill>
-              </a14:hiddenFill>
-            </a:ext>
-          </a:extLst>
-        </p:spPr>
-      </p:pic>
-      <p:pic>
-        <p:nvPicPr>
-          <p:cNvPr id="2052" name="Picture 4" descr="See the source image">
-            <a:extLst>
-              <a:ext uri="{FF2B5EF4-FFF2-40B4-BE49-F238E27FC236}">
-                <a16:creationId xmlns:a16="http://schemas.microsoft.com/office/drawing/2014/main" id="{E180DCA0-77AC-412E-949F-FE0E8E4C8679}"/>
-              </a:ext>
-            </a:extLst>
-          </p:cNvPr>
-          <p:cNvPicPr>
-            <a:picLocks noChangeAspect="1" noChangeArrowheads="1"/>
-          </p:cNvPicPr>
-          <p:nvPr/>
-        </p:nvPicPr>
-        <p:blipFill>
-          <a:blip r:embed="rId4">
-            <a:extLst>
-              <a:ext uri="{28A0092B-C50C-407E-A947-70E740481C1C}">
-                <a14:useLocalDpi xmlns:a14="http://schemas.microsoft.com/office/drawing/2010/main" val="0"/>
-              </a:ext>
-            </a:extLst>
-          </a:blip>
-          <a:srcRect/>
-          <a:stretch>
-            <a:fillRect/>
-          </a:stretch>
-        </p:blipFill>
-        <p:spPr bwMode="auto">
-          <a:xfrm>
-            <a:off x="7378357" y="4377056"/>
-            <a:ext cx="1684364" cy="1684364"/>
-          </a:xfrm>
-          <a:prstGeom prst="rect">
-            <a:avLst/>
-          </a:prstGeom>
-          <a:noFill/>
-          <a:extLst>
-            <a:ext uri="{909E8E84-426E-40DD-AFC4-6F175D3DCCD1}">
-              <a14:hiddenFill xmlns:a14="http://schemas.microsoft.com/office/drawing/2010/main">
-                <a:solidFill>
-                  <a:srgbClr val="FFFFFF"/>
-                </a:solidFill>
-              </a14:hiddenFill>
-            </a:ext>
-          </a:extLst>
-        </p:spPr>
-      </p:pic>
-      <p:pic>
-        <p:nvPicPr>
-          <p:cNvPr id="16" name="Picture 15">
-            <a:extLst>
-              <a:ext uri="{FF2B5EF4-FFF2-40B4-BE49-F238E27FC236}">
-                <a16:creationId xmlns:a16="http://schemas.microsoft.com/office/drawing/2014/main" id="{65660C44-0691-40D3-A9A7-1E774DDBBD9D}"/>
-              </a:ext>
-            </a:extLst>
-          </p:cNvPr>
-          <p:cNvPicPr>
-            <a:picLocks noChangeAspect="1"/>
-          </p:cNvPicPr>
-          <p:nvPr/>
-        </p:nvPicPr>
-        <p:blipFill>
-          <a:blip r:embed="rId5">
-            <a:extLst>
-              <a:ext uri="{28A0092B-C50C-407E-A947-70E740481C1C}">
-                <a14:useLocalDpi xmlns:a14="http://schemas.microsoft.com/office/drawing/2010/main" val="0"/>
-              </a:ext>
-            </a:extLst>
-          </a:blip>
-          <a:stretch>
-            <a:fillRect/>
-          </a:stretch>
-        </p:blipFill>
-        <p:spPr>
-          <a:xfrm>
-            <a:off x="9662453" y="4378061"/>
-            <a:ext cx="1684364" cy="1684364"/>
-          </a:xfrm>
-          <a:prstGeom prst="rect">
-            <a:avLst/>
-          </a:prstGeom>
-        </p:spPr>
-      </p:pic>
-    </p:spTree>
-    <p:extLst>
-      <p:ext uri="{BB962C8B-B14F-4D97-AF65-F5344CB8AC3E}">
-        <p14:creationId xmlns:p14="http://schemas.microsoft.com/office/powerpoint/2010/main" val="1764760686"/>
-      </p:ext>
-    </p:extLst>
-  </p:cSld>
-  <p:clrMapOvr>
-    <a:masterClrMapping/>
-  </p:clrMapOvr>
-</p:sld>
-</file>
-
-<file path=ppt/slides/slide30.xml><?xml version="1.0" encoding="utf-8"?>
+<file path=ppt/slides/slide29.xml><?xml version="1.0" encoding="utf-8"?>
 <p:sld xmlns:a="http://schemas.openxmlformats.org/drawingml/2006/main" xmlns:r="http://schemas.openxmlformats.org/officeDocument/2006/relationships" xmlns:p="http://schemas.openxmlformats.org/presentationml/2006/main">
   <p:cSld>
     <p:spTree>
@@ -25575,7 +22281,317 @@
 </p:sld>
 </file>
 
-<file path=ppt/slides/slide31.xml><?xml version="1.0" encoding="utf-8"?>
+<file path=ppt/slides/slide3.xml><?xml version="1.0" encoding="utf-8"?>
+<p:sld xmlns:a="http://schemas.openxmlformats.org/drawingml/2006/main" xmlns:r="http://schemas.openxmlformats.org/officeDocument/2006/relationships" xmlns:p="http://schemas.openxmlformats.org/presentationml/2006/main">
+  <p:cSld>
+    <p:spTree>
+      <p:nvGrpSpPr>
+        <p:cNvPr id="1" name=""/>
+        <p:cNvGrpSpPr/>
+        <p:nvPr/>
+      </p:nvGrpSpPr>
+      <p:grpSpPr>
+        <a:xfrm>
+          <a:off x="0" y="0"/>
+          <a:ext cx="0" cy="0"/>
+          <a:chOff x="0" y="0"/>
+          <a:chExt cx="0" cy="0"/>
+        </a:xfrm>
+      </p:grpSpPr>
+      <p:sp>
+        <p:nvSpPr>
+          <p:cNvPr id="2" name="Title 1"/>
+          <p:cNvSpPr>
+            <a:spLocks noGrp="1"/>
+          </p:cNvSpPr>
+          <p:nvPr>
+            <p:ph type="title"/>
+          </p:nvPr>
+        </p:nvSpPr>
+        <p:spPr/>
+        <p:txBody>
+          <a:bodyPr/>
+          <a:lstStyle/>
+          <a:p>
+            <a:r>
+              <a:rPr lang="en-US" dirty="0"/>
+              <a:t>Agenda</a:t>
+            </a:r>
+          </a:p>
+        </p:txBody>
+      </p:sp>
+      <p:sp>
+        <p:nvSpPr>
+          <p:cNvPr id="21" name="Content Placeholder 2">
+            <a:extLst>
+              <a:ext uri="{FF2B5EF4-FFF2-40B4-BE49-F238E27FC236}">
+                <a16:creationId xmlns:a16="http://schemas.microsoft.com/office/drawing/2014/main" id="{1FAB10AD-8E22-4551-8406-D9F6B0C8D31C}"/>
+              </a:ext>
+            </a:extLst>
+          </p:cNvPr>
+          <p:cNvSpPr txBox="1">
+            <a:spLocks/>
+          </p:cNvSpPr>
+          <p:nvPr/>
+        </p:nvSpPr>
+        <p:spPr>
+          <a:xfrm>
+            <a:off x="527990" y="1422400"/>
+            <a:ext cx="7729728" cy="5679440"/>
+          </a:xfrm>
+          <a:prstGeom prst="rect">
+            <a:avLst/>
+          </a:prstGeom>
+        </p:spPr>
+        <p:txBody>
+          <a:bodyPr>
+            <a:normAutofit/>
+          </a:bodyPr>
+          <a:lstStyle>
+            <a:lvl1pPr marL="228600" indent="-228600" algn="l" defTabSz="914400" rtl="0" eaLnBrk="1" latinLnBrk="0" hangingPunct="1">
+              <a:lnSpc>
+                <a:spcPct val="90000"/>
+              </a:lnSpc>
+              <a:spcBef>
+                <a:spcPts val="1000"/>
+              </a:spcBef>
+              <a:buFont typeface="Arial" panose="020B0604020202020204" pitchFamily="34" charset="0"/>
+              <a:buChar char="•"/>
+              <a:defRPr sz="2400" b="0" i="0" kern="1200">
+                <a:solidFill>
+                  <a:schemeClr val="tx2"/>
+                </a:solidFill>
+                <a:latin typeface="+mn-lt"/>
+                <a:ea typeface="Gotham Light" charset="0"/>
+                <a:cs typeface="Gotham Light" charset="0"/>
+              </a:defRPr>
+            </a:lvl1pPr>
+            <a:lvl2pPr marL="685800" indent="-228600" algn="l" defTabSz="914400" rtl="0" eaLnBrk="1" latinLnBrk="0" hangingPunct="1">
+              <a:lnSpc>
+                <a:spcPct val="90000"/>
+              </a:lnSpc>
+              <a:spcBef>
+                <a:spcPts val="500"/>
+              </a:spcBef>
+              <a:buFont typeface="Arial" panose="020B0604020202020204" pitchFamily="34" charset="0"/>
+              <a:buChar char="•"/>
+              <a:defRPr sz="2000" b="0" i="0" kern="1200">
+                <a:solidFill>
+                  <a:schemeClr val="tx2"/>
+                </a:solidFill>
+                <a:latin typeface="+mn-lt"/>
+                <a:ea typeface="Gotham Light" charset="0"/>
+                <a:cs typeface="Gotham Light" charset="0"/>
+              </a:defRPr>
+            </a:lvl2pPr>
+            <a:lvl3pPr marL="1143000" indent="-228600" algn="l" defTabSz="914400" rtl="0" eaLnBrk="1" latinLnBrk="0" hangingPunct="1">
+              <a:lnSpc>
+                <a:spcPct val="90000"/>
+              </a:lnSpc>
+              <a:spcBef>
+                <a:spcPts val="500"/>
+              </a:spcBef>
+              <a:buFont typeface="Arial" panose="020B0604020202020204" pitchFamily="34" charset="0"/>
+              <a:buChar char="•"/>
+              <a:defRPr sz="1800" b="0" i="0" kern="1200">
+                <a:solidFill>
+                  <a:schemeClr val="tx2"/>
+                </a:solidFill>
+                <a:latin typeface="+mn-lt"/>
+                <a:ea typeface="Gotham Light" charset="0"/>
+                <a:cs typeface="Gotham Light" charset="0"/>
+              </a:defRPr>
+            </a:lvl3pPr>
+            <a:lvl4pPr marL="1600200" indent="-228600" algn="l" defTabSz="914400" rtl="0" eaLnBrk="1" latinLnBrk="0" hangingPunct="1">
+              <a:lnSpc>
+                <a:spcPct val="90000"/>
+              </a:lnSpc>
+              <a:spcBef>
+                <a:spcPts val="500"/>
+              </a:spcBef>
+              <a:buFont typeface="Arial" panose="020B0604020202020204" pitchFamily="34" charset="0"/>
+              <a:buChar char="•"/>
+              <a:defRPr sz="1600" b="0" i="0" kern="1200">
+                <a:solidFill>
+                  <a:schemeClr val="tx2"/>
+                </a:solidFill>
+                <a:latin typeface="+mn-lt"/>
+                <a:ea typeface="Gotham Light" charset="0"/>
+                <a:cs typeface="Gotham Light" charset="0"/>
+              </a:defRPr>
+            </a:lvl4pPr>
+            <a:lvl5pPr marL="2057400" indent="-228600" algn="l" defTabSz="914400" rtl="0" eaLnBrk="1" latinLnBrk="0" hangingPunct="1">
+              <a:lnSpc>
+                <a:spcPct val="90000"/>
+              </a:lnSpc>
+              <a:spcBef>
+                <a:spcPts val="500"/>
+              </a:spcBef>
+              <a:buFont typeface="Arial" panose="020B0604020202020204" pitchFamily="34" charset="0"/>
+              <a:buChar char="•"/>
+              <a:defRPr sz="1600" b="0" i="0" kern="1200">
+                <a:solidFill>
+                  <a:schemeClr val="tx2"/>
+                </a:solidFill>
+                <a:latin typeface="+mn-lt"/>
+                <a:ea typeface="Gotham Light" charset="0"/>
+                <a:cs typeface="Gotham Light" charset="0"/>
+              </a:defRPr>
+            </a:lvl5pPr>
+            <a:lvl6pPr marL="2514600" indent="-228600" algn="l" defTabSz="914400" rtl="0" eaLnBrk="1" latinLnBrk="0" hangingPunct="1">
+              <a:lnSpc>
+                <a:spcPct val="90000"/>
+              </a:lnSpc>
+              <a:spcBef>
+                <a:spcPts val="500"/>
+              </a:spcBef>
+              <a:buFont typeface="Arial" panose="020B0604020202020204" pitchFamily="34" charset="0"/>
+              <a:buChar char="•"/>
+              <a:defRPr sz="1800" kern="1200">
+                <a:solidFill>
+                  <a:schemeClr val="tx1"/>
+                </a:solidFill>
+                <a:latin typeface="+mn-lt"/>
+                <a:ea typeface="+mn-ea"/>
+                <a:cs typeface="+mn-cs"/>
+              </a:defRPr>
+            </a:lvl6pPr>
+            <a:lvl7pPr marL="2971800" indent="-228600" algn="l" defTabSz="914400" rtl="0" eaLnBrk="1" latinLnBrk="0" hangingPunct="1">
+              <a:lnSpc>
+                <a:spcPct val="90000"/>
+              </a:lnSpc>
+              <a:spcBef>
+                <a:spcPts val="500"/>
+              </a:spcBef>
+              <a:buFont typeface="Arial" panose="020B0604020202020204" pitchFamily="34" charset="0"/>
+              <a:buChar char="•"/>
+              <a:defRPr sz="1800" kern="1200">
+                <a:solidFill>
+                  <a:schemeClr val="tx1"/>
+                </a:solidFill>
+                <a:latin typeface="+mn-lt"/>
+                <a:ea typeface="+mn-ea"/>
+                <a:cs typeface="+mn-cs"/>
+              </a:defRPr>
+            </a:lvl7pPr>
+            <a:lvl8pPr marL="3429000" indent="-228600" algn="l" defTabSz="914400" rtl="0" eaLnBrk="1" latinLnBrk="0" hangingPunct="1">
+              <a:lnSpc>
+                <a:spcPct val="90000"/>
+              </a:lnSpc>
+              <a:spcBef>
+                <a:spcPts val="500"/>
+              </a:spcBef>
+              <a:buFont typeface="Arial" panose="020B0604020202020204" pitchFamily="34" charset="0"/>
+              <a:buChar char="•"/>
+              <a:defRPr sz="1800" kern="1200">
+                <a:solidFill>
+                  <a:schemeClr val="tx1"/>
+                </a:solidFill>
+                <a:latin typeface="+mn-lt"/>
+                <a:ea typeface="+mn-ea"/>
+                <a:cs typeface="+mn-cs"/>
+              </a:defRPr>
+            </a:lvl8pPr>
+            <a:lvl9pPr marL="3886200" indent="-228600" algn="l" defTabSz="914400" rtl="0" eaLnBrk="1" latinLnBrk="0" hangingPunct="1">
+              <a:lnSpc>
+                <a:spcPct val="90000"/>
+              </a:lnSpc>
+              <a:spcBef>
+                <a:spcPts val="500"/>
+              </a:spcBef>
+              <a:buFont typeface="Arial" panose="020B0604020202020204" pitchFamily="34" charset="0"/>
+              <a:buChar char="•"/>
+              <a:defRPr sz="1800" kern="1200">
+                <a:solidFill>
+                  <a:schemeClr val="tx1"/>
+                </a:solidFill>
+                <a:latin typeface="+mn-lt"/>
+                <a:ea typeface="+mn-ea"/>
+                <a:cs typeface="+mn-cs"/>
+              </a:defRPr>
+            </a:lvl9pPr>
+          </a:lstStyle>
+          <a:p>
+            <a:r>
+              <a:rPr lang="en-US" sz="2800" dirty="0"/>
+              <a:t>LINQ Like Function</a:t>
+            </a:r>
+          </a:p>
+          <a:p>
+            <a:r>
+              <a:rPr lang="en-US" sz="2800" dirty="0"/>
+              <a:t>Owned Entities</a:t>
+            </a:r>
+          </a:p>
+          <a:p>
+            <a:r>
+              <a:rPr lang="en-US" sz="2800" dirty="0"/>
+              <a:t>Global Query Filters</a:t>
+            </a:r>
+          </a:p>
+          <a:p>
+            <a:r>
+              <a:rPr lang="en-US" sz="2800" dirty="0"/>
+              <a:t>DbContext Pooling</a:t>
+            </a:r>
+          </a:p>
+          <a:p>
+            <a:r>
+              <a:rPr lang="en-US" sz="2800" dirty="0"/>
+              <a:t>String interpolation in raw SQL methods</a:t>
+            </a:r>
+          </a:p>
+          <a:p>
+            <a:r>
+              <a:rPr lang="en-US" sz="2800" dirty="0"/>
+              <a:t>Explicitly compiled queries</a:t>
+            </a:r>
+          </a:p>
+          <a:p>
+            <a:r>
+              <a:rPr lang="en-US" sz="2800" dirty="0"/>
+              <a:t>Database scalar function mapping</a:t>
+            </a:r>
+          </a:p>
+          <a:p>
+            <a:r>
+              <a:rPr lang="en-US" sz="2800" dirty="0"/>
+              <a:t>Data Seeding</a:t>
+            </a:r>
+          </a:p>
+          <a:p>
+            <a:r>
+              <a:rPr lang="en-US" sz="2800" dirty="0"/>
+              <a:t>Lazy Loading</a:t>
+            </a:r>
+          </a:p>
+          <a:p>
+            <a:r>
+              <a:rPr lang="en-US" sz="2800" dirty="0"/>
+              <a:t>LINQ </a:t>
+            </a:r>
+            <a:r>
+              <a:rPr lang="en-US" sz="2800" dirty="0" err="1"/>
+              <a:t>Groupby</a:t>
+            </a:r>
+            <a:endParaRPr lang="en-US" sz="2800" dirty="0"/>
+          </a:p>
+        </p:txBody>
+      </p:sp>
+    </p:spTree>
+    <p:extLst>
+      <p:ext uri="{BB962C8B-B14F-4D97-AF65-F5344CB8AC3E}">
+        <p14:creationId xmlns:p14="http://schemas.microsoft.com/office/powerpoint/2010/main" val="342056269"/>
+      </p:ext>
+    </p:extLst>
+  </p:cSld>
+  <p:clrMapOvr>
+    <a:masterClrMapping/>
+  </p:clrMapOvr>
+</p:sld>
+</file>
+
+<file path=ppt/slides/slide30.xml><?xml version="1.0" encoding="utf-8"?>
 <p:sld xmlns:a="http://schemas.openxmlformats.org/drawingml/2006/main" xmlns:r="http://schemas.openxmlformats.org/officeDocument/2006/relationships" xmlns:p="http://schemas.openxmlformats.org/presentationml/2006/main">
   <p:cSld>
     <p:spTree>
@@ -25629,7 +22645,7 @@
 </p:sld>
 </file>
 
-<file path=ppt/slides/slide32.xml><?xml version="1.0" encoding="utf-8"?>
+<file path=ppt/slides/slide31.xml><?xml version="1.0" encoding="utf-8"?>
 <p:sld xmlns:a="http://schemas.openxmlformats.org/drawingml/2006/main" xmlns:r="http://schemas.openxmlformats.org/officeDocument/2006/relationships" xmlns:p="http://schemas.openxmlformats.org/presentationml/2006/main">
   <p:cSld>
     <p:spTree>
@@ -26082,7 +23098,7 @@
 </p:sld>
 </file>
 
-<file path=ppt/slides/slide33.xml><?xml version="1.0" encoding="utf-8"?>
+<file path=ppt/slides/slide32.xml><?xml version="1.0" encoding="utf-8"?>
 <p:sld xmlns:a="http://schemas.openxmlformats.org/drawingml/2006/main" xmlns:r="http://schemas.openxmlformats.org/officeDocument/2006/relationships" xmlns:p="http://schemas.openxmlformats.org/presentationml/2006/main">
   <p:cSld>
     <p:spTree>
@@ -26141,7 +23157,7 @@
 </p:sld>
 </file>
 
-<file path=ppt/slides/slide34.xml><?xml version="1.0" encoding="utf-8"?>
+<file path=ppt/slides/slide33.xml><?xml version="1.0" encoding="utf-8"?>
 <p:sld xmlns:a="http://schemas.openxmlformats.org/drawingml/2006/main" xmlns:r="http://schemas.openxmlformats.org/officeDocument/2006/relationships" xmlns:p="http://schemas.openxmlformats.org/presentationml/2006/main">
   <p:cSld>
     <p:spTree>
@@ -26982,7 +23998,7 @@
 </p:sld>
 </file>
 
-<file path=ppt/slides/slide35.xml><?xml version="1.0" encoding="utf-8"?>
+<file path=ppt/slides/slide34.xml><?xml version="1.0" encoding="utf-8"?>
 <p:sld xmlns:a="http://schemas.openxmlformats.org/drawingml/2006/main" xmlns:r="http://schemas.openxmlformats.org/officeDocument/2006/relationships" xmlns:p="http://schemas.openxmlformats.org/presentationml/2006/main">
   <p:cSld>
     <p:spTree>
@@ -27163,7 +24179,7 @@
 </p:sld>
 </file>
 
-<file path=ppt/slides/slide36.xml><?xml version="1.0" encoding="utf-8"?>
+<file path=ppt/slides/slide35.xml><?xml version="1.0" encoding="utf-8"?>
 <p:sld xmlns:a="http://schemas.openxmlformats.org/drawingml/2006/main" xmlns:r="http://schemas.openxmlformats.org/officeDocument/2006/relationships" xmlns:p="http://schemas.openxmlformats.org/presentationml/2006/main">
   <p:cSld>
     <p:spTree>
@@ -27304,7 +24320,7 @@
 </p:sld>
 </file>
 
-<file path=ppt/slides/slide37.xml><?xml version="1.0" encoding="utf-8"?>
+<file path=ppt/slides/slide36.xml><?xml version="1.0" encoding="utf-8"?>
 <p:sld xmlns:a="http://schemas.openxmlformats.org/drawingml/2006/main" xmlns:r="http://schemas.openxmlformats.org/officeDocument/2006/relationships" xmlns:p="http://schemas.openxmlformats.org/presentationml/2006/main">
   <p:cSld>
     <p:spTree>
@@ -27334,7 +24350,7 @@
 </p:sld>
 </file>
 
-<file path=ppt/slides/slide38.xml><?xml version="1.0" encoding="utf-8"?>
+<file path=ppt/slides/slide37.xml><?xml version="1.0" encoding="utf-8"?>
 <p:sld xmlns:a="http://schemas.openxmlformats.org/drawingml/2006/main" xmlns:r="http://schemas.openxmlformats.org/officeDocument/2006/relationships" xmlns:p="http://schemas.openxmlformats.org/presentationml/2006/main">
   <p:cSld>
     <p:spTree>
@@ -27364,7 +24380,7 @@
 </p:sld>
 </file>
 
-<file path=ppt/slides/slide39.xml><?xml version="1.0" encoding="utf-8"?>
+<file path=ppt/slides/slide38.xml><?xml version="1.0" encoding="utf-8"?>
 <p:sld xmlns:a="http://schemas.openxmlformats.org/drawingml/2006/main" xmlns:r="http://schemas.openxmlformats.org/officeDocument/2006/relationships" xmlns:p="http://schemas.openxmlformats.org/presentationml/2006/main">
   <p:cSld>
     <p:spTree>
@@ -27576,7 +24592,7 @@
             <a:spLocks noGrp="1"/>
           </p:cNvSpPr>
           <p:nvPr>
-            <p:ph type="body" sz="quarter" idx="17"/>
+            <p:ph type="body" sz="quarter" idx="4294967295"/>
           </p:nvPr>
         </p:nvSpPr>
         <p:spPr>
@@ -27796,316 +24812,6 @@
       </p:grpSpPr>
       <p:sp>
         <p:nvSpPr>
-          <p:cNvPr id="2" name="Title 1"/>
-          <p:cNvSpPr>
-            <a:spLocks noGrp="1"/>
-          </p:cNvSpPr>
-          <p:nvPr>
-            <p:ph type="title"/>
-          </p:nvPr>
-        </p:nvSpPr>
-        <p:spPr/>
-        <p:txBody>
-          <a:bodyPr/>
-          <a:lstStyle/>
-          <a:p>
-            <a:r>
-              <a:rPr lang="en-US" dirty="0"/>
-              <a:t>Agenda</a:t>
-            </a:r>
-          </a:p>
-        </p:txBody>
-      </p:sp>
-      <p:sp>
-        <p:nvSpPr>
-          <p:cNvPr id="21" name="Content Placeholder 2">
-            <a:extLst>
-              <a:ext uri="{FF2B5EF4-FFF2-40B4-BE49-F238E27FC236}">
-                <a16:creationId xmlns:a16="http://schemas.microsoft.com/office/drawing/2014/main" id="{1FAB10AD-8E22-4551-8406-D9F6B0C8D31C}"/>
-              </a:ext>
-            </a:extLst>
-          </p:cNvPr>
-          <p:cNvSpPr txBox="1">
-            <a:spLocks/>
-          </p:cNvSpPr>
-          <p:nvPr/>
-        </p:nvSpPr>
-        <p:spPr>
-          <a:xfrm>
-            <a:off x="527990" y="1422400"/>
-            <a:ext cx="7729728" cy="5679440"/>
-          </a:xfrm>
-          <a:prstGeom prst="rect">
-            <a:avLst/>
-          </a:prstGeom>
-        </p:spPr>
-        <p:txBody>
-          <a:bodyPr>
-            <a:normAutofit/>
-          </a:bodyPr>
-          <a:lstStyle>
-            <a:lvl1pPr marL="228600" indent="-228600" algn="l" defTabSz="914400" rtl="0" eaLnBrk="1" latinLnBrk="0" hangingPunct="1">
-              <a:lnSpc>
-                <a:spcPct val="90000"/>
-              </a:lnSpc>
-              <a:spcBef>
-                <a:spcPts val="1000"/>
-              </a:spcBef>
-              <a:buFont typeface="Arial" panose="020B0604020202020204" pitchFamily="34" charset="0"/>
-              <a:buChar char="•"/>
-              <a:defRPr sz="2400" b="0" i="0" kern="1200">
-                <a:solidFill>
-                  <a:schemeClr val="tx2"/>
-                </a:solidFill>
-                <a:latin typeface="+mn-lt"/>
-                <a:ea typeface="Gotham Light" charset="0"/>
-                <a:cs typeface="Gotham Light" charset="0"/>
-              </a:defRPr>
-            </a:lvl1pPr>
-            <a:lvl2pPr marL="685800" indent="-228600" algn="l" defTabSz="914400" rtl="0" eaLnBrk="1" latinLnBrk="0" hangingPunct="1">
-              <a:lnSpc>
-                <a:spcPct val="90000"/>
-              </a:lnSpc>
-              <a:spcBef>
-                <a:spcPts val="500"/>
-              </a:spcBef>
-              <a:buFont typeface="Arial" panose="020B0604020202020204" pitchFamily="34" charset="0"/>
-              <a:buChar char="•"/>
-              <a:defRPr sz="2000" b="0" i="0" kern="1200">
-                <a:solidFill>
-                  <a:schemeClr val="tx2"/>
-                </a:solidFill>
-                <a:latin typeface="+mn-lt"/>
-                <a:ea typeface="Gotham Light" charset="0"/>
-                <a:cs typeface="Gotham Light" charset="0"/>
-              </a:defRPr>
-            </a:lvl2pPr>
-            <a:lvl3pPr marL="1143000" indent="-228600" algn="l" defTabSz="914400" rtl="0" eaLnBrk="1" latinLnBrk="0" hangingPunct="1">
-              <a:lnSpc>
-                <a:spcPct val="90000"/>
-              </a:lnSpc>
-              <a:spcBef>
-                <a:spcPts val="500"/>
-              </a:spcBef>
-              <a:buFont typeface="Arial" panose="020B0604020202020204" pitchFamily="34" charset="0"/>
-              <a:buChar char="•"/>
-              <a:defRPr sz="1800" b="0" i="0" kern="1200">
-                <a:solidFill>
-                  <a:schemeClr val="tx2"/>
-                </a:solidFill>
-                <a:latin typeface="+mn-lt"/>
-                <a:ea typeface="Gotham Light" charset="0"/>
-                <a:cs typeface="Gotham Light" charset="0"/>
-              </a:defRPr>
-            </a:lvl3pPr>
-            <a:lvl4pPr marL="1600200" indent="-228600" algn="l" defTabSz="914400" rtl="0" eaLnBrk="1" latinLnBrk="0" hangingPunct="1">
-              <a:lnSpc>
-                <a:spcPct val="90000"/>
-              </a:lnSpc>
-              <a:spcBef>
-                <a:spcPts val="500"/>
-              </a:spcBef>
-              <a:buFont typeface="Arial" panose="020B0604020202020204" pitchFamily="34" charset="0"/>
-              <a:buChar char="•"/>
-              <a:defRPr sz="1600" b="0" i="0" kern="1200">
-                <a:solidFill>
-                  <a:schemeClr val="tx2"/>
-                </a:solidFill>
-                <a:latin typeface="+mn-lt"/>
-                <a:ea typeface="Gotham Light" charset="0"/>
-                <a:cs typeface="Gotham Light" charset="0"/>
-              </a:defRPr>
-            </a:lvl4pPr>
-            <a:lvl5pPr marL="2057400" indent="-228600" algn="l" defTabSz="914400" rtl="0" eaLnBrk="1" latinLnBrk="0" hangingPunct="1">
-              <a:lnSpc>
-                <a:spcPct val="90000"/>
-              </a:lnSpc>
-              <a:spcBef>
-                <a:spcPts val="500"/>
-              </a:spcBef>
-              <a:buFont typeface="Arial" panose="020B0604020202020204" pitchFamily="34" charset="0"/>
-              <a:buChar char="•"/>
-              <a:defRPr sz="1600" b="0" i="0" kern="1200">
-                <a:solidFill>
-                  <a:schemeClr val="tx2"/>
-                </a:solidFill>
-                <a:latin typeface="+mn-lt"/>
-                <a:ea typeface="Gotham Light" charset="0"/>
-                <a:cs typeface="Gotham Light" charset="0"/>
-              </a:defRPr>
-            </a:lvl5pPr>
-            <a:lvl6pPr marL="2514600" indent="-228600" algn="l" defTabSz="914400" rtl="0" eaLnBrk="1" latinLnBrk="0" hangingPunct="1">
-              <a:lnSpc>
-                <a:spcPct val="90000"/>
-              </a:lnSpc>
-              <a:spcBef>
-                <a:spcPts val="500"/>
-              </a:spcBef>
-              <a:buFont typeface="Arial" panose="020B0604020202020204" pitchFamily="34" charset="0"/>
-              <a:buChar char="•"/>
-              <a:defRPr sz="1800" kern="1200">
-                <a:solidFill>
-                  <a:schemeClr val="tx1"/>
-                </a:solidFill>
-                <a:latin typeface="+mn-lt"/>
-                <a:ea typeface="+mn-ea"/>
-                <a:cs typeface="+mn-cs"/>
-              </a:defRPr>
-            </a:lvl6pPr>
-            <a:lvl7pPr marL="2971800" indent="-228600" algn="l" defTabSz="914400" rtl="0" eaLnBrk="1" latinLnBrk="0" hangingPunct="1">
-              <a:lnSpc>
-                <a:spcPct val="90000"/>
-              </a:lnSpc>
-              <a:spcBef>
-                <a:spcPts val="500"/>
-              </a:spcBef>
-              <a:buFont typeface="Arial" panose="020B0604020202020204" pitchFamily="34" charset="0"/>
-              <a:buChar char="•"/>
-              <a:defRPr sz="1800" kern="1200">
-                <a:solidFill>
-                  <a:schemeClr val="tx1"/>
-                </a:solidFill>
-                <a:latin typeface="+mn-lt"/>
-                <a:ea typeface="+mn-ea"/>
-                <a:cs typeface="+mn-cs"/>
-              </a:defRPr>
-            </a:lvl7pPr>
-            <a:lvl8pPr marL="3429000" indent="-228600" algn="l" defTabSz="914400" rtl="0" eaLnBrk="1" latinLnBrk="0" hangingPunct="1">
-              <a:lnSpc>
-                <a:spcPct val="90000"/>
-              </a:lnSpc>
-              <a:spcBef>
-                <a:spcPts val="500"/>
-              </a:spcBef>
-              <a:buFont typeface="Arial" panose="020B0604020202020204" pitchFamily="34" charset="0"/>
-              <a:buChar char="•"/>
-              <a:defRPr sz="1800" kern="1200">
-                <a:solidFill>
-                  <a:schemeClr val="tx1"/>
-                </a:solidFill>
-                <a:latin typeface="+mn-lt"/>
-                <a:ea typeface="+mn-ea"/>
-                <a:cs typeface="+mn-cs"/>
-              </a:defRPr>
-            </a:lvl8pPr>
-            <a:lvl9pPr marL="3886200" indent="-228600" algn="l" defTabSz="914400" rtl="0" eaLnBrk="1" latinLnBrk="0" hangingPunct="1">
-              <a:lnSpc>
-                <a:spcPct val="90000"/>
-              </a:lnSpc>
-              <a:spcBef>
-                <a:spcPts val="500"/>
-              </a:spcBef>
-              <a:buFont typeface="Arial" panose="020B0604020202020204" pitchFamily="34" charset="0"/>
-              <a:buChar char="•"/>
-              <a:defRPr sz="1800" kern="1200">
-                <a:solidFill>
-                  <a:schemeClr val="tx1"/>
-                </a:solidFill>
-                <a:latin typeface="+mn-lt"/>
-                <a:ea typeface="+mn-ea"/>
-                <a:cs typeface="+mn-cs"/>
-              </a:defRPr>
-            </a:lvl9pPr>
-          </a:lstStyle>
-          <a:p>
-            <a:r>
-              <a:rPr lang="en-US" sz="2800" dirty="0"/>
-              <a:t>LINQ Like Function</a:t>
-            </a:r>
-          </a:p>
-          <a:p>
-            <a:r>
-              <a:rPr lang="en-US" sz="2800" dirty="0"/>
-              <a:t>Owned Entities</a:t>
-            </a:r>
-          </a:p>
-          <a:p>
-            <a:r>
-              <a:rPr lang="en-US" sz="2800" dirty="0"/>
-              <a:t>Global Query Filters</a:t>
-            </a:r>
-          </a:p>
-          <a:p>
-            <a:r>
-              <a:rPr lang="en-US" sz="2800" dirty="0"/>
-              <a:t>DbContext Pooling</a:t>
-            </a:r>
-          </a:p>
-          <a:p>
-            <a:r>
-              <a:rPr lang="en-US" sz="2800" dirty="0"/>
-              <a:t>String interpolation in raw SQL methods</a:t>
-            </a:r>
-          </a:p>
-          <a:p>
-            <a:r>
-              <a:rPr lang="en-US" sz="2800" dirty="0"/>
-              <a:t>Explicitly compiled queries</a:t>
-            </a:r>
-          </a:p>
-          <a:p>
-            <a:r>
-              <a:rPr lang="en-US" sz="2800" dirty="0"/>
-              <a:t>Database scalar function mapping</a:t>
-            </a:r>
-          </a:p>
-          <a:p>
-            <a:r>
-              <a:rPr lang="en-US" sz="2800" dirty="0"/>
-              <a:t>Data Seeding</a:t>
-            </a:r>
-          </a:p>
-          <a:p>
-            <a:r>
-              <a:rPr lang="en-US" sz="2800" dirty="0"/>
-              <a:t>Lazy Loading</a:t>
-            </a:r>
-          </a:p>
-          <a:p>
-            <a:r>
-              <a:rPr lang="en-US" sz="2800" dirty="0"/>
-              <a:t>LINQ </a:t>
-            </a:r>
-            <a:r>
-              <a:rPr lang="en-US" sz="2800" dirty="0" err="1"/>
-              <a:t>Groupby</a:t>
-            </a:r>
-            <a:endParaRPr lang="en-US" sz="2800" dirty="0"/>
-          </a:p>
-        </p:txBody>
-      </p:sp>
-    </p:spTree>
-    <p:extLst>
-      <p:ext uri="{BB962C8B-B14F-4D97-AF65-F5344CB8AC3E}">
-        <p14:creationId xmlns:p14="http://schemas.microsoft.com/office/powerpoint/2010/main" val="342056269"/>
-      </p:ext>
-    </p:extLst>
-  </p:cSld>
-  <p:clrMapOvr>
-    <a:masterClrMapping/>
-  </p:clrMapOvr>
-</p:sld>
-</file>
-
-<file path=ppt/slides/slide5.xml><?xml version="1.0" encoding="utf-8"?>
-<p:sld xmlns:a="http://schemas.openxmlformats.org/drawingml/2006/main" xmlns:r="http://schemas.openxmlformats.org/officeDocument/2006/relationships" xmlns:p="http://schemas.openxmlformats.org/presentationml/2006/main">
-  <p:cSld>
-    <p:spTree>
-      <p:nvGrpSpPr>
-        <p:cNvPr id="1" name=""/>
-        <p:cNvGrpSpPr/>
-        <p:nvPr/>
-      </p:nvGrpSpPr>
-      <p:grpSpPr>
-        <a:xfrm>
-          <a:off x="0" y="0"/>
-          <a:ext cx="0" cy="0"/>
-          <a:chOff x="0" y="0"/>
-          <a:chExt cx="0" cy="0"/>
-        </a:xfrm>
-      </p:grpSpPr>
-      <p:sp>
-        <p:nvSpPr>
           <p:cNvPr id="9" name="Title 8">
             <a:extLst>
               <a:ext uri="{FF2B5EF4-FFF2-40B4-BE49-F238E27FC236}">
@@ -28239,7 +24945,7 @@
 </p:sld>
 </file>
 
-<file path=ppt/slides/slide6.xml><?xml version="1.0" encoding="utf-8"?>
+<file path=ppt/slides/slide5.xml><?xml version="1.0" encoding="utf-8"?>
 <p:sld xmlns:a="http://schemas.openxmlformats.org/drawingml/2006/main" xmlns:r="http://schemas.openxmlformats.org/officeDocument/2006/relationships" xmlns:p="http://schemas.openxmlformats.org/presentationml/2006/main">
   <p:cSld>
     <p:spTree>
@@ -28327,7 +25033,7 @@
 </p:sld>
 </file>
 
-<file path=ppt/slides/slide7.xml><?xml version="1.0" encoding="utf-8"?>
+<file path=ppt/slides/slide6.xml><?xml version="1.0" encoding="utf-8"?>
 <p:sld xmlns:a="http://schemas.openxmlformats.org/drawingml/2006/main" xmlns:r="http://schemas.openxmlformats.org/officeDocument/2006/relationships" xmlns:p="http://schemas.openxmlformats.org/presentationml/2006/main">
   <p:cSld>
     <p:spTree>
@@ -28415,7 +25121,7 @@
 </p:sld>
 </file>
 
-<file path=ppt/slides/slide8.xml><?xml version="1.0" encoding="utf-8"?>
+<file path=ppt/slides/slide7.xml><?xml version="1.0" encoding="utf-8"?>
 <p:sld xmlns:a="http://schemas.openxmlformats.org/drawingml/2006/main" xmlns:r="http://schemas.openxmlformats.org/officeDocument/2006/relationships" xmlns:p="http://schemas.openxmlformats.org/presentationml/2006/main">
   <p:cSld>
     <p:spTree>
@@ -29037,7 +25743,7 @@
 </p:sld>
 </file>
 
-<file path=ppt/slides/slide9.xml><?xml version="1.0" encoding="utf-8"?>
+<file path=ppt/slides/slide8.xml><?xml version="1.0" encoding="utf-8"?>
 <p:sld xmlns:a="http://schemas.openxmlformats.org/drawingml/2006/main" xmlns:r="http://schemas.openxmlformats.org/officeDocument/2006/relationships" xmlns:p="http://schemas.openxmlformats.org/presentationml/2006/main">
   <p:cSld>
     <p:spTree>
@@ -29086,6 +25792,94 @@
     <p:extLst>
       <p:ext uri="{BB962C8B-B14F-4D97-AF65-F5344CB8AC3E}">
         <p14:creationId xmlns:p14="http://schemas.microsoft.com/office/powerpoint/2010/main" val="2079172203"/>
+      </p:ext>
+    </p:extLst>
+  </p:cSld>
+  <p:clrMapOvr>
+    <a:masterClrMapping/>
+  </p:clrMapOvr>
+</p:sld>
+</file>
+
+<file path=ppt/slides/slide9.xml><?xml version="1.0" encoding="utf-8"?>
+<p:sld xmlns:a="http://schemas.openxmlformats.org/drawingml/2006/main" xmlns:r="http://schemas.openxmlformats.org/officeDocument/2006/relationships" xmlns:p="http://schemas.openxmlformats.org/presentationml/2006/main">
+  <p:cSld>
+    <p:spTree>
+      <p:nvGrpSpPr>
+        <p:cNvPr id="1" name=""/>
+        <p:cNvGrpSpPr/>
+        <p:nvPr/>
+      </p:nvGrpSpPr>
+      <p:grpSpPr>
+        <a:xfrm>
+          <a:off x="0" y="0"/>
+          <a:ext cx="0" cy="0"/>
+          <a:chOff x="0" y="0"/>
+          <a:chExt cx="0" cy="0"/>
+        </a:xfrm>
+      </p:grpSpPr>
+      <p:sp>
+        <p:nvSpPr>
+          <p:cNvPr id="3" name="Title 2"/>
+          <p:cNvSpPr>
+            <a:spLocks noGrp="1"/>
+          </p:cNvSpPr>
+          <p:nvPr>
+            <p:ph type="title"/>
+          </p:nvPr>
+        </p:nvSpPr>
+        <p:spPr/>
+        <p:txBody>
+          <a:bodyPr/>
+          <a:lstStyle/>
+          <a:p>
+            <a:r>
+              <a:rPr lang="en-US" dirty="0"/>
+              <a:t>Owned Entities</a:t>
+            </a:r>
+          </a:p>
+        </p:txBody>
+      </p:sp>
+      <p:sp>
+        <p:nvSpPr>
+          <p:cNvPr id="4" name="TextBox 3">
+            <a:extLst>
+              <a:ext uri="{FF2B5EF4-FFF2-40B4-BE49-F238E27FC236}">
+                <a16:creationId xmlns:a16="http://schemas.microsoft.com/office/drawing/2014/main" id="{BE44335B-9DED-43A9-AD37-5123B2AF7906}"/>
+              </a:ext>
+            </a:extLst>
+          </p:cNvPr>
+          <p:cNvSpPr txBox="1"/>
+          <p:nvPr/>
+        </p:nvSpPr>
+        <p:spPr>
+          <a:xfrm>
+            <a:off x="9264650" y="6287643"/>
+            <a:ext cx="2768600" cy="369332"/>
+          </a:xfrm>
+          <a:prstGeom prst="rect">
+            <a:avLst/>
+          </a:prstGeom>
+          <a:noFill/>
+        </p:spPr>
+        <p:txBody>
+          <a:bodyPr wrap="square" rtlCol="0">
+            <a:spAutoFit/>
+          </a:bodyPr>
+          <a:lstStyle/>
+          <a:p>
+            <a:pPr algn="r"/>
+            <a:r>
+              <a:rPr lang="en-US" dirty="0"/>
+              <a:t>EF Core 2.0</a:t>
+            </a:r>
+          </a:p>
+        </p:txBody>
+      </p:sp>
+    </p:spTree>
+    <p:extLst>
+      <p:ext uri="{BB962C8B-B14F-4D97-AF65-F5344CB8AC3E}">
+        <p14:creationId xmlns:p14="http://schemas.microsoft.com/office/powerpoint/2010/main" val="1317897041"/>
       </p:ext>
     </p:extLst>
   </p:cSld>

--- a/What’s new in Entity Framework Core 2.pptx
+++ b/What’s new in Entity Framework Core 2.pptx
@@ -244,7 +244,7 @@
           <a:p>
             <a:fld id="{21D56219-E84E-4D24-9852-DB0F76E72D55}" type="datetimeFigureOut">
               <a:rPr lang="en-US" smtClean="0"/>
-              <a:t>10/18/18</a:t>
+              <a:t>10/25/2018</a:t>
             </a:fld>
             <a:endParaRPr lang="en-US"/>
           </a:p>
@@ -9560,7 +9560,7 @@
 </file>
 
 <file path=ppt/slides/slide13.xml><?xml version="1.0" encoding="utf-8"?>
-<p:sld xmlns:a="http://schemas.openxmlformats.org/drawingml/2006/main" xmlns:r="http://schemas.openxmlformats.org/officeDocument/2006/relationships" xmlns:p="http://schemas.openxmlformats.org/presentationml/2006/main">
+<p:sld xmlns:a="http://schemas.openxmlformats.org/drawingml/2006/main" xmlns:r="http://schemas.openxmlformats.org/officeDocument/2006/relationships" xmlns:p="http://schemas.openxmlformats.org/presentationml/2006/main" show="0">
   <p:cSld>
     <p:spTree>
       <p:nvGrpSpPr>
@@ -25744,7 +25744,7 @@
 </file>
 
 <file path=ppt/slides/slide8.xml><?xml version="1.0" encoding="utf-8"?>
-<p:sld xmlns:a="http://schemas.openxmlformats.org/drawingml/2006/main" xmlns:r="http://schemas.openxmlformats.org/officeDocument/2006/relationships" xmlns:p="http://schemas.openxmlformats.org/presentationml/2006/main">
+<p:sld xmlns:a="http://schemas.openxmlformats.org/drawingml/2006/main" xmlns:r="http://schemas.openxmlformats.org/officeDocument/2006/relationships" xmlns:p="http://schemas.openxmlformats.org/presentationml/2006/main" show="0">
   <p:cSld>
     <p:spTree>
       <p:nvGrpSpPr>
